--- a/Backend MockUps.pptx
+++ b/Backend MockUps.pptx
@@ -114,7 +114,16 @@
       </a:defRPr>
     </a:lvl9pPr>
   </p:defaultTextStyle>
+  <p:extLst>
+    <p:ext uri="{EFAFB233-063F-42B5-8137-9DF3F51BA10A}">
+      <p15:sldGuideLst xmlns:p15="http://schemas.microsoft.com/office/powerpoint/2012/main"/>
+    </p:ext>
+  </p:extLst>
 </p:presentation>
+</file>
+
+<file path=ppt/revisionInfo.xml><?xml version="1.0" encoding="utf-8"?>
+<p1510:revInfo xmlns:a="http://schemas.openxmlformats.org/drawingml/2006/main" xmlns:r="http://schemas.openxmlformats.org/officeDocument/2006/relationships" xmlns:p1510="http://schemas.microsoft.com/office/powerpoint/2015/10/main"/>
 </file>
 
 <file path=ppt/handoutMasters/handoutMaster1.xml><?xml version="1.0" encoding="utf-8"?>
@@ -419,7 +428,7 @@
           <a:p>
             <a:fld id="{845C2F34-E2C9-43C8-9030-ABD591366C3C}" type="datetimeFigureOut">
               <a:rPr lang="en-US"/>
-              <a:t>12/10/17</a:t>
+              <a:t>1/19/2018</a:t>
             </a:fld>
             <a:endParaRPr lang="en-US"/>
           </a:p>
@@ -583,7 +592,7 @@
           <a:p>
             <a:fld id="{6749A6DD-D599-4A87-9F8B-3CFA0C4AC7EB}" type="datetimeFigureOut">
               <a:rPr lang="en-US"/>
-              <a:t>12/10/17</a:t>
+              <a:t>1/19/2018</a:t>
             </a:fld>
             <a:endParaRPr lang="en-US"/>
           </a:p>
@@ -1176,7 +1185,7 @@
                 <a:tabLst/>
                 <a:defRPr/>
               </a:pPr>
-              <a:t>12/10/17</a:t>
+              <a:t>1/19/2018</a:t>
             </a:fld>
             <a:endParaRPr kumimoji="0" lang="en-US" sz="1200" b="0" i="0" u="none" strike="noStrike" kern="1200" cap="none" spc="0" normalizeH="0" baseline="0" noProof="0">
               <a:ln>
@@ -1531,7 +1540,7 @@
                 <a:tabLst/>
                 <a:defRPr/>
               </a:pPr>
-              <a:t>12/10/17</a:t>
+              <a:t>1/19/2018</a:t>
             </a:fld>
             <a:endParaRPr kumimoji="0" lang="en-US" sz="1200" b="0" i="0" u="none" strike="noStrike" kern="1200" cap="none" spc="0" normalizeH="0" baseline="0" noProof="0">
               <a:ln>
@@ -1748,8 +1757,8 @@
         </p:nvSpPr>
         <p:spPr>
           <a:xfrm>
-            <a:off x="1107000" y="812520"/>
-            <a:ext cx="5345280" cy="4008959"/>
+            <a:off x="1106488" y="812800"/>
+            <a:ext cx="5345112" cy="4008438"/>
           </a:xfrm>
           <a:solidFill>
             <a:srgbClr val="729FCF"/>
@@ -1886,7 +1895,7 @@
                 <a:tabLst/>
                 <a:defRPr/>
               </a:pPr>
-              <a:t>12/10/17</a:t>
+              <a:t>1/19/2018</a:t>
             </a:fld>
             <a:endParaRPr kumimoji="0" lang="en-US" sz="1200" b="0" i="0" u="none" strike="noStrike" kern="1200" cap="none" spc="0" normalizeH="0" baseline="0" noProof="0">
               <a:ln>
@@ -2103,718 +2112,8 @@
         </p:nvSpPr>
         <p:spPr>
           <a:xfrm>
-            <a:off x="1107000" y="812520"/>
-            <a:ext cx="5345280" cy="4008959"/>
-          </a:xfrm>
-          <a:solidFill>
-            <a:srgbClr val="729FCF"/>
-          </a:solidFill>
-          <a:ln w="25400">
-            <a:solidFill>
-              <a:srgbClr val="3465A4"/>
-            </a:solidFill>
-            <a:prstDash val="solid"/>
-          </a:ln>
-        </p:spPr>
-      </p:sp>
-      <p:sp>
-        <p:nvSpPr>
-          <p:cNvPr id="3" name="Notes Placeholder 2"/>
-          <p:cNvSpPr txBox="1">
-            <a:spLocks noGrp="1"/>
-          </p:cNvSpPr>
-          <p:nvPr>
-            <p:ph type="body" sz="quarter" idx="1"/>
-          </p:nvPr>
-        </p:nvSpPr>
-        <p:spPr>
-          <a:xfrm>
-            <a:off x="756000" y="5078520"/>
-            <a:ext cx="6047640" cy="4811040"/>
-          </a:xfrm>
-          <a:noFill/>
-          <a:ln>
-            <a:noFill/>
-          </a:ln>
-        </p:spPr>
-        <p:txBody>
-          <a:bodyPr lIns="0" tIns="0" rIns="0" bIns="0"/>
-          <a:lstStyle/>
-          <a:p>
-            <a:endParaRPr lang="de-DE"/>
-          </a:p>
-        </p:txBody>
-      </p:sp>
-    </p:spTree>
-  </p:cSld>
-  <p:clrMapOvr>
-    <a:masterClrMapping/>
-  </p:clrMapOvr>
-</p:notes>
-</file>
-
-<file path=ppt/notesSlides/notesSlide4.xml><?xml version="1.0" encoding="utf-8"?>
-<p:notes xmlns:a="http://schemas.openxmlformats.org/drawingml/2006/main" xmlns:r="http://schemas.openxmlformats.org/officeDocument/2006/relationships" xmlns:p="http://schemas.openxmlformats.org/presentationml/2006/main">
-  <p:cSld>
-    <p:spTree>
-      <p:nvGrpSpPr>
-        <p:cNvPr id="1" name=""/>
-        <p:cNvGrpSpPr/>
-        <p:nvPr/>
-      </p:nvGrpSpPr>
-      <p:grpSpPr>
-        <a:xfrm>
-          <a:off x="0" y="0"/>
-          <a:ext cx="0" cy="0"/>
-          <a:chOff x="0" y="0"/>
-          <a:chExt cx="0" cy="0"/>
-        </a:xfrm>
-      </p:grpSpPr>
-      <p:sp>
-        <p:nvSpPr>
-          <p:cNvPr id="5" name="Date Placeholder 2"/>
-          <p:cNvSpPr txBox="1">
-            <a:spLocks noGrp="1"/>
-          </p:cNvSpPr>
-          <p:nvPr/>
-        </p:nvSpPr>
-        <p:spPr>
-          <a:xfrm>
-            <a:off x="4281488" y="0"/>
-            <a:ext cx="3276600" cy="536575"/>
-          </a:xfrm>
-          <a:prstGeom prst="rect">
-            <a:avLst/>
-          </a:prstGeom>
-          <a:noFill/>
-        </p:spPr>
-        <p:txBody>
-          <a:bodyPr vert="horz" lIns="91440" tIns="45720" rIns="91440" bIns="45720" rtlCol="0"/>
-          <a:lstStyle/>
-          <a:p>
-            <a:pPr marL="0" marR="0" lvl="0" indent="0" algn="r" defTabSz="914400" rtl="0" eaLnBrk="1" fontAlgn="auto" latinLnBrk="0" hangingPunct="1">
-              <a:lnSpc>
-                <a:spcPct val="100000"/>
-              </a:lnSpc>
-              <a:spcBef>
-                <a:spcPts val="0"/>
-              </a:spcBef>
-              <a:spcAft>
-                <a:spcPts val="0"/>
-              </a:spcAft>
-              <a:buClrTx/>
-              <a:buSzTx/>
-              <a:buFontTx/>
-              <a:buNone/>
-              <a:tabLst/>
-              <a:defRPr/>
-            </a:pPr>
-            <a:fld id="{6749A6DD-D599-4A87-9F8B-3CFA0C4AC7EB}" type="datetimeFigureOut">
-              <a:rPr kumimoji="0" lang="en-US" sz="1200" b="0" i="0" u="none" strike="noStrike" kern="1200" cap="none" spc="0" normalizeH="0" baseline="0" noProof="0" smtClean="0">
-                <a:ln>
-                  <a:noFill/>
-                </a:ln>
-                <a:solidFill>
-                  <a:schemeClr val="tx1"/>
-                </a:solidFill>
-                <a:effectLst/>
-                <a:uLnTx/>
-                <a:uFillTx/>
-                <a:latin typeface="+mn-lt"/>
-                <a:ea typeface="+mn-ea"/>
-                <a:cs typeface="+mn-cs"/>
-              </a:rPr>
-              <a:pPr marL="0" marR="0" lvl="0" indent="0" algn="r" defTabSz="914400" rtl="0" eaLnBrk="1" fontAlgn="auto" latinLnBrk="0" hangingPunct="1">
-                <a:lnSpc>
-                  <a:spcPct val="100000"/>
-                </a:lnSpc>
-                <a:spcBef>
-                  <a:spcPts val="0"/>
-                </a:spcBef>
-                <a:spcAft>
-                  <a:spcPts val="0"/>
-                </a:spcAft>
-                <a:buClrTx/>
-                <a:buSzTx/>
-                <a:buFontTx/>
-                <a:buNone/>
-                <a:tabLst/>
-                <a:defRPr/>
-              </a:pPr>
-              <a:t>12/10/17</a:t>
-            </a:fld>
-            <a:endParaRPr kumimoji="0" lang="en-US" sz="1200" b="0" i="0" u="none" strike="noStrike" kern="1200" cap="none" spc="0" normalizeH="0" baseline="0" noProof="0">
-              <a:ln>
-                <a:noFill/>
-              </a:ln>
-              <a:solidFill>
-                <a:schemeClr val="tx1"/>
-              </a:solidFill>
-              <a:effectLst/>
-              <a:uLnTx/>
-              <a:uFillTx/>
-              <a:latin typeface="+mn-lt"/>
-              <a:ea typeface="+mn-ea"/>
-              <a:cs typeface="+mn-cs"/>
-            </a:endParaRPr>
-          </a:p>
-        </p:txBody>
-      </p:sp>
-      <p:sp>
-        <p:nvSpPr>
-          <p:cNvPr id="9" name="Slide Number Placeholder 12"/>
-          <p:cNvSpPr txBox="1">
-            <a:spLocks noGrp="1"/>
-          </p:cNvSpPr>
-          <p:nvPr/>
-        </p:nvSpPr>
-        <p:spPr>
-          <a:xfrm>
-            <a:off x="4278960" y="10157400"/>
-            <a:ext cx="3280680" cy="534240"/>
-          </a:xfrm>
-          <a:prstGeom prst="rect">
-            <a:avLst/>
-          </a:prstGeom>
-          <a:noFill/>
-          <a:ln/>
-        </p:spPr>
-        <p:txBody>
-          <a:bodyPr lIns="0" tIns="0" rIns="0" bIns="0" anchor="b" anchorCtr="0">
-            <a:noAutofit/>
-          </a:bodyPr>
-          <a:lstStyle/>
-          <a:p>
-            <a:pPr marL="0" marR="0" lvl="0" indent="0" algn="r" defTabSz="914400" rtl="0" eaLnBrk="1" fontAlgn="auto" latinLnBrk="0" hangingPunct="0">
-              <a:lnSpc>
-                <a:spcPct val="100000"/>
-              </a:lnSpc>
-              <a:spcBef>
-                <a:spcPts val="0"/>
-              </a:spcBef>
-              <a:spcAft>
-                <a:spcPts val="0"/>
-              </a:spcAft>
-              <a:buClrTx/>
-              <a:buSzTx/>
-              <a:buFontTx/>
-              <a:buNone/>
-              <a:tabLst/>
-              <a:defRPr/>
-            </a:pPr>
-            <a:fld id="{3CAB7ABF-6C18-4943-AED8-274DA03E620A}" type="slidenum">
-              <a:rPr kumimoji="0" lang="de-DE" sz="1400" b="0" i="0" u="none" strike="noStrike" kern="1200" cap="none" spc="0" normalizeH="0" baseline="0" noProof="0" smtClean="0">
-                <a:ln>
-                  <a:noFill/>
-                </a:ln>
-                <a:solidFill>
-                  <a:schemeClr val="tx1"/>
-                </a:solidFill>
-                <a:effectLst/>
-                <a:uLnTx/>
-                <a:uFillTx/>
-                <a:latin typeface="Liberation Serif" pitchFamily="18"/>
-                <a:ea typeface="DejaVu Sans" pitchFamily="2"/>
-                <a:cs typeface="DejaVu Sans" pitchFamily="2"/>
-              </a:rPr>
-              <a:pPr marL="0" marR="0" lvl="0" indent="0" algn="r" defTabSz="914400" rtl="0" eaLnBrk="1" fontAlgn="auto" latinLnBrk="0" hangingPunct="0">
-                <a:lnSpc>
-                  <a:spcPct val="100000"/>
-                </a:lnSpc>
-                <a:spcBef>
-                  <a:spcPts val="0"/>
-                </a:spcBef>
-                <a:spcAft>
-                  <a:spcPts val="0"/>
-                </a:spcAft>
-                <a:buClrTx/>
-                <a:buSzTx/>
-                <a:buFontTx/>
-                <a:buNone/>
-                <a:tabLst/>
-                <a:defRPr/>
-              </a:pPr>
-              <a:t>4</a:t>
-            </a:fld>
-            <a:endParaRPr kumimoji="0" lang="de-DE" sz="1400" b="0" i="0" u="none" strike="noStrike" kern="1200" cap="none" spc="0" normalizeH="0" baseline="0" noProof="0">
-              <a:ln>
-                <a:noFill/>
-              </a:ln>
-              <a:solidFill>
-                <a:schemeClr val="tx1"/>
-              </a:solidFill>
-              <a:effectLst/>
-              <a:uLnTx/>
-              <a:uFillTx/>
-              <a:latin typeface="Liberation Serif" pitchFamily="18"/>
-              <a:ea typeface="DejaVu Sans" pitchFamily="2"/>
-              <a:cs typeface="DejaVu Sans" pitchFamily="2"/>
-            </a:endParaRPr>
-          </a:p>
-        </p:txBody>
-      </p:sp>
-      <p:sp>
-        <p:nvSpPr>
-          <p:cNvPr id="11" name="Slide Number Placeholder 6"/>
-          <p:cNvSpPr txBox="1">
-            <a:spLocks noGrp="1"/>
-          </p:cNvSpPr>
-          <p:nvPr/>
-        </p:nvSpPr>
-        <p:spPr>
-          <a:xfrm>
-            <a:off x="4278960" y="10157400"/>
-            <a:ext cx="3280680" cy="534240"/>
-          </a:xfrm>
-          <a:prstGeom prst="rect">
-            <a:avLst/>
-          </a:prstGeom>
-          <a:noFill/>
-          <a:ln/>
-        </p:spPr>
-        <p:txBody>
-          <a:bodyPr vert="horz" lIns="91440" tIns="45720" rIns="91440" bIns="45720" rtlCol="0" anchor="b" anchorCtr="0">
-            <a:noAutofit/>
-          </a:bodyPr>
-          <a:lstStyle/>
-          <a:p>
-            <a:pPr marL="0" marR="0" lvl="0" indent="0" algn="r" defTabSz="914400" rtl="0" eaLnBrk="1" fontAlgn="auto" latinLnBrk="0" hangingPunct="0">
-              <a:lnSpc>
-                <a:spcPct val="100000"/>
-              </a:lnSpc>
-              <a:spcBef>
-                <a:spcPts val="0"/>
-              </a:spcBef>
-              <a:spcAft>
-                <a:spcPts val="0"/>
-              </a:spcAft>
-              <a:buClrTx/>
-              <a:buSzTx/>
-              <a:buFontTx/>
-              <a:buNone/>
-              <a:tabLst/>
-              <a:defRPr/>
-            </a:pPr>
-            <a:fld id="{59C4966E-4D84-4AB0-8C6A-4282FFEFBB7F}" type="slidenum">
-              <a:rPr kumimoji="0" lang="en-US" sz="1400" b="0" i="0" u="none" strike="noStrike" kern="1200" cap="none" spc="0" normalizeH="0" baseline="0" noProof="0" smtClean="0">
-                <a:ln>
-                  <a:noFill/>
-                </a:ln>
-                <a:solidFill>
-                  <a:schemeClr val="tx1"/>
-                </a:solidFill>
-                <a:effectLst/>
-                <a:uLnTx/>
-                <a:uFillTx/>
-                <a:latin typeface="Liberation Serif" pitchFamily="18"/>
-                <a:ea typeface="DejaVu Sans" pitchFamily="2"/>
-                <a:cs typeface="DejaVu Sans" pitchFamily="2"/>
-              </a:rPr>
-              <a:pPr marL="0" marR="0" lvl="0" indent="0" algn="r" defTabSz="914400" rtl="0" eaLnBrk="1" fontAlgn="auto" latinLnBrk="0" hangingPunct="0">
-                <a:lnSpc>
-                  <a:spcPct val="100000"/>
-                </a:lnSpc>
-                <a:spcBef>
-                  <a:spcPts val="0"/>
-                </a:spcBef>
-                <a:spcAft>
-                  <a:spcPts val="0"/>
-                </a:spcAft>
-                <a:buClrTx/>
-                <a:buSzTx/>
-                <a:buFontTx/>
-                <a:buNone/>
-                <a:tabLst/>
-                <a:defRPr/>
-              </a:pPr>
-              <a:t>4</a:t>
-            </a:fld>
-            <a:endParaRPr kumimoji="0" lang="en-US" sz="1400" b="0" i="0" u="none" strike="noStrike" kern="1200" cap="none" spc="0" normalizeH="0" baseline="0" noProof="0">
-              <a:ln>
-                <a:noFill/>
-              </a:ln>
-              <a:solidFill>
-                <a:schemeClr val="tx1"/>
-              </a:solidFill>
-              <a:effectLst/>
-              <a:uLnTx/>
-              <a:uFillTx/>
-              <a:latin typeface="Liberation Serif" pitchFamily="18"/>
-              <a:ea typeface="DejaVu Sans" pitchFamily="2"/>
-              <a:cs typeface="DejaVu Sans" pitchFamily="2"/>
-            </a:endParaRPr>
-          </a:p>
-        </p:txBody>
-      </p:sp>
-      <p:sp>
-        <p:nvSpPr>
-          <p:cNvPr id="2" name="Slide Image Placeholder 1"/>
-          <p:cNvSpPr>
-            <a:spLocks noGrp="1" noRot="1" noChangeAspect="1" noResize="1"/>
-          </p:cNvSpPr>
-          <p:nvPr>
-            <p:ph type="sldImg"/>
-          </p:nvPr>
-        </p:nvSpPr>
-        <p:spPr>
-          <a:xfrm>
-            <a:off x="1107000" y="812520"/>
-            <a:ext cx="5345280" cy="4008959"/>
-          </a:xfrm>
-          <a:solidFill>
-            <a:srgbClr val="729FCF"/>
-          </a:solidFill>
-          <a:ln w="25400">
-            <a:solidFill>
-              <a:srgbClr val="3465A4"/>
-            </a:solidFill>
-            <a:prstDash val="solid"/>
-          </a:ln>
-        </p:spPr>
-      </p:sp>
-      <p:sp>
-        <p:nvSpPr>
-          <p:cNvPr id="3" name="Notes Placeholder 2"/>
-          <p:cNvSpPr txBox="1">
-            <a:spLocks noGrp="1"/>
-          </p:cNvSpPr>
-          <p:nvPr>
-            <p:ph type="body" sz="quarter" idx="1"/>
-          </p:nvPr>
-        </p:nvSpPr>
-        <p:spPr>
-          <a:xfrm>
-            <a:off x="756000" y="5078520"/>
-            <a:ext cx="6047640" cy="4811040"/>
-          </a:xfrm>
-          <a:noFill/>
-          <a:ln>
-            <a:noFill/>
-          </a:ln>
-        </p:spPr>
-        <p:txBody>
-          <a:bodyPr lIns="0" tIns="0" rIns="0" bIns="0"/>
-          <a:lstStyle/>
-          <a:p>
-            <a:endParaRPr lang="de-DE"/>
-          </a:p>
-        </p:txBody>
-      </p:sp>
-    </p:spTree>
-  </p:cSld>
-  <p:clrMapOvr>
-    <a:masterClrMapping/>
-  </p:clrMapOvr>
-</p:notes>
-</file>
-
-<file path=ppt/notesSlides/notesSlide5.xml><?xml version="1.0" encoding="utf-8"?>
-<p:notes xmlns:a="http://schemas.openxmlformats.org/drawingml/2006/main" xmlns:r="http://schemas.openxmlformats.org/officeDocument/2006/relationships" xmlns:p="http://schemas.openxmlformats.org/presentationml/2006/main">
-  <p:cSld>
-    <p:spTree>
-      <p:nvGrpSpPr>
-        <p:cNvPr id="1" name=""/>
-        <p:cNvGrpSpPr/>
-        <p:nvPr/>
-      </p:nvGrpSpPr>
-      <p:grpSpPr>
-        <a:xfrm>
-          <a:off x="0" y="0"/>
-          <a:ext cx="0" cy="0"/>
-          <a:chOff x="0" y="0"/>
-          <a:chExt cx="0" cy="0"/>
-        </a:xfrm>
-      </p:grpSpPr>
-      <p:sp>
-        <p:nvSpPr>
-          <p:cNvPr id="5" name="Date Placeholder 2"/>
-          <p:cNvSpPr txBox="1">
-            <a:spLocks noGrp="1"/>
-          </p:cNvSpPr>
-          <p:nvPr/>
-        </p:nvSpPr>
-        <p:spPr>
-          <a:xfrm>
-            <a:off x="4281488" y="0"/>
-            <a:ext cx="3276600" cy="536575"/>
-          </a:xfrm>
-          <a:prstGeom prst="rect">
-            <a:avLst/>
-          </a:prstGeom>
-          <a:noFill/>
-        </p:spPr>
-        <p:txBody>
-          <a:bodyPr vert="horz" lIns="91440" tIns="45720" rIns="91440" bIns="45720" rtlCol="0"/>
-          <a:lstStyle/>
-          <a:p>
-            <a:pPr marL="0" marR="0" lvl="0" indent="0" algn="r" defTabSz="914400" rtl="0" eaLnBrk="1" fontAlgn="auto" latinLnBrk="0" hangingPunct="1">
-              <a:lnSpc>
-                <a:spcPct val="100000"/>
-              </a:lnSpc>
-              <a:spcBef>
-                <a:spcPts val="0"/>
-              </a:spcBef>
-              <a:spcAft>
-                <a:spcPts val="0"/>
-              </a:spcAft>
-              <a:buClrTx/>
-              <a:buSzTx/>
-              <a:buFontTx/>
-              <a:buNone/>
-              <a:tabLst/>
-              <a:defRPr/>
-            </a:pPr>
-            <a:fld id="{6749A6DD-D599-4A87-9F8B-3CFA0C4AC7EB}" type="datetimeFigureOut">
-              <a:rPr kumimoji="0" lang="en-US" sz="1200" b="0" i="0" u="none" strike="noStrike" kern="1200" cap="none" spc="0" normalizeH="0" baseline="0" noProof="0" smtClean="0">
-                <a:ln>
-                  <a:noFill/>
-                </a:ln>
-                <a:solidFill>
-                  <a:schemeClr val="tx1"/>
-                </a:solidFill>
-                <a:effectLst/>
-                <a:uLnTx/>
-                <a:uFillTx/>
-                <a:latin typeface="+mn-lt"/>
-                <a:ea typeface="+mn-ea"/>
-                <a:cs typeface="+mn-cs"/>
-              </a:rPr>
-              <a:pPr marL="0" marR="0" lvl="0" indent="0" algn="r" defTabSz="914400" rtl="0" eaLnBrk="1" fontAlgn="auto" latinLnBrk="0" hangingPunct="1">
-                <a:lnSpc>
-                  <a:spcPct val="100000"/>
-                </a:lnSpc>
-                <a:spcBef>
-                  <a:spcPts val="0"/>
-                </a:spcBef>
-                <a:spcAft>
-                  <a:spcPts val="0"/>
-                </a:spcAft>
-                <a:buClrTx/>
-                <a:buSzTx/>
-                <a:buFontTx/>
-                <a:buNone/>
-                <a:tabLst/>
-                <a:defRPr/>
-              </a:pPr>
-              <a:t>12/10/17</a:t>
-            </a:fld>
-            <a:endParaRPr kumimoji="0" lang="en-US" sz="1200" b="0" i="0" u="none" strike="noStrike" kern="1200" cap="none" spc="0" normalizeH="0" baseline="0" noProof="0">
-              <a:ln>
-                <a:noFill/>
-              </a:ln>
-              <a:solidFill>
-                <a:schemeClr val="tx1"/>
-              </a:solidFill>
-              <a:effectLst/>
-              <a:uLnTx/>
-              <a:uFillTx/>
-              <a:latin typeface="+mn-lt"/>
-              <a:ea typeface="+mn-ea"/>
-              <a:cs typeface="+mn-cs"/>
-            </a:endParaRPr>
-          </a:p>
-        </p:txBody>
-      </p:sp>
-      <p:sp>
-        <p:nvSpPr>
-          <p:cNvPr id="9" name="Slide Number Placeholder 12"/>
-          <p:cNvSpPr txBox="1">
-            <a:spLocks noGrp="1"/>
-          </p:cNvSpPr>
-          <p:nvPr/>
-        </p:nvSpPr>
-        <p:spPr>
-          <a:xfrm>
-            <a:off x="4278960" y="10157400"/>
-            <a:ext cx="3280680" cy="534240"/>
-          </a:xfrm>
-          <a:prstGeom prst="rect">
-            <a:avLst/>
-          </a:prstGeom>
-          <a:noFill/>
-          <a:ln/>
-        </p:spPr>
-        <p:txBody>
-          <a:bodyPr lIns="0" tIns="0" rIns="0" bIns="0" anchor="b" anchorCtr="0">
-            <a:noAutofit/>
-          </a:bodyPr>
-          <a:lstStyle/>
-          <a:p>
-            <a:pPr marL="0" marR="0" lvl="0" indent="0" algn="r" defTabSz="914400" rtl="0" eaLnBrk="1" fontAlgn="auto" latinLnBrk="0" hangingPunct="0">
-              <a:lnSpc>
-                <a:spcPct val="100000"/>
-              </a:lnSpc>
-              <a:spcBef>
-                <a:spcPts val="0"/>
-              </a:spcBef>
-              <a:spcAft>
-                <a:spcPts val="0"/>
-              </a:spcAft>
-              <a:buClrTx/>
-              <a:buSzTx/>
-              <a:buFontTx/>
-              <a:buNone/>
-              <a:tabLst/>
-              <a:defRPr/>
-            </a:pPr>
-            <a:fld id="{972964E1-8339-47EC-B5BE-988697200B8C}" type="slidenum">
-              <a:rPr kumimoji="0" lang="de-DE" sz="1400" b="0" i="0" u="none" strike="noStrike" kern="1200" cap="none" spc="0" normalizeH="0" baseline="0" noProof="0" smtClean="0">
-                <a:ln>
-                  <a:noFill/>
-                </a:ln>
-                <a:solidFill>
-                  <a:schemeClr val="tx1"/>
-                </a:solidFill>
-                <a:effectLst/>
-                <a:uLnTx/>
-                <a:uFillTx/>
-                <a:latin typeface="Liberation Serif" pitchFamily="18"/>
-                <a:ea typeface="DejaVu Sans" pitchFamily="2"/>
-                <a:cs typeface="DejaVu Sans" pitchFamily="2"/>
-              </a:rPr>
-              <a:pPr marL="0" marR="0" lvl="0" indent="0" algn="r" defTabSz="914400" rtl="0" eaLnBrk="1" fontAlgn="auto" latinLnBrk="0" hangingPunct="0">
-                <a:lnSpc>
-                  <a:spcPct val="100000"/>
-                </a:lnSpc>
-                <a:spcBef>
-                  <a:spcPts val="0"/>
-                </a:spcBef>
-                <a:spcAft>
-                  <a:spcPts val="0"/>
-                </a:spcAft>
-                <a:buClrTx/>
-                <a:buSzTx/>
-                <a:buFontTx/>
-                <a:buNone/>
-                <a:tabLst/>
-                <a:defRPr/>
-              </a:pPr>
-              <a:t>5</a:t>
-            </a:fld>
-            <a:endParaRPr kumimoji="0" lang="de-DE" sz="1400" b="0" i="0" u="none" strike="noStrike" kern="1200" cap="none" spc="0" normalizeH="0" baseline="0" noProof="0">
-              <a:ln>
-                <a:noFill/>
-              </a:ln>
-              <a:solidFill>
-                <a:schemeClr val="tx1"/>
-              </a:solidFill>
-              <a:effectLst/>
-              <a:uLnTx/>
-              <a:uFillTx/>
-              <a:latin typeface="Liberation Serif" pitchFamily="18"/>
-              <a:ea typeface="DejaVu Sans" pitchFamily="2"/>
-              <a:cs typeface="DejaVu Sans" pitchFamily="2"/>
-            </a:endParaRPr>
-          </a:p>
-        </p:txBody>
-      </p:sp>
-      <p:sp>
-        <p:nvSpPr>
-          <p:cNvPr id="11" name="Slide Number Placeholder 6"/>
-          <p:cNvSpPr txBox="1">
-            <a:spLocks noGrp="1"/>
-          </p:cNvSpPr>
-          <p:nvPr/>
-        </p:nvSpPr>
-        <p:spPr>
-          <a:xfrm>
-            <a:off x="4278960" y="10157400"/>
-            <a:ext cx="3280680" cy="534240"/>
-          </a:xfrm>
-          <a:prstGeom prst="rect">
-            <a:avLst/>
-          </a:prstGeom>
-          <a:noFill/>
-          <a:ln/>
-        </p:spPr>
-        <p:txBody>
-          <a:bodyPr vert="horz" lIns="91440" tIns="45720" rIns="91440" bIns="45720" rtlCol="0" anchor="b" anchorCtr="0">
-            <a:noAutofit/>
-          </a:bodyPr>
-          <a:lstStyle/>
-          <a:p>
-            <a:pPr marL="0" marR="0" lvl="0" indent="0" algn="r" defTabSz="914400" rtl="0" eaLnBrk="1" fontAlgn="auto" latinLnBrk="0" hangingPunct="0">
-              <a:lnSpc>
-                <a:spcPct val="100000"/>
-              </a:lnSpc>
-              <a:spcBef>
-                <a:spcPts val="0"/>
-              </a:spcBef>
-              <a:spcAft>
-                <a:spcPts val="0"/>
-              </a:spcAft>
-              <a:buClrTx/>
-              <a:buSzTx/>
-              <a:buFontTx/>
-              <a:buNone/>
-              <a:tabLst/>
-              <a:defRPr/>
-            </a:pPr>
-            <a:fld id="{BD924B9A-624D-4AE5-9824-FFBE5447FFFD}" type="slidenum">
-              <a:rPr kumimoji="0" lang="en-US" sz="1400" b="0" i="0" u="none" strike="noStrike" kern="1200" cap="none" spc="0" normalizeH="0" baseline="0" noProof="0" smtClean="0">
-                <a:ln>
-                  <a:noFill/>
-                </a:ln>
-                <a:solidFill>
-                  <a:schemeClr val="tx1"/>
-                </a:solidFill>
-                <a:effectLst/>
-                <a:uLnTx/>
-                <a:uFillTx/>
-                <a:latin typeface="Liberation Serif" pitchFamily="18"/>
-                <a:ea typeface="DejaVu Sans" pitchFamily="2"/>
-                <a:cs typeface="DejaVu Sans" pitchFamily="2"/>
-              </a:rPr>
-              <a:pPr marL="0" marR="0" lvl="0" indent="0" algn="r" defTabSz="914400" rtl="0" eaLnBrk="1" fontAlgn="auto" latinLnBrk="0" hangingPunct="0">
-                <a:lnSpc>
-                  <a:spcPct val="100000"/>
-                </a:lnSpc>
-                <a:spcBef>
-                  <a:spcPts val="0"/>
-                </a:spcBef>
-                <a:spcAft>
-                  <a:spcPts val="0"/>
-                </a:spcAft>
-                <a:buClrTx/>
-                <a:buSzTx/>
-                <a:buFontTx/>
-                <a:buNone/>
-                <a:tabLst/>
-                <a:defRPr/>
-              </a:pPr>
-              <a:t>5</a:t>
-            </a:fld>
-            <a:endParaRPr kumimoji="0" lang="en-US" sz="1400" b="0" i="0" u="none" strike="noStrike" kern="1200" cap="none" spc="0" normalizeH="0" baseline="0" noProof="0">
-              <a:ln>
-                <a:noFill/>
-              </a:ln>
-              <a:solidFill>
-                <a:schemeClr val="tx1"/>
-              </a:solidFill>
-              <a:effectLst/>
-              <a:uLnTx/>
-              <a:uFillTx/>
-              <a:latin typeface="Liberation Serif" pitchFamily="18"/>
-              <a:ea typeface="DejaVu Sans" pitchFamily="2"/>
-              <a:cs typeface="DejaVu Sans" pitchFamily="2"/>
-            </a:endParaRPr>
-          </a:p>
-        </p:txBody>
-      </p:sp>
-      <p:sp>
-        <p:nvSpPr>
-          <p:cNvPr id="2" name="Slide Image Placeholder 1"/>
-          <p:cNvSpPr>
-            <a:spLocks noGrp="1" noRot="1" noChangeAspect="1" noResize="1"/>
-          </p:cNvSpPr>
-          <p:nvPr>
-            <p:ph type="sldImg"/>
-          </p:nvPr>
-        </p:nvSpPr>
-        <p:spPr>
-          <a:xfrm>
-            <a:off x="1107000" y="812520"/>
-            <a:ext cx="5345280" cy="4008959"/>
+            <a:off x="1106488" y="812800"/>
+            <a:ext cx="5345112" cy="4008438"/>
           </a:xfrm>
           <a:solidFill>
             <a:srgbClr val="729FCF"/>
@@ -6577,102 +5876,6 @@
           </a:p>
         </p:txBody>
       </p:sp>
-      <p:sp>
-        <p:nvSpPr>
-          <p:cNvPr id="6" name="Freeform: Shape 5"/>
-          <p:cNvSpPr/>
-          <p:nvPr/>
-        </p:nvSpPr>
-        <p:spPr>
-          <a:xfrm>
-            <a:off x="72000" y="72000"/>
-            <a:ext cx="9936000" cy="7343999"/>
-          </a:xfrm>
-          <a:custGeom>
-            <a:avLst/>
-            <a:gdLst>
-              <a:gd name="f0" fmla="val 0"/>
-              <a:gd name="f1" fmla="val 21600"/>
-            </a:gdLst>
-            <a:ahLst/>
-            <a:cxnLst>
-              <a:cxn ang="3cd4">
-                <a:pos x="hc" y="t"/>
-              </a:cxn>
-              <a:cxn ang="0">
-                <a:pos x="r" y="vc"/>
-              </a:cxn>
-              <a:cxn ang="cd4">
-                <a:pos x="hc" y="b"/>
-              </a:cxn>
-              <a:cxn ang="cd2">
-                <a:pos x="l" y="vc"/>
-              </a:cxn>
-            </a:cxnLst>
-            <a:rect l="l" t="t" r="r" b="b"/>
-            <a:pathLst>
-              <a:path w="21600" h="21600">
-                <a:moveTo>
-                  <a:pt x="f0" y="f0"/>
-                </a:moveTo>
-                <a:lnTo>
-                  <a:pt x="f1" y="f0"/>
-                </a:lnTo>
-                <a:lnTo>
-                  <a:pt x="f1" y="f1"/>
-                </a:lnTo>
-                <a:lnTo>
-                  <a:pt x="f0" y="f1"/>
-                </a:lnTo>
-                <a:lnTo>
-                  <a:pt x="f0" y="f0"/>
-                </a:lnTo>
-                <a:close/>
-              </a:path>
-            </a:pathLst>
-          </a:custGeom>
-          <a:solidFill>
-            <a:srgbClr val="729FCF">
-              <a:alpha val="0"/>
-            </a:srgbClr>
-          </a:solidFill>
-          <a:ln w="29160">
-            <a:solidFill>
-              <a:srgbClr val="3465A4"/>
-            </a:solidFill>
-            <a:prstDash val="solid"/>
-          </a:ln>
-        </p:spPr>
-        <p:txBody>
-          <a:bodyPr vert="horz" wrap="none" lIns="104400" tIns="59400" rIns="104400" bIns="59400" anchor="ctr" anchorCtr="0" compatLnSpc="0">
-            <a:noAutofit/>
-          </a:bodyPr>
-          <a:lstStyle/>
-          <a:p>
-            <a:pPr marL="0" marR="0" lvl="0" indent="0" rtl="0" hangingPunct="0">
-              <a:lnSpc>
-                <a:spcPct val="100000"/>
-              </a:lnSpc>
-              <a:spcBef>
-                <a:spcPts val="0"/>
-              </a:spcBef>
-              <a:spcAft>
-                <a:spcPts val="0"/>
-              </a:spcAft>
-              <a:buNone/>
-              <a:tabLst/>
-            </a:pPr>
-            <a:endParaRPr lang="de-DE" sz="1800" b="0" i="0" u="none" strike="noStrike" kern="1200" cap="none">
-              <a:ln>
-                <a:noFill/>
-              </a:ln>
-              <a:latin typeface="Liberation Sans" pitchFamily="18"/>
-              <a:ea typeface="Noto Sans CJK SC Regular" pitchFamily="2"/>
-              <a:cs typeface="FreeSans" pitchFamily="2"/>
-            </a:endParaRPr>
-          </a:p>
-        </p:txBody>
-      </p:sp>
     </p:spTree>
   </p:cSld>
   <p:clrMapOvr>
@@ -7482,14 +6685,14 @@
       </p:sp>
       <p:sp>
         <p:nvSpPr>
-          <p:cNvPr id="9" name="Freeform: Shape 8"/>
+          <p:cNvPr id="13" name="Freeform: Shape 12"/>
           <p:cNvSpPr/>
           <p:nvPr/>
         </p:nvSpPr>
         <p:spPr>
           <a:xfrm>
-            <a:off x="144000" y="108000"/>
-            <a:ext cx="1007999" cy="432000"/>
+            <a:off x="1296000" y="107149"/>
+            <a:ext cx="913800" cy="432000"/>
           </a:xfrm>
           <a:custGeom>
             <a:avLst/>
@@ -7564,7 +6767,7 @@
               <a:tabLst/>
             </a:pPr>
             <a:r>
-              <a:rPr lang="de-DE" sz="1400" b="0" i="0" u="none" strike="noStrike" kern="1200" cap="none">
+              <a:rPr lang="de-DE" sz="1400" b="0" i="0" u="none" strike="noStrike" kern="1200" cap="none" dirty="0">
                 <a:ln>
                   <a:noFill/>
                 </a:ln>
@@ -7572,21 +6775,21 @@
                 <a:ea typeface="Noto Sans CJK SC Regular" pitchFamily="2"/>
                 <a:cs typeface="FreeSans" pitchFamily="2"/>
               </a:rPr>
-              <a:t>Dashboard</a:t>
+              <a:t>Benutzer</a:t>
             </a:r>
           </a:p>
         </p:txBody>
       </p:sp>
       <p:sp>
         <p:nvSpPr>
-          <p:cNvPr id="10" name="Freeform: Shape 9"/>
+          <p:cNvPr id="14" name="Freeform: Shape 13"/>
           <p:cNvSpPr/>
           <p:nvPr/>
         </p:nvSpPr>
         <p:spPr>
           <a:xfrm>
-            <a:off x="1188000" y="108000"/>
-            <a:ext cx="720000" cy="432000"/>
+            <a:off x="216000" y="126000"/>
+            <a:ext cx="936000" cy="432000"/>
           </a:xfrm>
           <a:custGeom>
             <a:avLst/>
@@ -7634,15 +6837,15 @@
           <a:solidFill>
             <a:srgbClr val="FF7F00"/>
           </a:solidFill>
-          <a:ln w="0">
+          <a:ln w="57240">
             <a:solidFill>
-              <a:srgbClr val="3465A4"/>
+              <a:srgbClr val="0000FF"/>
             </a:solidFill>
             <a:prstDash val="solid"/>
           </a:ln>
         </p:spPr>
         <p:txBody>
-          <a:bodyPr vert="horz" wrap="none" lIns="90000" tIns="45000" rIns="90000" bIns="45000" anchor="ctr" anchorCtr="0" compatLnSpc="0">
+          <a:bodyPr vert="horz" wrap="none" lIns="118440" tIns="73440" rIns="118440" bIns="73440" anchor="ctr" anchorCtr="0" compatLnSpc="0">
             <a:noAutofit/>
           </a:bodyPr>
           <a:lstStyle/>
@@ -7661,7 +6864,7 @@
               <a:tabLst/>
             </a:pPr>
             <a:r>
-              <a:rPr lang="de-DE" sz="1400" b="0" i="0" u="none" strike="noStrike" kern="1200" cap="none">
+              <a:rPr lang="de-DE" sz="1400" b="0" i="0" u="none" strike="noStrike" kern="1200" cap="none" dirty="0">
                 <a:ln>
                   <a:noFill/>
                 </a:ln>
@@ -7669,215 +6872,21 @@
                 <a:ea typeface="Noto Sans CJK SC Regular" pitchFamily="2"/>
                 <a:cs typeface="FreeSans" pitchFamily="2"/>
               </a:rPr>
-              <a:t>CMS</a:t>
+              <a:t>Verwalten</a:t>
             </a:r>
           </a:p>
         </p:txBody>
       </p:sp>
       <p:sp>
         <p:nvSpPr>
-          <p:cNvPr id="11" name="Freeform: Shape 10"/>
+          <p:cNvPr id="15" name="Freeform: Shape 14"/>
           <p:cNvSpPr/>
           <p:nvPr/>
         </p:nvSpPr>
         <p:spPr>
           <a:xfrm>
-            <a:off x="1944000" y="108000"/>
-            <a:ext cx="756000" cy="432000"/>
-          </a:xfrm>
-          <a:custGeom>
-            <a:avLst/>
-            <a:gdLst>
-              <a:gd name="f0" fmla="val 0"/>
-              <a:gd name="f1" fmla="val 21600"/>
-            </a:gdLst>
-            <a:ahLst/>
-            <a:cxnLst>
-              <a:cxn ang="3cd4">
-                <a:pos x="hc" y="t"/>
-              </a:cxn>
-              <a:cxn ang="0">
-                <a:pos x="r" y="vc"/>
-              </a:cxn>
-              <a:cxn ang="cd4">
-                <a:pos x="hc" y="b"/>
-              </a:cxn>
-              <a:cxn ang="cd2">
-                <a:pos x="l" y="vc"/>
-              </a:cxn>
-            </a:cxnLst>
-            <a:rect l="l" t="t" r="r" b="b"/>
-            <a:pathLst>
-              <a:path w="21600" h="21600">
-                <a:moveTo>
-                  <a:pt x="f0" y="f0"/>
-                </a:moveTo>
-                <a:lnTo>
-                  <a:pt x="f1" y="f0"/>
-                </a:lnTo>
-                <a:lnTo>
-                  <a:pt x="f1" y="f1"/>
-                </a:lnTo>
-                <a:lnTo>
-                  <a:pt x="f0" y="f1"/>
-                </a:lnTo>
-                <a:lnTo>
-                  <a:pt x="f0" y="f0"/>
-                </a:lnTo>
-                <a:close/>
-              </a:path>
-            </a:pathLst>
-          </a:custGeom>
-          <a:solidFill>
-            <a:srgbClr val="FF7F00"/>
-          </a:solidFill>
-          <a:ln w="0">
-            <a:solidFill>
-              <a:srgbClr val="3465A4"/>
-            </a:solidFill>
-            <a:prstDash val="solid"/>
-          </a:ln>
-        </p:spPr>
-        <p:txBody>
-          <a:bodyPr vert="horz" wrap="none" lIns="90000" tIns="45000" rIns="90000" bIns="45000" anchor="ctr" anchorCtr="0" compatLnSpc="0">
-            <a:noAutofit/>
-          </a:bodyPr>
-          <a:lstStyle/>
-          <a:p>
-            <a:pPr marL="0" marR="0" lvl="0" indent="0" algn="ctr" rtl="0" hangingPunct="0">
-              <a:lnSpc>
-                <a:spcPct val="100000"/>
-              </a:lnSpc>
-              <a:spcBef>
-                <a:spcPts val="0"/>
-              </a:spcBef>
-              <a:spcAft>
-                <a:spcPts val="0"/>
-              </a:spcAft>
-              <a:buNone/>
-              <a:tabLst/>
-            </a:pPr>
-            <a:r>
-              <a:rPr lang="de-DE" sz="1400" b="0" i="0" u="none" strike="noStrike" kern="1200" cap="none">
-                <a:ln>
-                  <a:noFill/>
-                </a:ln>
-                <a:latin typeface="Liberation Sans" pitchFamily="18"/>
-                <a:ea typeface="Noto Sans CJK SC Regular" pitchFamily="2"/>
-                <a:cs typeface="FreeSans" pitchFamily="2"/>
-              </a:rPr>
-              <a:t>Media</a:t>
-            </a:r>
-          </a:p>
-        </p:txBody>
-      </p:sp>
-      <p:sp>
-        <p:nvSpPr>
-          <p:cNvPr id="12" name="Freeform: Shape 11"/>
-          <p:cNvSpPr/>
-          <p:nvPr/>
-        </p:nvSpPr>
-        <p:spPr>
-          <a:xfrm>
-            <a:off x="2772000" y="108000"/>
-            <a:ext cx="720000" cy="432000"/>
-          </a:xfrm>
-          <a:custGeom>
-            <a:avLst/>
-            <a:gdLst>
-              <a:gd name="f0" fmla="val 0"/>
-              <a:gd name="f1" fmla="val 21600"/>
-            </a:gdLst>
-            <a:ahLst/>
-            <a:cxnLst>
-              <a:cxn ang="3cd4">
-                <a:pos x="hc" y="t"/>
-              </a:cxn>
-              <a:cxn ang="0">
-                <a:pos x="r" y="vc"/>
-              </a:cxn>
-              <a:cxn ang="cd4">
-                <a:pos x="hc" y="b"/>
-              </a:cxn>
-              <a:cxn ang="cd2">
-                <a:pos x="l" y="vc"/>
-              </a:cxn>
-            </a:cxnLst>
-            <a:rect l="l" t="t" r="r" b="b"/>
-            <a:pathLst>
-              <a:path w="21600" h="21600">
-                <a:moveTo>
-                  <a:pt x="f0" y="f0"/>
-                </a:moveTo>
-                <a:lnTo>
-                  <a:pt x="f1" y="f0"/>
-                </a:lnTo>
-                <a:lnTo>
-                  <a:pt x="f1" y="f1"/>
-                </a:lnTo>
-                <a:lnTo>
-                  <a:pt x="f0" y="f1"/>
-                </a:lnTo>
-                <a:lnTo>
-                  <a:pt x="f0" y="f0"/>
-                </a:lnTo>
-                <a:close/>
-              </a:path>
-            </a:pathLst>
-          </a:custGeom>
-          <a:solidFill>
-            <a:srgbClr val="FF7F00"/>
-          </a:solidFill>
-          <a:ln w="0">
-            <a:solidFill>
-              <a:srgbClr val="3465A4"/>
-            </a:solidFill>
-            <a:prstDash val="solid"/>
-          </a:ln>
-        </p:spPr>
-        <p:txBody>
-          <a:bodyPr vert="horz" wrap="none" lIns="90000" tIns="45000" rIns="90000" bIns="45000" anchor="ctr" anchorCtr="0" compatLnSpc="0">
-            <a:noAutofit/>
-          </a:bodyPr>
-          <a:lstStyle/>
-          <a:p>
-            <a:pPr marL="0" marR="0" lvl="0" indent="0" algn="ctr" rtl="0" hangingPunct="0">
-              <a:lnSpc>
-                <a:spcPct val="100000"/>
-              </a:lnSpc>
-              <a:spcBef>
-                <a:spcPts val="0"/>
-              </a:spcBef>
-              <a:spcAft>
-                <a:spcPts val="0"/>
-              </a:spcAft>
-              <a:buNone/>
-              <a:tabLst/>
-            </a:pPr>
-            <a:r>
-              <a:rPr lang="de-DE" sz="1400" b="0" i="0" u="none" strike="noStrike" kern="1200" cap="none">
-                <a:ln>
-                  <a:noFill/>
-                </a:ln>
-                <a:latin typeface="Liberation Sans" pitchFamily="18"/>
-                <a:ea typeface="Noto Sans CJK SC Regular" pitchFamily="2"/>
-                <a:cs typeface="FreeSans" pitchFamily="2"/>
-              </a:rPr>
-              <a:t>Pages</a:t>
-            </a:r>
-          </a:p>
-        </p:txBody>
-      </p:sp>
-      <p:sp>
-        <p:nvSpPr>
-          <p:cNvPr id="13" name="Freeform: Shape 12"/>
-          <p:cNvSpPr/>
-          <p:nvPr/>
-        </p:nvSpPr>
-        <p:spPr>
-          <a:xfrm>
-            <a:off x="4500000" y="108000"/>
-            <a:ext cx="684000" cy="432000"/>
+            <a:off x="2353800" y="108000"/>
+            <a:ext cx="1071650" cy="432000"/>
           </a:xfrm>
           <a:custGeom>
             <a:avLst/>
@@ -7952,7 +6961,7 @@
               <a:tabLst/>
             </a:pPr>
             <a:r>
-              <a:rPr lang="de-DE" sz="1400" b="0" i="0" u="none" strike="noStrike" kern="1200" cap="none">
+              <a:rPr lang="de-DE" sz="1400" b="0" i="0" u="none" strike="noStrike" kern="1200" cap="none" dirty="0">
                 <a:ln>
                   <a:noFill/>
                 </a:ln>
@@ -7960,118 +6969,21 @@
                 <a:ea typeface="Noto Sans CJK SC Regular" pitchFamily="2"/>
                 <a:cs typeface="FreeSans" pitchFamily="2"/>
               </a:rPr>
-              <a:t>Users</a:t>
+              <a:t>Verteilung</a:t>
             </a:r>
           </a:p>
         </p:txBody>
       </p:sp>
       <p:sp>
         <p:nvSpPr>
-          <p:cNvPr id="14" name="Freeform: Shape 13"/>
+          <p:cNvPr id="16" name="Freeform: Shape 15"/>
           <p:cNvSpPr/>
           <p:nvPr/>
         </p:nvSpPr>
         <p:spPr>
           <a:xfrm>
-            <a:off x="3528000" y="108000"/>
-            <a:ext cx="936000" cy="432000"/>
-          </a:xfrm>
-          <a:custGeom>
-            <a:avLst/>
-            <a:gdLst>
-              <a:gd name="f0" fmla="val 0"/>
-              <a:gd name="f1" fmla="val 21600"/>
-            </a:gdLst>
-            <a:ahLst/>
-            <a:cxnLst>
-              <a:cxn ang="3cd4">
-                <a:pos x="hc" y="t"/>
-              </a:cxn>
-              <a:cxn ang="0">
-                <a:pos x="r" y="vc"/>
-              </a:cxn>
-              <a:cxn ang="cd4">
-                <a:pos x="hc" y="b"/>
-              </a:cxn>
-              <a:cxn ang="cd2">
-                <a:pos x="l" y="vc"/>
-              </a:cxn>
-            </a:cxnLst>
-            <a:rect l="l" t="t" r="r" b="b"/>
-            <a:pathLst>
-              <a:path w="21600" h="21600">
-                <a:moveTo>
-                  <a:pt x="f0" y="f0"/>
-                </a:moveTo>
-                <a:lnTo>
-                  <a:pt x="f1" y="f0"/>
-                </a:lnTo>
-                <a:lnTo>
-                  <a:pt x="f1" y="f1"/>
-                </a:lnTo>
-                <a:lnTo>
-                  <a:pt x="f0" y="f1"/>
-                </a:lnTo>
-                <a:lnTo>
-                  <a:pt x="f0" y="f0"/>
-                </a:lnTo>
-                <a:close/>
-              </a:path>
-            </a:pathLst>
-          </a:custGeom>
-          <a:solidFill>
-            <a:srgbClr val="FF7F00"/>
-          </a:solidFill>
-          <a:ln w="57240">
-            <a:solidFill>
-              <a:srgbClr val="0000FF"/>
-            </a:solidFill>
-            <a:prstDash val="solid"/>
-          </a:ln>
-        </p:spPr>
-        <p:txBody>
-          <a:bodyPr vert="horz" wrap="none" lIns="118440" tIns="73440" rIns="118440" bIns="73440" anchor="ctr" anchorCtr="0" compatLnSpc="0">
-            <a:noAutofit/>
-          </a:bodyPr>
-          <a:lstStyle/>
-          <a:p>
-            <a:pPr marL="0" marR="0" lvl="0" indent="0" algn="ctr" rtl="0" hangingPunct="0">
-              <a:lnSpc>
-                <a:spcPct val="100000"/>
-              </a:lnSpc>
-              <a:spcBef>
-                <a:spcPts val="0"/>
-              </a:spcBef>
-              <a:spcAft>
-                <a:spcPts val="0"/>
-              </a:spcAft>
-              <a:buNone/>
-              <a:tabLst/>
-            </a:pPr>
-            <a:r>
-              <a:rPr lang="de-DE" sz="1400" b="0" i="0" u="none" strike="noStrike" kern="1200" cap="none">
-                <a:ln>
-                  <a:noFill/>
-                </a:ln>
-                <a:latin typeface="Liberation Sans" pitchFamily="18"/>
-                <a:ea typeface="Noto Sans CJK SC Regular" pitchFamily="2"/>
-                <a:cs typeface="FreeSans" pitchFamily="2"/>
-              </a:rPr>
-              <a:t>Verwalten</a:t>
-            </a:r>
-          </a:p>
-        </p:txBody>
-      </p:sp>
-      <p:sp>
-        <p:nvSpPr>
-          <p:cNvPr id="15" name="Freeform: Shape 14"/>
-          <p:cNvSpPr/>
-          <p:nvPr/>
-        </p:nvSpPr>
-        <p:spPr>
-          <a:xfrm>
-            <a:off x="5220000" y="108000"/>
-            <a:ext cx="684000" cy="432000"/>
+            <a:off x="8947150" y="108000"/>
+            <a:ext cx="952850" cy="432000"/>
           </a:xfrm>
           <a:custGeom>
             <a:avLst/>
@@ -8146,7 +7058,7 @@
               <a:tabLst/>
             </a:pPr>
             <a:r>
-              <a:rPr lang="de-DE" sz="1400" b="0" i="0" u="none" strike="noStrike" kern="1200" cap="none">
+              <a:rPr lang="de-DE" sz="1400" b="0" i="0" u="none" strike="noStrike" kern="1200" cap="none" dirty="0">
                 <a:ln>
                   <a:noFill/>
                 </a:ln>
@@ -8154,104 +7066,7 @@
                 <a:ea typeface="Noto Sans CJK SC Regular" pitchFamily="2"/>
                 <a:cs typeface="FreeSans" pitchFamily="2"/>
               </a:rPr>
-              <a:t>Settings</a:t>
-            </a:r>
-          </a:p>
-        </p:txBody>
-      </p:sp>
-      <p:sp>
-        <p:nvSpPr>
-          <p:cNvPr id="16" name="Freeform: Shape 15"/>
-          <p:cNvSpPr/>
-          <p:nvPr/>
-        </p:nvSpPr>
-        <p:spPr>
-          <a:xfrm>
-            <a:off x="9216000" y="108000"/>
-            <a:ext cx="684000" cy="432000"/>
-          </a:xfrm>
-          <a:custGeom>
-            <a:avLst/>
-            <a:gdLst>
-              <a:gd name="f0" fmla="val 0"/>
-              <a:gd name="f1" fmla="val 21600"/>
-            </a:gdLst>
-            <a:ahLst/>
-            <a:cxnLst>
-              <a:cxn ang="3cd4">
-                <a:pos x="hc" y="t"/>
-              </a:cxn>
-              <a:cxn ang="0">
-                <a:pos x="r" y="vc"/>
-              </a:cxn>
-              <a:cxn ang="cd4">
-                <a:pos x="hc" y="b"/>
-              </a:cxn>
-              <a:cxn ang="cd2">
-                <a:pos x="l" y="vc"/>
-              </a:cxn>
-            </a:cxnLst>
-            <a:rect l="l" t="t" r="r" b="b"/>
-            <a:pathLst>
-              <a:path w="21600" h="21600">
-                <a:moveTo>
-                  <a:pt x="f0" y="f0"/>
-                </a:moveTo>
-                <a:lnTo>
-                  <a:pt x="f1" y="f0"/>
-                </a:lnTo>
-                <a:lnTo>
-                  <a:pt x="f1" y="f1"/>
-                </a:lnTo>
-                <a:lnTo>
-                  <a:pt x="f0" y="f1"/>
-                </a:lnTo>
-                <a:lnTo>
-                  <a:pt x="f0" y="f0"/>
-                </a:lnTo>
-                <a:close/>
-              </a:path>
-            </a:pathLst>
-          </a:custGeom>
-          <a:solidFill>
-            <a:srgbClr val="FF7F00"/>
-          </a:solidFill>
-          <a:ln w="6480">
-            <a:solidFill>
-              <a:srgbClr val="3465A4"/>
-            </a:solidFill>
-            <a:prstDash val="solid"/>
-          </a:ln>
-        </p:spPr>
-        <p:txBody>
-          <a:bodyPr vert="horz" wrap="none" lIns="93240" tIns="48240" rIns="93240" bIns="48240" anchor="ctr" anchorCtr="0" compatLnSpc="0">
-            <a:noAutofit/>
-          </a:bodyPr>
-          <a:lstStyle/>
-          <a:p>
-            <a:pPr marL="0" marR="0" lvl="0" indent="0" algn="ctr" rtl="0" hangingPunct="0">
-              <a:lnSpc>
-                <a:spcPct val="100000"/>
-              </a:lnSpc>
-              <a:spcBef>
-                <a:spcPts val="0"/>
-              </a:spcBef>
-              <a:spcAft>
-                <a:spcPts val="0"/>
-              </a:spcAft>
-              <a:buNone/>
-              <a:tabLst/>
-            </a:pPr>
-            <a:r>
-              <a:rPr lang="de-DE" sz="1400" b="0" i="0" u="none" strike="noStrike" kern="1200" cap="none">
-                <a:ln>
-                  <a:noFill/>
-                </a:ln>
-                <a:latin typeface="Liberation Sans" pitchFamily="18"/>
-                <a:ea typeface="Noto Sans CJK SC Regular" pitchFamily="2"/>
-                <a:cs typeface="FreeSans" pitchFamily="2"/>
-              </a:rPr>
-              <a:t>User</a:t>
+              <a:t>Abmelden</a:t>
             </a:r>
           </a:p>
         </p:txBody>
@@ -8752,7 +7567,7 @@
 
 <file path=ppt/slides/slide4.xml><?xml version="1.0" encoding="utf-8"?>
 <p:sld xmlns:a="http://schemas.openxmlformats.org/drawingml/2006/main" xmlns:r="http://schemas.openxmlformats.org/officeDocument/2006/relationships" xmlns:p="http://schemas.openxmlformats.org/presentationml/2006/main">
-  <p:cSld name="page4">
+  <p:cSld>
     <p:spTree>
       <p:nvGrpSpPr>
         <p:cNvPr id="1" name=""/>
@@ -8769,7 +7584,13 @@
       </p:grpSpPr>
       <p:sp>
         <p:nvSpPr>
-          <p:cNvPr id="2" name="Freeform: Shape 1"/>
+          <p:cNvPr id="2" name="Freeform: Shape 1">
+            <a:extLst>
+              <a:ext uri="{FF2B5EF4-FFF2-40B4-BE49-F238E27FC236}">
+                <a16:creationId xmlns:a16="http://schemas.microsoft.com/office/drawing/2014/main" id="{4066045C-8F01-4CC8-A768-61361F26567B}"/>
+              </a:ext>
+            </a:extLst>
+          </p:cNvPr>
           <p:cNvSpPr/>
           <p:nvPr/>
         </p:nvSpPr>
@@ -8863,7 +7684,13 @@
       </p:sp>
       <p:sp>
         <p:nvSpPr>
-          <p:cNvPr id="3" name="Freeform: Shape 2"/>
+          <p:cNvPr id="3" name="Freeform: Shape 2">
+            <a:extLst>
+              <a:ext uri="{FF2B5EF4-FFF2-40B4-BE49-F238E27FC236}">
+                <a16:creationId xmlns:a16="http://schemas.microsoft.com/office/drawing/2014/main" id="{72462700-6572-4B79-BC1B-5536235AB9DA}"/>
+              </a:ext>
+            </a:extLst>
+          </p:cNvPr>
           <p:cNvSpPr/>
           <p:nvPr/>
         </p:nvSpPr>
@@ -8960,7 +7787,13 @@
       </p:sp>
       <p:sp>
         <p:nvSpPr>
-          <p:cNvPr id="4" name="Freeform: Shape 3"/>
+          <p:cNvPr id="4" name="Freeform: Shape 3">
+            <a:extLst>
+              <a:ext uri="{FF2B5EF4-FFF2-40B4-BE49-F238E27FC236}">
+                <a16:creationId xmlns:a16="http://schemas.microsoft.com/office/drawing/2014/main" id="{042E8876-41D1-4E23-92A5-E8A61646109F}"/>
+              </a:ext>
+            </a:extLst>
+          </p:cNvPr>
           <p:cNvSpPr/>
           <p:nvPr/>
         </p:nvSpPr>
@@ -9213,7 +8046,13 @@
       </p:sp>
       <p:sp>
         <p:nvSpPr>
-          <p:cNvPr id="5" name="TextBox 4"/>
+          <p:cNvPr id="5" name="TextBox 4">
+            <a:extLst>
+              <a:ext uri="{FF2B5EF4-FFF2-40B4-BE49-F238E27FC236}">
+                <a16:creationId xmlns:a16="http://schemas.microsoft.com/office/drawing/2014/main" id="{27F4B302-1E05-495F-8E2A-D3DA30812B3F}"/>
+              </a:ext>
+            </a:extLst>
+          </p:cNvPr>
           <p:cNvSpPr txBox="1"/>
           <p:nvPr/>
         </p:nvSpPr>
@@ -9262,7 +8101,13 @@
       </p:sp>
       <p:sp>
         <p:nvSpPr>
-          <p:cNvPr id="6" name="Freeform: Shape 5"/>
+          <p:cNvPr id="6" name="Freeform: Shape 5">
+            <a:extLst>
+              <a:ext uri="{FF2B5EF4-FFF2-40B4-BE49-F238E27FC236}">
+                <a16:creationId xmlns:a16="http://schemas.microsoft.com/office/drawing/2014/main" id="{3DA1E00F-CBB4-47B6-8C4F-1A56E9D62919}"/>
+              </a:ext>
+            </a:extLst>
+          </p:cNvPr>
           <p:cNvSpPr/>
           <p:nvPr/>
         </p:nvSpPr>
@@ -9358,14 +8203,535 @@
       </p:sp>
       <p:sp>
         <p:nvSpPr>
-          <p:cNvPr id="7" name="Freeform: Shape 6"/>
+          <p:cNvPr id="9" name="Freeform: Shape 12">
+            <a:extLst>
+              <a:ext uri="{FF2B5EF4-FFF2-40B4-BE49-F238E27FC236}">
+                <a16:creationId xmlns:a16="http://schemas.microsoft.com/office/drawing/2014/main" id="{680DAC9D-AA2E-4648-9157-0E97099A2D12}"/>
+              </a:ext>
+            </a:extLst>
+          </p:cNvPr>
           <p:cNvSpPr/>
           <p:nvPr/>
         </p:nvSpPr>
         <p:spPr>
           <a:xfrm>
-            <a:off x="1368000" y="720000"/>
-            <a:ext cx="1728000" cy="432000"/>
+            <a:off x="1296000" y="107149"/>
+            <a:ext cx="913800" cy="432000"/>
+          </a:xfrm>
+          <a:custGeom>
+            <a:avLst/>
+            <a:gdLst>
+              <a:gd name="f0" fmla="val 0"/>
+              <a:gd name="f1" fmla="val 21600"/>
+            </a:gdLst>
+            <a:ahLst/>
+            <a:cxnLst>
+              <a:cxn ang="3cd4">
+                <a:pos x="hc" y="t"/>
+              </a:cxn>
+              <a:cxn ang="0">
+                <a:pos x="r" y="vc"/>
+              </a:cxn>
+              <a:cxn ang="cd4">
+                <a:pos x="hc" y="b"/>
+              </a:cxn>
+              <a:cxn ang="cd2">
+                <a:pos x="l" y="vc"/>
+              </a:cxn>
+            </a:cxnLst>
+            <a:rect l="l" t="t" r="r" b="b"/>
+            <a:pathLst>
+              <a:path w="21600" h="21600">
+                <a:moveTo>
+                  <a:pt x="f0" y="f0"/>
+                </a:moveTo>
+                <a:lnTo>
+                  <a:pt x="f1" y="f0"/>
+                </a:lnTo>
+                <a:lnTo>
+                  <a:pt x="f1" y="f1"/>
+                </a:lnTo>
+                <a:lnTo>
+                  <a:pt x="f0" y="f1"/>
+                </a:lnTo>
+                <a:lnTo>
+                  <a:pt x="f0" y="f0"/>
+                </a:lnTo>
+                <a:close/>
+              </a:path>
+            </a:pathLst>
+          </a:custGeom>
+          <a:solidFill>
+            <a:srgbClr val="FF7F00"/>
+          </a:solidFill>
+          <a:ln w="6480">
+            <a:solidFill>
+              <a:srgbClr val="3465A4"/>
+            </a:solidFill>
+            <a:prstDash val="solid"/>
+          </a:ln>
+        </p:spPr>
+        <p:txBody>
+          <a:bodyPr vert="horz" wrap="none" lIns="93240" tIns="48240" rIns="93240" bIns="48240" anchor="ctr" anchorCtr="0" compatLnSpc="0">
+            <a:noAutofit/>
+          </a:bodyPr>
+          <a:lstStyle/>
+          <a:p>
+            <a:pPr marL="0" marR="0" lvl="0" indent="0" algn="ctr" rtl="0" hangingPunct="0">
+              <a:lnSpc>
+                <a:spcPct val="100000"/>
+              </a:lnSpc>
+              <a:spcBef>
+                <a:spcPts val="0"/>
+              </a:spcBef>
+              <a:spcAft>
+                <a:spcPts val="0"/>
+              </a:spcAft>
+              <a:buNone/>
+              <a:tabLst/>
+            </a:pPr>
+            <a:r>
+              <a:rPr lang="de-DE" sz="1400" b="0" i="0" u="none" strike="noStrike" kern="1200" cap="none" dirty="0">
+                <a:ln>
+                  <a:noFill/>
+                </a:ln>
+                <a:latin typeface="Liberation Sans" pitchFamily="18"/>
+                <a:ea typeface="Noto Sans CJK SC Regular" pitchFamily="2"/>
+                <a:cs typeface="FreeSans" pitchFamily="2"/>
+              </a:rPr>
+              <a:t>Benutzer</a:t>
+            </a:r>
+          </a:p>
+        </p:txBody>
+      </p:sp>
+      <p:sp>
+        <p:nvSpPr>
+          <p:cNvPr id="10" name="Freeform: Shape 13">
+            <a:extLst>
+              <a:ext uri="{FF2B5EF4-FFF2-40B4-BE49-F238E27FC236}">
+                <a16:creationId xmlns:a16="http://schemas.microsoft.com/office/drawing/2014/main" id="{1EDE12C5-946E-43F8-96BE-7260D153ABAF}"/>
+              </a:ext>
+            </a:extLst>
+          </p:cNvPr>
+          <p:cNvSpPr/>
+          <p:nvPr/>
+        </p:nvSpPr>
+        <p:spPr>
+          <a:xfrm>
+            <a:off x="216000" y="126000"/>
+            <a:ext cx="936000" cy="432000"/>
+          </a:xfrm>
+          <a:custGeom>
+            <a:avLst/>
+            <a:gdLst>
+              <a:gd name="f0" fmla="val 0"/>
+              <a:gd name="f1" fmla="val 21600"/>
+            </a:gdLst>
+            <a:ahLst/>
+            <a:cxnLst>
+              <a:cxn ang="3cd4">
+                <a:pos x="hc" y="t"/>
+              </a:cxn>
+              <a:cxn ang="0">
+                <a:pos x="r" y="vc"/>
+              </a:cxn>
+              <a:cxn ang="cd4">
+                <a:pos x="hc" y="b"/>
+              </a:cxn>
+              <a:cxn ang="cd2">
+                <a:pos x="l" y="vc"/>
+              </a:cxn>
+            </a:cxnLst>
+            <a:rect l="l" t="t" r="r" b="b"/>
+            <a:pathLst>
+              <a:path w="21600" h="21600">
+                <a:moveTo>
+                  <a:pt x="f0" y="f0"/>
+                </a:moveTo>
+                <a:lnTo>
+                  <a:pt x="f1" y="f0"/>
+                </a:lnTo>
+                <a:lnTo>
+                  <a:pt x="f1" y="f1"/>
+                </a:lnTo>
+                <a:lnTo>
+                  <a:pt x="f0" y="f1"/>
+                </a:lnTo>
+                <a:lnTo>
+                  <a:pt x="f0" y="f0"/>
+                </a:lnTo>
+                <a:close/>
+              </a:path>
+            </a:pathLst>
+          </a:custGeom>
+          <a:solidFill>
+            <a:srgbClr val="FF7F00"/>
+          </a:solidFill>
+          <a:ln w="57240">
+            <a:solidFill>
+              <a:srgbClr val="0000FF"/>
+            </a:solidFill>
+            <a:prstDash val="solid"/>
+          </a:ln>
+        </p:spPr>
+        <p:txBody>
+          <a:bodyPr vert="horz" wrap="none" lIns="118440" tIns="73440" rIns="118440" bIns="73440" anchor="ctr" anchorCtr="0" compatLnSpc="0">
+            <a:noAutofit/>
+          </a:bodyPr>
+          <a:lstStyle/>
+          <a:p>
+            <a:pPr marL="0" marR="0" lvl="0" indent="0" algn="ctr" rtl="0" hangingPunct="0">
+              <a:lnSpc>
+                <a:spcPct val="100000"/>
+              </a:lnSpc>
+              <a:spcBef>
+                <a:spcPts val="0"/>
+              </a:spcBef>
+              <a:spcAft>
+                <a:spcPts val="0"/>
+              </a:spcAft>
+              <a:buNone/>
+              <a:tabLst/>
+            </a:pPr>
+            <a:r>
+              <a:rPr lang="de-DE" sz="1400" b="0" i="0" u="none" strike="noStrike" kern="1200" cap="none" dirty="0">
+                <a:ln>
+                  <a:noFill/>
+                </a:ln>
+                <a:latin typeface="Liberation Sans" pitchFamily="18"/>
+                <a:ea typeface="Noto Sans CJK SC Regular" pitchFamily="2"/>
+                <a:cs typeface="FreeSans" pitchFamily="2"/>
+              </a:rPr>
+              <a:t>Verwalten</a:t>
+            </a:r>
+          </a:p>
+        </p:txBody>
+      </p:sp>
+      <p:sp>
+        <p:nvSpPr>
+          <p:cNvPr id="11" name="Freeform: Shape 14">
+            <a:extLst>
+              <a:ext uri="{FF2B5EF4-FFF2-40B4-BE49-F238E27FC236}">
+                <a16:creationId xmlns:a16="http://schemas.microsoft.com/office/drawing/2014/main" id="{4CB89F87-017B-4835-ABFA-B82F97D53556}"/>
+              </a:ext>
+            </a:extLst>
+          </p:cNvPr>
+          <p:cNvSpPr/>
+          <p:nvPr/>
+        </p:nvSpPr>
+        <p:spPr>
+          <a:xfrm>
+            <a:off x="2353800" y="108000"/>
+            <a:ext cx="1071650" cy="432000"/>
+          </a:xfrm>
+          <a:custGeom>
+            <a:avLst/>
+            <a:gdLst>
+              <a:gd name="f0" fmla="val 0"/>
+              <a:gd name="f1" fmla="val 21600"/>
+            </a:gdLst>
+            <a:ahLst/>
+            <a:cxnLst>
+              <a:cxn ang="3cd4">
+                <a:pos x="hc" y="t"/>
+              </a:cxn>
+              <a:cxn ang="0">
+                <a:pos x="r" y="vc"/>
+              </a:cxn>
+              <a:cxn ang="cd4">
+                <a:pos x="hc" y="b"/>
+              </a:cxn>
+              <a:cxn ang="cd2">
+                <a:pos x="l" y="vc"/>
+              </a:cxn>
+            </a:cxnLst>
+            <a:rect l="l" t="t" r="r" b="b"/>
+            <a:pathLst>
+              <a:path w="21600" h="21600">
+                <a:moveTo>
+                  <a:pt x="f0" y="f0"/>
+                </a:moveTo>
+                <a:lnTo>
+                  <a:pt x="f1" y="f0"/>
+                </a:lnTo>
+                <a:lnTo>
+                  <a:pt x="f1" y="f1"/>
+                </a:lnTo>
+                <a:lnTo>
+                  <a:pt x="f0" y="f1"/>
+                </a:lnTo>
+                <a:lnTo>
+                  <a:pt x="f0" y="f0"/>
+                </a:lnTo>
+                <a:close/>
+              </a:path>
+            </a:pathLst>
+          </a:custGeom>
+          <a:solidFill>
+            <a:srgbClr val="FF7F00"/>
+          </a:solidFill>
+          <a:ln w="6480">
+            <a:solidFill>
+              <a:srgbClr val="3465A4"/>
+            </a:solidFill>
+            <a:prstDash val="solid"/>
+          </a:ln>
+        </p:spPr>
+        <p:txBody>
+          <a:bodyPr vert="horz" wrap="none" lIns="93240" tIns="48240" rIns="93240" bIns="48240" anchor="ctr" anchorCtr="0" compatLnSpc="0">
+            <a:noAutofit/>
+          </a:bodyPr>
+          <a:lstStyle/>
+          <a:p>
+            <a:pPr marL="0" marR="0" lvl="0" indent="0" algn="ctr" rtl="0" hangingPunct="0">
+              <a:lnSpc>
+                <a:spcPct val="100000"/>
+              </a:lnSpc>
+              <a:spcBef>
+                <a:spcPts val="0"/>
+              </a:spcBef>
+              <a:spcAft>
+                <a:spcPts val="0"/>
+              </a:spcAft>
+              <a:buNone/>
+              <a:tabLst/>
+            </a:pPr>
+            <a:r>
+              <a:rPr lang="de-DE" sz="1400" b="0" i="0" u="none" strike="noStrike" kern="1200" cap="none" dirty="0">
+                <a:ln>
+                  <a:noFill/>
+                </a:ln>
+                <a:latin typeface="Liberation Sans" pitchFamily="18"/>
+                <a:ea typeface="Noto Sans CJK SC Regular" pitchFamily="2"/>
+                <a:cs typeface="FreeSans" pitchFamily="2"/>
+              </a:rPr>
+              <a:t>Verteilung</a:t>
+            </a:r>
+          </a:p>
+        </p:txBody>
+      </p:sp>
+      <p:sp>
+        <p:nvSpPr>
+          <p:cNvPr id="12" name="Freeform: Shape 15">
+            <a:extLst>
+              <a:ext uri="{FF2B5EF4-FFF2-40B4-BE49-F238E27FC236}">
+                <a16:creationId xmlns:a16="http://schemas.microsoft.com/office/drawing/2014/main" id="{668E029A-A435-4395-A50D-9B66C9EBF21B}"/>
+              </a:ext>
+            </a:extLst>
+          </p:cNvPr>
+          <p:cNvSpPr/>
+          <p:nvPr/>
+        </p:nvSpPr>
+        <p:spPr>
+          <a:xfrm>
+            <a:off x="8947150" y="108000"/>
+            <a:ext cx="952850" cy="432000"/>
+          </a:xfrm>
+          <a:custGeom>
+            <a:avLst/>
+            <a:gdLst>
+              <a:gd name="f0" fmla="val 0"/>
+              <a:gd name="f1" fmla="val 21600"/>
+            </a:gdLst>
+            <a:ahLst/>
+            <a:cxnLst>
+              <a:cxn ang="3cd4">
+                <a:pos x="hc" y="t"/>
+              </a:cxn>
+              <a:cxn ang="0">
+                <a:pos x="r" y="vc"/>
+              </a:cxn>
+              <a:cxn ang="cd4">
+                <a:pos x="hc" y="b"/>
+              </a:cxn>
+              <a:cxn ang="cd2">
+                <a:pos x="l" y="vc"/>
+              </a:cxn>
+            </a:cxnLst>
+            <a:rect l="l" t="t" r="r" b="b"/>
+            <a:pathLst>
+              <a:path w="21600" h="21600">
+                <a:moveTo>
+                  <a:pt x="f0" y="f0"/>
+                </a:moveTo>
+                <a:lnTo>
+                  <a:pt x="f1" y="f0"/>
+                </a:lnTo>
+                <a:lnTo>
+                  <a:pt x="f1" y="f1"/>
+                </a:lnTo>
+                <a:lnTo>
+                  <a:pt x="f0" y="f1"/>
+                </a:lnTo>
+                <a:lnTo>
+                  <a:pt x="f0" y="f0"/>
+                </a:lnTo>
+                <a:close/>
+              </a:path>
+            </a:pathLst>
+          </a:custGeom>
+          <a:solidFill>
+            <a:srgbClr val="FF7F00"/>
+          </a:solidFill>
+          <a:ln w="6480">
+            <a:solidFill>
+              <a:srgbClr val="3465A4"/>
+            </a:solidFill>
+            <a:prstDash val="solid"/>
+          </a:ln>
+        </p:spPr>
+        <p:txBody>
+          <a:bodyPr vert="horz" wrap="none" lIns="93240" tIns="48240" rIns="93240" bIns="48240" anchor="ctr" anchorCtr="0" compatLnSpc="0">
+            <a:noAutofit/>
+          </a:bodyPr>
+          <a:lstStyle/>
+          <a:p>
+            <a:pPr marL="0" marR="0" lvl="0" indent="0" algn="ctr" rtl="0" hangingPunct="0">
+              <a:lnSpc>
+                <a:spcPct val="100000"/>
+              </a:lnSpc>
+              <a:spcBef>
+                <a:spcPts val="0"/>
+              </a:spcBef>
+              <a:spcAft>
+                <a:spcPts val="0"/>
+              </a:spcAft>
+              <a:buNone/>
+              <a:tabLst/>
+            </a:pPr>
+            <a:r>
+              <a:rPr lang="de-DE" sz="1400" b="0" i="0" u="none" strike="noStrike" kern="1200" cap="none" dirty="0">
+                <a:ln>
+                  <a:noFill/>
+                </a:ln>
+                <a:latin typeface="Liberation Sans" pitchFamily="18"/>
+                <a:ea typeface="Noto Sans CJK SC Regular" pitchFamily="2"/>
+                <a:cs typeface="FreeSans" pitchFamily="2"/>
+              </a:rPr>
+              <a:t>Abmelden</a:t>
+            </a:r>
+          </a:p>
+        </p:txBody>
+      </p:sp>
+      <p:sp>
+        <p:nvSpPr>
+          <p:cNvPr id="13" name="Freeform: Shape 16">
+            <a:extLst>
+              <a:ext uri="{FF2B5EF4-FFF2-40B4-BE49-F238E27FC236}">
+                <a16:creationId xmlns:a16="http://schemas.microsoft.com/office/drawing/2014/main" id="{0D211216-6851-4B23-AC6F-7E8130410A67}"/>
+              </a:ext>
+            </a:extLst>
+          </p:cNvPr>
+          <p:cNvSpPr/>
+          <p:nvPr/>
+        </p:nvSpPr>
+        <p:spPr>
+          <a:xfrm>
+            <a:off x="216000" y="684000"/>
+            <a:ext cx="1007999" cy="684000"/>
+          </a:xfrm>
+          <a:custGeom>
+            <a:avLst/>
+            <a:gdLst>
+              <a:gd name="f0" fmla="val 0"/>
+              <a:gd name="f1" fmla="val 21600"/>
+            </a:gdLst>
+            <a:ahLst/>
+            <a:cxnLst>
+              <a:cxn ang="3cd4">
+                <a:pos x="hc" y="t"/>
+              </a:cxn>
+              <a:cxn ang="0">
+                <a:pos x="r" y="vc"/>
+              </a:cxn>
+              <a:cxn ang="cd4">
+                <a:pos x="hc" y="b"/>
+              </a:cxn>
+              <a:cxn ang="cd2">
+                <a:pos x="l" y="vc"/>
+              </a:cxn>
+            </a:cxnLst>
+            <a:rect l="l" t="t" r="r" b="b"/>
+            <a:pathLst>
+              <a:path w="21600" h="21600">
+                <a:moveTo>
+                  <a:pt x="f0" y="f0"/>
+                </a:moveTo>
+                <a:lnTo>
+                  <a:pt x="f1" y="f0"/>
+                </a:lnTo>
+                <a:lnTo>
+                  <a:pt x="f1" y="f1"/>
+                </a:lnTo>
+                <a:lnTo>
+                  <a:pt x="f0" y="f1"/>
+                </a:lnTo>
+                <a:lnTo>
+                  <a:pt x="f0" y="f0"/>
+                </a:lnTo>
+                <a:close/>
+              </a:path>
+            </a:pathLst>
+          </a:custGeom>
+          <a:solidFill>
+            <a:srgbClr val="FF7F00"/>
+          </a:solidFill>
+          <a:ln w="57240">
+            <a:solidFill>
+              <a:srgbClr val="0000FF"/>
+            </a:solidFill>
+            <a:prstDash val="solid"/>
+          </a:ln>
+        </p:spPr>
+        <p:txBody>
+          <a:bodyPr vert="horz" wrap="none" lIns="118440" tIns="73440" rIns="118440" bIns="73440" anchor="ctr" anchorCtr="0" compatLnSpc="0">
+            <a:noAutofit/>
+          </a:bodyPr>
+          <a:lstStyle/>
+          <a:p>
+            <a:pPr marL="0" marR="0" lvl="0" indent="0" algn="ctr" rtl="0" hangingPunct="0">
+              <a:lnSpc>
+                <a:spcPct val="100000"/>
+              </a:lnSpc>
+              <a:spcBef>
+                <a:spcPts val="0"/>
+              </a:spcBef>
+              <a:spcAft>
+                <a:spcPts val="0"/>
+              </a:spcAft>
+              <a:buNone/>
+              <a:tabLst/>
+            </a:pPr>
+            <a:r>
+              <a:rPr lang="de-DE" sz="1400" b="0" i="0" u="none" strike="noStrike" kern="1200" cap="none">
+                <a:ln>
+                  <a:noFill/>
+                </a:ln>
+                <a:latin typeface="Liberation Sans" pitchFamily="18"/>
+                <a:ea typeface="Noto Sans CJK SC Regular" pitchFamily="2"/>
+                <a:cs typeface="FreeSans" pitchFamily="2"/>
+              </a:rPr>
+              <a:t>Kurse</a:t>
+            </a:r>
+          </a:p>
+        </p:txBody>
+      </p:sp>
+      <p:sp>
+        <p:nvSpPr>
+          <p:cNvPr id="14" name="Freeform: Shape 17">
+            <a:extLst>
+              <a:ext uri="{FF2B5EF4-FFF2-40B4-BE49-F238E27FC236}">
+                <a16:creationId xmlns:a16="http://schemas.microsoft.com/office/drawing/2014/main" id="{165FC4DA-F5AF-48BB-B84E-D793B1009F68}"/>
+              </a:ext>
+            </a:extLst>
+          </p:cNvPr>
+          <p:cNvSpPr/>
+          <p:nvPr/>
+        </p:nvSpPr>
+        <p:spPr>
+          <a:xfrm>
+            <a:off x="216000" y="1404000"/>
+            <a:ext cx="1007999" cy="684000"/>
           </a:xfrm>
           <a:custGeom>
             <a:avLst/>
@@ -9440,6 +8806,1063 @@
               <a:tabLst/>
             </a:pPr>
             <a:r>
+              <a:rPr lang="de-DE" sz="1400" b="0" i="0" u="none" strike="noStrike" kern="1200" cap="none" dirty="0">
+                <a:ln>
+                  <a:noFill/>
+                </a:ln>
+                <a:latin typeface="Liberation Sans" pitchFamily="18"/>
+                <a:ea typeface="Noto Sans CJK SC Regular" pitchFamily="2"/>
+                <a:cs typeface="FreeSans" pitchFamily="2"/>
+              </a:rPr>
+              <a:t>Module</a:t>
+            </a:r>
+          </a:p>
+        </p:txBody>
+      </p:sp>
+      <p:sp>
+        <p:nvSpPr>
+          <p:cNvPr id="15" name="Freeform: Shape 18">
+            <a:extLst>
+              <a:ext uri="{FF2B5EF4-FFF2-40B4-BE49-F238E27FC236}">
+                <a16:creationId xmlns:a16="http://schemas.microsoft.com/office/drawing/2014/main" id="{F3A80F68-1010-47A1-B797-E8FBE73E8040}"/>
+              </a:ext>
+            </a:extLst>
+          </p:cNvPr>
+          <p:cNvSpPr/>
+          <p:nvPr/>
+        </p:nvSpPr>
+        <p:spPr>
+          <a:xfrm>
+            <a:off x="216000" y="2124000"/>
+            <a:ext cx="1007999" cy="684000"/>
+          </a:xfrm>
+          <a:custGeom>
+            <a:avLst/>
+            <a:gdLst>
+              <a:gd name="f0" fmla="val 0"/>
+              <a:gd name="f1" fmla="val 21600"/>
+            </a:gdLst>
+            <a:ahLst/>
+            <a:cxnLst>
+              <a:cxn ang="3cd4">
+                <a:pos x="hc" y="t"/>
+              </a:cxn>
+              <a:cxn ang="0">
+                <a:pos x="r" y="vc"/>
+              </a:cxn>
+              <a:cxn ang="cd4">
+                <a:pos x="hc" y="b"/>
+              </a:cxn>
+              <a:cxn ang="cd2">
+                <a:pos x="l" y="vc"/>
+              </a:cxn>
+            </a:cxnLst>
+            <a:rect l="l" t="t" r="r" b="b"/>
+            <a:pathLst>
+              <a:path w="21600" h="21600">
+                <a:moveTo>
+                  <a:pt x="f0" y="f0"/>
+                </a:moveTo>
+                <a:lnTo>
+                  <a:pt x="f1" y="f0"/>
+                </a:lnTo>
+                <a:lnTo>
+                  <a:pt x="f1" y="f1"/>
+                </a:lnTo>
+                <a:lnTo>
+                  <a:pt x="f0" y="f1"/>
+                </a:lnTo>
+                <a:lnTo>
+                  <a:pt x="f0" y="f0"/>
+                </a:lnTo>
+                <a:close/>
+              </a:path>
+            </a:pathLst>
+          </a:custGeom>
+          <a:solidFill>
+            <a:srgbClr val="FF7F00"/>
+          </a:solidFill>
+          <a:ln w="0">
+            <a:solidFill>
+              <a:srgbClr val="3465A4"/>
+            </a:solidFill>
+            <a:prstDash val="solid"/>
+          </a:ln>
+        </p:spPr>
+        <p:txBody>
+          <a:bodyPr vert="horz" wrap="none" lIns="90000" tIns="45000" rIns="90000" bIns="45000" anchor="ctr" anchorCtr="0" compatLnSpc="0">
+            <a:noAutofit/>
+          </a:bodyPr>
+          <a:lstStyle/>
+          <a:p>
+            <a:pPr marL="0" marR="0" lvl="0" indent="0" algn="ctr" rtl="0" hangingPunct="0">
+              <a:lnSpc>
+                <a:spcPct val="100000"/>
+              </a:lnSpc>
+              <a:spcBef>
+                <a:spcPts val="0"/>
+              </a:spcBef>
+              <a:spcAft>
+                <a:spcPts val="0"/>
+              </a:spcAft>
+              <a:buNone/>
+              <a:tabLst/>
+            </a:pPr>
+            <a:r>
+              <a:rPr lang="de-DE" sz="1400" b="0" i="0" u="none" strike="noStrike" kern="1200" cap="none" dirty="0">
+                <a:ln>
+                  <a:noFill/>
+                </a:ln>
+                <a:latin typeface="Liberation Sans" pitchFamily="18"/>
+                <a:ea typeface="Noto Sans CJK SC Regular" pitchFamily="2"/>
+                <a:cs typeface="FreeSans" pitchFamily="2"/>
+              </a:rPr>
+              <a:t>Lehrstühle</a:t>
+            </a:r>
+          </a:p>
+        </p:txBody>
+      </p:sp>
+      <p:sp>
+        <p:nvSpPr>
+          <p:cNvPr id="18" name="Freeform: Shape 2">
+            <a:extLst>
+              <a:ext uri="{FF2B5EF4-FFF2-40B4-BE49-F238E27FC236}">
+                <a16:creationId xmlns:a16="http://schemas.microsoft.com/office/drawing/2014/main" id="{C9F81895-C39D-43E6-8D56-F3A6210959B4}"/>
+              </a:ext>
+            </a:extLst>
+          </p:cNvPr>
+          <p:cNvSpPr/>
+          <p:nvPr/>
+        </p:nvSpPr>
+        <p:spPr>
+          <a:xfrm>
+            <a:off x="1610112" y="1026000"/>
+            <a:ext cx="8083775" cy="1782000"/>
+          </a:xfrm>
+          <a:custGeom>
+            <a:avLst/>
+            <a:gdLst>
+              <a:gd name="f0" fmla="val 0"/>
+              <a:gd name="f1" fmla="val 21600"/>
+            </a:gdLst>
+            <a:ahLst/>
+            <a:cxnLst>
+              <a:cxn ang="3cd4">
+                <a:pos x="hc" y="t"/>
+              </a:cxn>
+              <a:cxn ang="0">
+                <a:pos x="r" y="vc"/>
+              </a:cxn>
+              <a:cxn ang="cd4">
+                <a:pos x="hc" y="b"/>
+              </a:cxn>
+              <a:cxn ang="cd2">
+                <a:pos x="l" y="vc"/>
+              </a:cxn>
+            </a:cxnLst>
+            <a:rect l="l" t="t" r="r" b="b"/>
+            <a:pathLst>
+              <a:path w="21600" h="21600">
+                <a:moveTo>
+                  <a:pt x="f0" y="f0"/>
+                </a:moveTo>
+                <a:lnTo>
+                  <a:pt x="f1" y="f0"/>
+                </a:lnTo>
+                <a:lnTo>
+                  <a:pt x="f1" y="f1"/>
+                </a:lnTo>
+                <a:lnTo>
+                  <a:pt x="f0" y="f1"/>
+                </a:lnTo>
+                <a:lnTo>
+                  <a:pt x="f0" y="f0"/>
+                </a:lnTo>
+                <a:close/>
+              </a:path>
+            </a:pathLst>
+          </a:custGeom>
+          <a:solidFill>
+            <a:srgbClr val="D3321F"/>
+          </a:solidFill>
+          <a:ln w="0">
+            <a:solidFill>
+              <a:srgbClr val="3465A4"/>
+            </a:solidFill>
+            <a:prstDash val="solid"/>
+          </a:ln>
+        </p:spPr>
+        <p:txBody>
+          <a:bodyPr vert="horz" wrap="none" lIns="90000" tIns="45000" rIns="90000" bIns="45000" anchor="ctr" anchorCtr="0" compatLnSpc="0">
+            <a:noAutofit/>
+          </a:bodyPr>
+          <a:lstStyle/>
+          <a:p>
+            <a:pPr marL="0" marR="0" lvl="0" indent="0" algn="ctr" rtl="0" hangingPunct="0">
+              <a:lnSpc>
+                <a:spcPct val="100000"/>
+              </a:lnSpc>
+              <a:spcBef>
+                <a:spcPts val="0"/>
+              </a:spcBef>
+              <a:spcAft>
+                <a:spcPts val="0"/>
+              </a:spcAft>
+              <a:buNone/>
+              <a:tabLst/>
+            </a:pPr>
+            <a:r>
+              <a:rPr lang="de-DE" sz="1800" b="0" i="0" u="none" strike="noStrike" kern="1200" cap="none" dirty="0">
+                <a:ln>
+                  <a:noFill/>
+                </a:ln>
+                <a:latin typeface="Liberation Sans" pitchFamily="18"/>
+                <a:ea typeface="Noto Sans CJK SC Regular" pitchFamily="2"/>
+                <a:cs typeface="FreeSans" pitchFamily="2"/>
+              </a:rPr>
+              <a:t>Information</a:t>
+            </a:r>
+          </a:p>
+        </p:txBody>
+      </p:sp>
+      <p:sp>
+        <p:nvSpPr>
+          <p:cNvPr id="19" name="Freeform: Shape 2">
+            <a:extLst>
+              <a:ext uri="{FF2B5EF4-FFF2-40B4-BE49-F238E27FC236}">
+                <a16:creationId xmlns:a16="http://schemas.microsoft.com/office/drawing/2014/main" id="{020684F5-5C2A-4579-9FDD-BD76C37AFD46}"/>
+              </a:ext>
+            </a:extLst>
+          </p:cNvPr>
+          <p:cNvSpPr/>
+          <p:nvPr/>
+        </p:nvSpPr>
+        <p:spPr>
+          <a:xfrm>
+            <a:off x="1677806" y="3251700"/>
+            <a:ext cx="3495288" cy="621000"/>
+          </a:xfrm>
+          <a:custGeom>
+            <a:avLst/>
+            <a:gdLst>
+              <a:gd name="f0" fmla="val 0"/>
+              <a:gd name="f1" fmla="val 21600"/>
+            </a:gdLst>
+            <a:ahLst/>
+            <a:cxnLst>
+              <a:cxn ang="3cd4">
+                <a:pos x="hc" y="t"/>
+              </a:cxn>
+              <a:cxn ang="0">
+                <a:pos x="r" y="vc"/>
+              </a:cxn>
+              <a:cxn ang="cd4">
+                <a:pos x="hc" y="b"/>
+              </a:cxn>
+              <a:cxn ang="cd2">
+                <a:pos x="l" y="vc"/>
+              </a:cxn>
+            </a:cxnLst>
+            <a:rect l="l" t="t" r="r" b="b"/>
+            <a:pathLst>
+              <a:path w="21600" h="21600">
+                <a:moveTo>
+                  <a:pt x="f0" y="f0"/>
+                </a:moveTo>
+                <a:lnTo>
+                  <a:pt x="f1" y="f0"/>
+                </a:lnTo>
+                <a:lnTo>
+                  <a:pt x="f1" y="f1"/>
+                </a:lnTo>
+                <a:lnTo>
+                  <a:pt x="f0" y="f1"/>
+                </a:lnTo>
+                <a:lnTo>
+                  <a:pt x="f0" y="f0"/>
+                </a:lnTo>
+                <a:close/>
+              </a:path>
+            </a:pathLst>
+          </a:custGeom>
+          <a:solidFill>
+            <a:srgbClr val="D3321F"/>
+          </a:solidFill>
+          <a:ln w="0">
+            <a:solidFill>
+              <a:srgbClr val="3465A4"/>
+            </a:solidFill>
+            <a:prstDash val="solid"/>
+          </a:ln>
+        </p:spPr>
+        <p:txBody>
+          <a:bodyPr vert="horz" wrap="none" lIns="90000" tIns="45000" rIns="90000" bIns="45000" anchor="ctr" anchorCtr="0" compatLnSpc="0">
+            <a:noAutofit/>
+          </a:bodyPr>
+          <a:lstStyle/>
+          <a:p>
+            <a:pPr marL="0" marR="0" lvl="0" indent="0" algn="ctr" rtl="0" hangingPunct="0">
+              <a:lnSpc>
+                <a:spcPct val="100000"/>
+              </a:lnSpc>
+              <a:spcBef>
+                <a:spcPts val="0"/>
+              </a:spcBef>
+              <a:spcAft>
+                <a:spcPts val="0"/>
+              </a:spcAft>
+              <a:buNone/>
+              <a:tabLst/>
+            </a:pPr>
+            <a:r>
+              <a:rPr lang="de-DE" sz="1800" b="0" i="0" u="none" strike="noStrike" kern="1200" cap="none" dirty="0">
+                <a:ln>
+                  <a:noFill/>
+                </a:ln>
+                <a:latin typeface="Liberation Sans" pitchFamily="18"/>
+                <a:ea typeface="Noto Sans CJK SC Regular" pitchFamily="2"/>
+                <a:cs typeface="FreeSans" pitchFamily="2"/>
+              </a:rPr>
+              <a:t>Information</a:t>
+            </a:r>
+          </a:p>
+        </p:txBody>
+      </p:sp>
+      <p:sp>
+        <p:nvSpPr>
+          <p:cNvPr id="24" name="Freeform: Shape 2">
+            <a:extLst>
+              <a:ext uri="{FF2B5EF4-FFF2-40B4-BE49-F238E27FC236}">
+                <a16:creationId xmlns:a16="http://schemas.microsoft.com/office/drawing/2014/main" id="{E7154F76-DE82-48D3-BD6C-D64DAA3792C6}"/>
+              </a:ext>
+            </a:extLst>
+          </p:cNvPr>
+          <p:cNvSpPr/>
+          <p:nvPr/>
+        </p:nvSpPr>
+        <p:spPr>
+          <a:xfrm>
+            <a:off x="1677806" y="4239000"/>
+            <a:ext cx="3495288" cy="621000"/>
+          </a:xfrm>
+          <a:custGeom>
+            <a:avLst/>
+            <a:gdLst>
+              <a:gd name="f0" fmla="val 0"/>
+              <a:gd name="f1" fmla="val 21600"/>
+            </a:gdLst>
+            <a:ahLst/>
+            <a:cxnLst>
+              <a:cxn ang="3cd4">
+                <a:pos x="hc" y="t"/>
+              </a:cxn>
+              <a:cxn ang="0">
+                <a:pos x="r" y="vc"/>
+              </a:cxn>
+              <a:cxn ang="cd4">
+                <a:pos x="hc" y="b"/>
+              </a:cxn>
+              <a:cxn ang="cd2">
+                <a:pos x="l" y="vc"/>
+              </a:cxn>
+            </a:cxnLst>
+            <a:rect l="l" t="t" r="r" b="b"/>
+            <a:pathLst>
+              <a:path w="21600" h="21600">
+                <a:moveTo>
+                  <a:pt x="f0" y="f0"/>
+                </a:moveTo>
+                <a:lnTo>
+                  <a:pt x="f1" y="f0"/>
+                </a:lnTo>
+                <a:lnTo>
+                  <a:pt x="f1" y="f1"/>
+                </a:lnTo>
+                <a:lnTo>
+                  <a:pt x="f0" y="f1"/>
+                </a:lnTo>
+                <a:lnTo>
+                  <a:pt x="f0" y="f0"/>
+                </a:lnTo>
+                <a:close/>
+              </a:path>
+            </a:pathLst>
+          </a:custGeom>
+          <a:solidFill>
+            <a:srgbClr val="D3321F"/>
+          </a:solidFill>
+          <a:ln w="0">
+            <a:solidFill>
+              <a:srgbClr val="3465A4"/>
+            </a:solidFill>
+            <a:prstDash val="solid"/>
+          </a:ln>
+        </p:spPr>
+        <p:txBody>
+          <a:bodyPr vert="horz" wrap="none" lIns="90000" tIns="45000" rIns="90000" bIns="45000" anchor="ctr" anchorCtr="0" compatLnSpc="0">
+            <a:noAutofit/>
+          </a:bodyPr>
+          <a:lstStyle/>
+          <a:p>
+            <a:pPr marL="0" marR="0" lvl="0" indent="0" algn="ctr" rtl="0" hangingPunct="0">
+              <a:lnSpc>
+                <a:spcPct val="100000"/>
+              </a:lnSpc>
+              <a:spcBef>
+                <a:spcPts val="0"/>
+              </a:spcBef>
+              <a:spcAft>
+                <a:spcPts val="0"/>
+              </a:spcAft>
+              <a:buNone/>
+              <a:tabLst/>
+            </a:pPr>
+            <a:r>
+              <a:rPr lang="de-DE" sz="1800" b="0" i="0" u="none" strike="noStrike" kern="1200" cap="none" dirty="0">
+                <a:ln>
+                  <a:noFill/>
+                </a:ln>
+                <a:latin typeface="Liberation Sans" pitchFamily="18"/>
+                <a:ea typeface="Noto Sans CJK SC Regular" pitchFamily="2"/>
+                <a:cs typeface="FreeSans" pitchFamily="2"/>
+              </a:rPr>
+              <a:t>Information</a:t>
+            </a:r>
+          </a:p>
+        </p:txBody>
+      </p:sp>
+      <p:sp>
+        <p:nvSpPr>
+          <p:cNvPr id="25" name="Freeform: Shape 2">
+            <a:extLst>
+              <a:ext uri="{FF2B5EF4-FFF2-40B4-BE49-F238E27FC236}">
+                <a16:creationId xmlns:a16="http://schemas.microsoft.com/office/drawing/2014/main" id="{EFC61DCF-3711-45D9-8CA0-82AA74847E4B}"/>
+              </a:ext>
+            </a:extLst>
+          </p:cNvPr>
+          <p:cNvSpPr/>
+          <p:nvPr/>
+        </p:nvSpPr>
+        <p:spPr>
+          <a:xfrm>
+            <a:off x="6198599" y="4239000"/>
+            <a:ext cx="3495288" cy="621000"/>
+          </a:xfrm>
+          <a:custGeom>
+            <a:avLst/>
+            <a:gdLst>
+              <a:gd name="f0" fmla="val 0"/>
+              <a:gd name="f1" fmla="val 21600"/>
+            </a:gdLst>
+            <a:ahLst/>
+            <a:cxnLst>
+              <a:cxn ang="3cd4">
+                <a:pos x="hc" y="t"/>
+              </a:cxn>
+              <a:cxn ang="0">
+                <a:pos x="r" y="vc"/>
+              </a:cxn>
+              <a:cxn ang="cd4">
+                <a:pos x="hc" y="b"/>
+              </a:cxn>
+              <a:cxn ang="cd2">
+                <a:pos x="l" y="vc"/>
+              </a:cxn>
+            </a:cxnLst>
+            <a:rect l="l" t="t" r="r" b="b"/>
+            <a:pathLst>
+              <a:path w="21600" h="21600">
+                <a:moveTo>
+                  <a:pt x="f0" y="f0"/>
+                </a:moveTo>
+                <a:lnTo>
+                  <a:pt x="f1" y="f0"/>
+                </a:lnTo>
+                <a:lnTo>
+                  <a:pt x="f1" y="f1"/>
+                </a:lnTo>
+                <a:lnTo>
+                  <a:pt x="f0" y="f1"/>
+                </a:lnTo>
+                <a:lnTo>
+                  <a:pt x="f0" y="f0"/>
+                </a:lnTo>
+                <a:close/>
+              </a:path>
+            </a:pathLst>
+          </a:custGeom>
+          <a:solidFill>
+            <a:srgbClr val="D3321F"/>
+          </a:solidFill>
+          <a:ln w="0">
+            <a:solidFill>
+              <a:srgbClr val="3465A4"/>
+            </a:solidFill>
+            <a:prstDash val="solid"/>
+          </a:ln>
+        </p:spPr>
+        <p:txBody>
+          <a:bodyPr vert="horz" wrap="none" lIns="90000" tIns="45000" rIns="90000" bIns="45000" anchor="ctr" anchorCtr="0" compatLnSpc="0">
+            <a:noAutofit/>
+          </a:bodyPr>
+          <a:lstStyle/>
+          <a:p>
+            <a:pPr marL="0" marR="0" lvl="0" indent="0" algn="ctr" rtl="0" hangingPunct="0">
+              <a:lnSpc>
+                <a:spcPct val="100000"/>
+              </a:lnSpc>
+              <a:spcBef>
+                <a:spcPts val="0"/>
+              </a:spcBef>
+              <a:spcAft>
+                <a:spcPts val="0"/>
+              </a:spcAft>
+              <a:buNone/>
+              <a:tabLst/>
+            </a:pPr>
+            <a:r>
+              <a:rPr lang="de-DE" sz="1800" b="0" i="0" u="none" strike="noStrike" kern="1200" cap="none" dirty="0">
+                <a:ln>
+                  <a:noFill/>
+                </a:ln>
+                <a:latin typeface="Liberation Sans" pitchFamily="18"/>
+                <a:ea typeface="Noto Sans CJK SC Regular" pitchFamily="2"/>
+                <a:cs typeface="FreeSans" pitchFamily="2"/>
+              </a:rPr>
+              <a:t>Information</a:t>
+            </a:r>
+          </a:p>
+        </p:txBody>
+      </p:sp>
+      <p:sp>
+        <p:nvSpPr>
+          <p:cNvPr id="26" name="Freeform: Shape 2">
+            <a:extLst>
+              <a:ext uri="{FF2B5EF4-FFF2-40B4-BE49-F238E27FC236}">
+                <a16:creationId xmlns:a16="http://schemas.microsoft.com/office/drawing/2014/main" id="{30480FDB-5E8E-49C2-A00C-3FF27548717E}"/>
+              </a:ext>
+            </a:extLst>
+          </p:cNvPr>
+          <p:cNvSpPr/>
+          <p:nvPr/>
+        </p:nvSpPr>
+        <p:spPr>
+          <a:xfrm>
+            <a:off x="6198599" y="3251700"/>
+            <a:ext cx="3495288" cy="621000"/>
+          </a:xfrm>
+          <a:custGeom>
+            <a:avLst/>
+            <a:gdLst>
+              <a:gd name="f0" fmla="val 0"/>
+              <a:gd name="f1" fmla="val 21600"/>
+            </a:gdLst>
+            <a:ahLst/>
+            <a:cxnLst>
+              <a:cxn ang="3cd4">
+                <a:pos x="hc" y="t"/>
+              </a:cxn>
+              <a:cxn ang="0">
+                <a:pos x="r" y="vc"/>
+              </a:cxn>
+              <a:cxn ang="cd4">
+                <a:pos x="hc" y="b"/>
+              </a:cxn>
+              <a:cxn ang="cd2">
+                <a:pos x="l" y="vc"/>
+              </a:cxn>
+            </a:cxnLst>
+            <a:rect l="l" t="t" r="r" b="b"/>
+            <a:pathLst>
+              <a:path w="21600" h="21600">
+                <a:moveTo>
+                  <a:pt x="f0" y="f0"/>
+                </a:moveTo>
+                <a:lnTo>
+                  <a:pt x="f1" y="f0"/>
+                </a:lnTo>
+                <a:lnTo>
+                  <a:pt x="f1" y="f1"/>
+                </a:lnTo>
+                <a:lnTo>
+                  <a:pt x="f0" y="f1"/>
+                </a:lnTo>
+                <a:lnTo>
+                  <a:pt x="f0" y="f0"/>
+                </a:lnTo>
+                <a:close/>
+              </a:path>
+            </a:pathLst>
+          </a:custGeom>
+          <a:solidFill>
+            <a:srgbClr val="D3321F"/>
+          </a:solidFill>
+          <a:ln w="0">
+            <a:solidFill>
+              <a:srgbClr val="3465A4"/>
+            </a:solidFill>
+            <a:prstDash val="solid"/>
+          </a:ln>
+        </p:spPr>
+        <p:txBody>
+          <a:bodyPr vert="horz" wrap="none" lIns="90000" tIns="45000" rIns="90000" bIns="45000" anchor="ctr" anchorCtr="0" compatLnSpc="0">
+            <a:noAutofit/>
+          </a:bodyPr>
+          <a:lstStyle/>
+          <a:p>
+            <a:pPr marL="0" marR="0" lvl="0" indent="0" algn="ctr" rtl="0" hangingPunct="0">
+              <a:lnSpc>
+                <a:spcPct val="100000"/>
+              </a:lnSpc>
+              <a:spcBef>
+                <a:spcPts val="0"/>
+              </a:spcBef>
+              <a:spcAft>
+                <a:spcPts val="0"/>
+              </a:spcAft>
+              <a:buNone/>
+              <a:tabLst/>
+            </a:pPr>
+            <a:r>
+              <a:rPr lang="de-DE" sz="1800" b="0" i="0" u="none" strike="noStrike" kern="1200" cap="none" dirty="0">
+                <a:ln>
+                  <a:noFill/>
+                </a:ln>
+                <a:latin typeface="Liberation Sans" pitchFamily="18"/>
+                <a:ea typeface="Noto Sans CJK SC Regular" pitchFamily="2"/>
+                <a:cs typeface="FreeSans" pitchFamily="2"/>
+              </a:rPr>
+              <a:t>Information</a:t>
+            </a:r>
+          </a:p>
+        </p:txBody>
+      </p:sp>
+      <p:sp>
+        <p:nvSpPr>
+          <p:cNvPr id="28" name="Freeform: Shape 17">
+            <a:extLst>
+              <a:ext uri="{FF2B5EF4-FFF2-40B4-BE49-F238E27FC236}">
+                <a16:creationId xmlns:a16="http://schemas.microsoft.com/office/drawing/2014/main" id="{D76CC75E-BA09-4E03-8C7D-C740928D4438}"/>
+              </a:ext>
+            </a:extLst>
+          </p:cNvPr>
+          <p:cNvSpPr/>
+          <p:nvPr/>
+        </p:nvSpPr>
+        <p:spPr>
+          <a:xfrm>
+            <a:off x="1752900" y="5710050"/>
+            <a:ext cx="1433074" cy="537299"/>
+          </a:xfrm>
+          <a:custGeom>
+            <a:avLst/>
+            <a:gdLst>
+              <a:gd name="f0" fmla="val 0"/>
+              <a:gd name="f1" fmla="val 21600"/>
+            </a:gdLst>
+            <a:ahLst/>
+            <a:cxnLst>
+              <a:cxn ang="3cd4">
+                <a:pos x="hc" y="t"/>
+              </a:cxn>
+              <a:cxn ang="0">
+                <a:pos x="r" y="vc"/>
+              </a:cxn>
+              <a:cxn ang="cd4">
+                <a:pos x="hc" y="b"/>
+              </a:cxn>
+              <a:cxn ang="cd2">
+                <a:pos x="l" y="vc"/>
+              </a:cxn>
+            </a:cxnLst>
+            <a:rect l="l" t="t" r="r" b="b"/>
+            <a:pathLst>
+              <a:path w="21600" h="21600">
+                <a:moveTo>
+                  <a:pt x="f0" y="f0"/>
+                </a:moveTo>
+                <a:lnTo>
+                  <a:pt x="f1" y="f0"/>
+                </a:lnTo>
+                <a:lnTo>
+                  <a:pt x="f1" y="f1"/>
+                </a:lnTo>
+                <a:lnTo>
+                  <a:pt x="f0" y="f1"/>
+                </a:lnTo>
+                <a:lnTo>
+                  <a:pt x="f0" y="f0"/>
+                </a:lnTo>
+                <a:close/>
+              </a:path>
+            </a:pathLst>
+          </a:custGeom>
+          <a:solidFill>
+            <a:srgbClr val="FF7F00"/>
+          </a:solidFill>
+          <a:ln w="0">
+            <a:solidFill>
+              <a:srgbClr val="3465A4"/>
+            </a:solidFill>
+            <a:prstDash val="solid"/>
+          </a:ln>
+        </p:spPr>
+        <p:txBody>
+          <a:bodyPr vert="horz" wrap="none" lIns="90000" tIns="45000" rIns="90000" bIns="45000" anchor="ctr" anchorCtr="0" compatLnSpc="0">
+            <a:noAutofit/>
+          </a:bodyPr>
+          <a:lstStyle/>
+          <a:p>
+            <a:pPr marL="0" marR="0" lvl="0" indent="0" algn="ctr" rtl="0" hangingPunct="0">
+              <a:lnSpc>
+                <a:spcPct val="100000"/>
+              </a:lnSpc>
+              <a:spcBef>
+                <a:spcPts val="0"/>
+              </a:spcBef>
+              <a:spcAft>
+                <a:spcPts val="0"/>
+              </a:spcAft>
+              <a:buNone/>
+              <a:tabLst/>
+            </a:pPr>
+            <a:r>
+              <a:rPr lang="de-DE" sz="1400" b="0" i="0" u="none" strike="noStrike" kern="1200" cap="none" dirty="0">
+                <a:ln>
+                  <a:noFill/>
+                </a:ln>
+                <a:latin typeface="Liberation Sans" pitchFamily="18"/>
+                <a:ea typeface="Noto Sans CJK SC Regular" pitchFamily="2"/>
+                <a:cs typeface="FreeSans" pitchFamily="2"/>
+              </a:rPr>
+              <a:t>Abbrechen</a:t>
+            </a:r>
+          </a:p>
+        </p:txBody>
+      </p:sp>
+      <p:sp>
+        <p:nvSpPr>
+          <p:cNvPr id="29" name="Freeform: Shape 17">
+            <a:extLst>
+              <a:ext uri="{FF2B5EF4-FFF2-40B4-BE49-F238E27FC236}">
+                <a16:creationId xmlns:a16="http://schemas.microsoft.com/office/drawing/2014/main" id="{5B25DBB3-FEE1-432A-B324-C43BBA5B7F33}"/>
+              </a:ext>
+            </a:extLst>
+          </p:cNvPr>
+          <p:cNvSpPr/>
+          <p:nvPr/>
+        </p:nvSpPr>
+        <p:spPr>
+          <a:xfrm>
+            <a:off x="8260813" y="5710049"/>
+            <a:ext cx="1433074" cy="537299"/>
+          </a:xfrm>
+          <a:custGeom>
+            <a:avLst/>
+            <a:gdLst>
+              <a:gd name="f0" fmla="val 0"/>
+              <a:gd name="f1" fmla="val 21600"/>
+            </a:gdLst>
+            <a:ahLst/>
+            <a:cxnLst>
+              <a:cxn ang="3cd4">
+                <a:pos x="hc" y="t"/>
+              </a:cxn>
+              <a:cxn ang="0">
+                <a:pos x="r" y="vc"/>
+              </a:cxn>
+              <a:cxn ang="cd4">
+                <a:pos x="hc" y="b"/>
+              </a:cxn>
+              <a:cxn ang="cd2">
+                <a:pos x="l" y="vc"/>
+              </a:cxn>
+            </a:cxnLst>
+            <a:rect l="l" t="t" r="r" b="b"/>
+            <a:pathLst>
+              <a:path w="21600" h="21600">
+                <a:moveTo>
+                  <a:pt x="f0" y="f0"/>
+                </a:moveTo>
+                <a:lnTo>
+                  <a:pt x="f1" y="f0"/>
+                </a:lnTo>
+                <a:lnTo>
+                  <a:pt x="f1" y="f1"/>
+                </a:lnTo>
+                <a:lnTo>
+                  <a:pt x="f0" y="f1"/>
+                </a:lnTo>
+                <a:lnTo>
+                  <a:pt x="f0" y="f0"/>
+                </a:lnTo>
+                <a:close/>
+              </a:path>
+            </a:pathLst>
+          </a:custGeom>
+          <a:solidFill>
+            <a:srgbClr val="FF7F00"/>
+          </a:solidFill>
+          <a:ln w="0">
+            <a:solidFill>
+              <a:srgbClr val="3465A4"/>
+            </a:solidFill>
+            <a:prstDash val="solid"/>
+          </a:ln>
+        </p:spPr>
+        <p:txBody>
+          <a:bodyPr vert="horz" wrap="none" lIns="90000" tIns="45000" rIns="90000" bIns="45000" anchor="ctr" anchorCtr="0" compatLnSpc="0">
+            <a:noAutofit/>
+          </a:bodyPr>
+          <a:lstStyle/>
+          <a:p>
+            <a:pPr marL="0" marR="0" lvl="0" indent="0" algn="ctr" rtl="0" hangingPunct="0">
+              <a:lnSpc>
+                <a:spcPct val="100000"/>
+              </a:lnSpc>
+              <a:spcBef>
+                <a:spcPts val="0"/>
+              </a:spcBef>
+              <a:spcAft>
+                <a:spcPts val="0"/>
+              </a:spcAft>
+              <a:buNone/>
+              <a:tabLst/>
+            </a:pPr>
+            <a:r>
+              <a:rPr lang="de-DE" sz="1400" b="0" i="0" u="none" strike="noStrike" kern="1200" cap="none" dirty="0">
+                <a:ln>
+                  <a:noFill/>
+                </a:ln>
+                <a:latin typeface="Liberation Sans" pitchFamily="18"/>
+                <a:ea typeface="Noto Sans CJK SC Regular" pitchFamily="2"/>
+                <a:cs typeface="FreeSans" pitchFamily="2"/>
+              </a:rPr>
+              <a:t>Speichern</a:t>
+            </a:r>
+          </a:p>
+        </p:txBody>
+      </p:sp>
+    </p:spTree>
+    <p:extLst>
+      <p:ext uri="{BB962C8B-B14F-4D97-AF65-F5344CB8AC3E}">
+        <p14:creationId xmlns:p14="http://schemas.microsoft.com/office/powerpoint/2010/main" val="3689941965"/>
+      </p:ext>
+    </p:extLst>
+  </p:cSld>
+  <p:clrMapOvr>
+    <a:masterClrMapping/>
+  </p:clrMapOvr>
+</p:sld>
+</file>
+
+<file path=ppt/slides/slide5.xml><?xml version="1.0" encoding="utf-8"?>
+<p:sld xmlns:a="http://schemas.openxmlformats.org/drawingml/2006/main" xmlns:r="http://schemas.openxmlformats.org/officeDocument/2006/relationships" xmlns:p="http://schemas.openxmlformats.org/presentationml/2006/main">
+  <p:cSld>
+    <p:spTree>
+      <p:nvGrpSpPr>
+        <p:cNvPr id="1" name=""/>
+        <p:cNvGrpSpPr/>
+        <p:nvPr/>
+      </p:nvGrpSpPr>
+      <p:grpSpPr>
+        <a:xfrm>
+          <a:off x="0" y="0"/>
+          <a:ext cx="0" cy="0"/>
+          <a:chOff x="0" y="0"/>
+          <a:chExt cx="0" cy="0"/>
+        </a:xfrm>
+      </p:grpSpPr>
+      <p:sp>
+        <p:nvSpPr>
+          <p:cNvPr id="2" name="Freeform: Shape 1">
+            <a:extLst>
+              <a:ext uri="{FF2B5EF4-FFF2-40B4-BE49-F238E27FC236}">
+                <a16:creationId xmlns:a16="http://schemas.microsoft.com/office/drawing/2014/main" id="{955028EA-20C0-49A2-940E-CA57FAAB5B92}"/>
+              </a:ext>
+            </a:extLst>
+          </p:cNvPr>
+          <p:cNvSpPr/>
+          <p:nvPr/>
+        </p:nvSpPr>
+        <p:spPr>
+          <a:xfrm>
+            <a:off x="72000" y="72000"/>
+            <a:ext cx="9936000" cy="503999"/>
+          </a:xfrm>
+          <a:custGeom>
+            <a:avLst/>
+            <a:gdLst>
+              <a:gd name="f0" fmla="val 0"/>
+              <a:gd name="f1" fmla="val 21600"/>
+            </a:gdLst>
+            <a:ahLst/>
+            <a:cxnLst>
+              <a:cxn ang="3cd4">
+                <a:pos x="hc" y="t"/>
+              </a:cxn>
+              <a:cxn ang="0">
+                <a:pos x="r" y="vc"/>
+              </a:cxn>
+              <a:cxn ang="cd4">
+                <a:pos x="hc" y="b"/>
+              </a:cxn>
+              <a:cxn ang="cd2">
+                <a:pos x="l" y="vc"/>
+              </a:cxn>
+            </a:cxnLst>
+            <a:rect l="l" t="t" r="r" b="b"/>
+            <a:pathLst>
+              <a:path w="21600" h="21600">
+                <a:moveTo>
+                  <a:pt x="f0" y="f0"/>
+                </a:moveTo>
+                <a:lnTo>
+                  <a:pt x="f1" y="f0"/>
+                </a:lnTo>
+                <a:lnTo>
+                  <a:pt x="f1" y="f1"/>
+                </a:lnTo>
+                <a:lnTo>
+                  <a:pt x="f0" y="f1"/>
+                </a:lnTo>
+                <a:lnTo>
+                  <a:pt x="f0" y="f0"/>
+                </a:lnTo>
+                <a:close/>
+              </a:path>
+            </a:pathLst>
+          </a:custGeom>
+          <a:solidFill>
+            <a:srgbClr val="729FCF"/>
+          </a:solidFill>
+          <a:ln w="0">
+            <a:solidFill>
+              <a:srgbClr val="3465A4"/>
+            </a:solidFill>
+            <a:prstDash val="solid"/>
+          </a:ln>
+        </p:spPr>
+        <p:txBody>
+          <a:bodyPr vert="horz" wrap="none" lIns="90000" tIns="45000" rIns="90000" bIns="45000" anchor="ctr" anchorCtr="0" compatLnSpc="0">
+            <a:noAutofit/>
+          </a:bodyPr>
+          <a:lstStyle/>
+          <a:p>
+            <a:pPr marL="0" marR="0" lvl="0" indent="0" rtl="0" hangingPunct="0">
+              <a:lnSpc>
+                <a:spcPct val="100000"/>
+              </a:lnSpc>
+              <a:spcBef>
+                <a:spcPts val="0"/>
+              </a:spcBef>
+              <a:spcAft>
+                <a:spcPts val="0"/>
+              </a:spcAft>
+              <a:buNone/>
+              <a:tabLst/>
+            </a:pPr>
+            <a:endParaRPr lang="de-DE" sz="1800" b="0" i="0" u="none" strike="noStrike" kern="1200" cap="none">
+              <a:ln>
+                <a:noFill/>
+              </a:ln>
+              <a:latin typeface="Liberation Sans" pitchFamily="18"/>
+              <a:ea typeface="Noto Sans CJK SC Regular" pitchFamily="2"/>
+              <a:cs typeface="FreeSans" pitchFamily="2"/>
+            </a:endParaRPr>
+          </a:p>
+        </p:txBody>
+      </p:sp>
+      <p:sp>
+        <p:nvSpPr>
+          <p:cNvPr id="3" name="Freeform: Shape 2">
+            <a:extLst>
+              <a:ext uri="{FF2B5EF4-FFF2-40B4-BE49-F238E27FC236}">
+                <a16:creationId xmlns:a16="http://schemas.microsoft.com/office/drawing/2014/main" id="{2BFDEEDC-3750-4562-8A75-B82409551D15}"/>
+              </a:ext>
+            </a:extLst>
+          </p:cNvPr>
+          <p:cNvSpPr/>
+          <p:nvPr/>
+        </p:nvSpPr>
+        <p:spPr>
+          <a:xfrm>
+            <a:off x="72000" y="6912000"/>
+            <a:ext cx="9936000" cy="503999"/>
+          </a:xfrm>
+          <a:custGeom>
+            <a:avLst/>
+            <a:gdLst>
+              <a:gd name="f0" fmla="val 0"/>
+              <a:gd name="f1" fmla="val 21600"/>
+            </a:gdLst>
+            <a:ahLst/>
+            <a:cxnLst>
+              <a:cxn ang="3cd4">
+                <a:pos x="hc" y="t"/>
+              </a:cxn>
+              <a:cxn ang="0">
+                <a:pos x="r" y="vc"/>
+              </a:cxn>
+              <a:cxn ang="cd4">
+                <a:pos x="hc" y="b"/>
+              </a:cxn>
+              <a:cxn ang="cd2">
+                <a:pos x="l" y="vc"/>
+              </a:cxn>
+            </a:cxnLst>
+            <a:rect l="l" t="t" r="r" b="b"/>
+            <a:pathLst>
+              <a:path w="21600" h="21600">
+                <a:moveTo>
+                  <a:pt x="f0" y="f0"/>
+                </a:moveTo>
+                <a:lnTo>
+                  <a:pt x="f1" y="f0"/>
+                </a:lnTo>
+                <a:lnTo>
+                  <a:pt x="f1" y="f1"/>
+                </a:lnTo>
+                <a:lnTo>
+                  <a:pt x="f0" y="f1"/>
+                </a:lnTo>
+                <a:lnTo>
+                  <a:pt x="f0" y="f0"/>
+                </a:lnTo>
+                <a:close/>
+              </a:path>
+            </a:pathLst>
+          </a:custGeom>
+          <a:solidFill>
+            <a:srgbClr val="729FCF"/>
+          </a:solidFill>
+          <a:ln w="0">
+            <a:solidFill>
+              <a:srgbClr val="3465A4"/>
+            </a:solidFill>
+            <a:prstDash val="solid"/>
+          </a:ln>
+        </p:spPr>
+        <p:txBody>
+          <a:bodyPr vert="horz" wrap="none" lIns="90000" tIns="45000" rIns="90000" bIns="45000" anchor="ctr" anchorCtr="0" compatLnSpc="0">
+            <a:noAutofit/>
+          </a:bodyPr>
+          <a:lstStyle/>
+          <a:p>
+            <a:pPr marL="0" marR="0" lvl="0" indent="0" algn="ctr" rtl="0" hangingPunct="0">
+              <a:lnSpc>
+                <a:spcPct val="100000"/>
+              </a:lnSpc>
+              <a:spcBef>
+                <a:spcPts val="0"/>
+              </a:spcBef>
+              <a:spcAft>
+                <a:spcPts val="0"/>
+              </a:spcAft>
+              <a:buNone/>
+              <a:tabLst/>
+            </a:pPr>
+            <a:r>
               <a:rPr lang="de-DE" sz="1800" b="0" i="0" u="none" strike="noStrike" kern="1200" cap="none">
                 <a:ln>
                   <a:noFill/>
@@ -9448,14 +9871,796 @@
                 <a:ea typeface="Noto Sans CJK SC Regular" pitchFamily="2"/>
                 <a:cs typeface="FreeSans" pitchFamily="2"/>
               </a:rPr>
-              <a:t>Neues Modul</a:t>
+              <a:t>Fußzeile</a:t>
             </a:r>
           </a:p>
         </p:txBody>
       </p:sp>
       <p:sp>
         <p:nvSpPr>
-          <p:cNvPr id="8" name="Freeform: Shape 7"/>
+          <p:cNvPr id="5" name="TextBox 4">
+            <a:extLst>
+              <a:ext uri="{FF2B5EF4-FFF2-40B4-BE49-F238E27FC236}">
+                <a16:creationId xmlns:a16="http://schemas.microsoft.com/office/drawing/2014/main" id="{F070F165-081B-4C1C-B861-94299BB132BF}"/>
+              </a:ext>
+            </a:extLst>
+          </p:cNvPr>
+          <p:cNvSpPr txBox="1"/>
+          <p:nvPr/>
+        </p:nvSpPr>
+        <p:spPr>
+          <a:xfrm>
+            <a:off x="2448000" y="1944000"/>
+            <a:ext cx="5616000" cy="427320"/>
+          </a:xfrm>
+          <a:prstGeom prst="rect">
+            <a:avLst/>
+          </a:prstGeom>
+          <a:noFill/>
+          <a:ln>
+            <a:noFill/>
+          </a:ln>
+        </p:spPr>
+        <p:txBody>
+          <a:bodyPr vert="horz" wrap="none" lIns="90000" tIns="45000" rIns="90000" bIns="45000" anchorCtr="0" compatLnSpc="0">
+            <a:spAutoFit/>
+          </a:bodyPr>
+          <a:lstStyle/>
+          <a:p>
+            <a:pPr marL="0" marR="0" lvl="0" indent="0" rtl="0" hangingPunct="0">
+              <a:lnSpc>
+                <a:spcPct val="100000"/>
+              </a:lnSpc>
+              <a:spcBef>
+                <a:spcPts val="0"/>
+              </a:spcBef>
+              <a:spcAft>
+                <a:spcPts val="0"/>
+              </a:spcAft>
+              <a:buNone/>
+              <a:tabLst/>
+            </a:pPr>
+            <a:endParaRPr lang="de-DE" sz="1800" b="0" i="0" u="none" strike="noStrike" kern="1200" cap="none">
+              <a:ln>
+                <a:noFill/>
+              </a:ln>
+              <a:latin typeface="Liberation Sans" pitchFamily="18"/>
+              <a:ea typeface="Noto Sans CJK SC Regular" pitchFamily="2"/>
+              <a:cs typeface="FreeSans" pitchFamily="2"/>
+            </a:endParaRPr>
+          </a:p>
+        </p:txBody>
+      </p:sp>
+      <p:sp>
+        <p:nvSpPr>
+          <p:cNvPr id="9" name="Freeform: Shape 12">
+            <a:extLst>
+              <a:ext uri="{FF2B5EF4-FFF2-40B4-BE49-F238E27FC236}">
+                <a16:creationId xmlns:a16="http://schemas.microsoft.com/office/drawing/2014/main" id="{2CDC5638-805C-4F91-B934-CE49379600D1}"/>
+              </a:ext>
+            </a:extLst>
+          </p:cNvPr>
+          <p:cNvSpPr/>
+          <p:nvPr/>
+        </p:nvSpPr>
+        <p:spPr>
+          <a:xfrm>
+            <a:off x="1296000" y="107149"/>
+            <a:ext cx="913800" cy="432000"/>
+          </a:xfrm>
+          <a:custGeom>
+            <a:avLst/>
+            <a:gdLst>
+              <a:gd name="f0" fmla="val 0"/>
+              <a:gd name="f1" fmla="val 21600"/>
+            </a:gdLst>
+            <a:ahLst/>
+            <a:cxnLst>
+              <a:cxn ang="3cd4">
+                <a:pos x="hc" y="t"/>
+              </a:cxn>
+              <a:cxn ang="0">
+                <a:pos x="r" y="vc"/>
+              </a:cxn>
+              <a:cxn ang="cd4">
+                <a:pos x="hc" y="b"/>
+              </a:cxn>
+              <a:cxn ang="cd2">
+                <a:pos x="l" y="vc"/>
+              </a:cxn>
+            </a:cxnLst>
+            <a:rect l="l" t="t" r="r" b="b"/>
+            <a:pathLst>
+              <a:path w="21600" h="21600">
+                <a:moveTo>
+                  <a:pt x="f0" y="f0"/>
+                </a:moveTo>
+                <a:lnTo>
+                  <a:pt x="f1" y="f0"/>
+                </a:lnTo>
+                <a:lnTo>
+                  <a:pt x="f1" y="f1"/>
+                </a:lnTo>
+                <a:lnTo>
+                  <a:pt x="f0" y="f1"/>
+                </a:lnTo>
+                <a:lnTo>
+                  <a:pt x="f0" y="f0"/>
+                </a:lnTo>
+                <a:close/>
+              </a:path>
+            </a:pathLst>
+          </a:custGeom>
+          <a:solidFill>
+            <a:srgbClr val="FF7F00"/>
+          </a:solidFill>
+          <a:ln w="6480">
+            <a:solidFill>
+              <a:srgbClr val="3465A4"/>
+            </a:solidFill>
+            <a:prstDash val="solid"/>
+          </a:ln>
+        </p:spPr>
+        <p:txBody>
+          <a:bodyPr vert="horz" wrap="none" lIns="93240" tIns="48240" rIns="93240" bIns="48240" anchor="ctr" anchorCtr="0" compatLnSpc="0">
+            <a:noAutofit/>
+          </a:bodyPr>
+          <a:lstStyle/>
+          <a:p>
+            <a:pPr marL="0" marR="0" lvl="0" indent="0" algn="ctr" rtl="0" hangingPunct="0">
+              <a:lnSpc>
+                <a:spcPct val="100000"/>
+              </a:lnSpc>
+              <a:spcBef>
+                <a:spcPts val="0"/>
+              </a:spcBef>
+              <a:spcAft>
+                <a:spcPts val="0"/>
+              </a:spcAft>
+              <a:buNone/>
+              <a:tabLst/>
+            </a:pPr>
+            <a:r>
+              <a:rPr lang="de-DE" sz="1400" b="0" i="0" u="none" strike="noStrike" kern="1200" cap="none" dirty="0">
+                <a:ln>
+                  <a:noFill/>
+                </a:ln>
+                <a:latin typeface="Liberation Sans" pitchFamily="18"/>
+                <a:ea typeface="Noto Sans CJK SC Regular" pitchFamily="2"/>
+                <a:cs typeface="FreeSans" pitchFamily="2"/>
+              </a:rPr>
+              <a:t>Benutzer</a:t>
+            </a:r>
+          </a:p>
+        </p:txBody>
+      </p:sp>
+      <p:sp>
+        <p:nvSpPr>
+          <p:cNvPr id="10" name="Freeform: Shape 13">
+            <a:extLst>
+              <a:ext uri="{FF2B5EF4-FFF2-40B4-BE49-F238E27FC236}">
+                <a16:creationId xmlns:a16="http://schemas.microsoft.com/office/drawing/2014/main" id="{122187A3-4792-4D63-A9C3-D952F3AB7FD2}"/>
+              </a:ext>
+            </a:extLst>
+          </p:cNvPr>
+          <p:cNvSpPr/>
+          <p:nvPr/>
+        </p:nvSpPr>
+        <p:spPr>
+          <a:xfrm>
+            <a:off x="2353800" y="109125"/>
+            <a:ext cx="1071650" cy="432000"/>
+          </a:xfrm>
+          <a:custGeom>
+            <a:avLst/>
+            <a:gdLst>
+              <a:gd name="f0" fmla="val 0"/>
+              <a:gd name="f1" fmla="val 21600"/>
+            </a:gdLst>
+            <a:ahLst/>
+            <a:cxnLst>
+              <a:cxn ang="3cd4">
+                <a:pos x="hc" y="t"/>
+              </a:cxn>
+              <a:cxn ang="0">
+                <a:pos x="r" y="vc"/>
+              </a:cxn>
+              <a:cxn ang="cd4">
+                <a:pos x="hc" y="b"/>
+              </a:cxn>
+              <a:cxn ang="cd2">
+                <a:pos x="l" y="vc"/>
+              </a:cxn>
+            </a:cxnLst>
+            <a:rect l="l" t="t" r="r" b="b"/>
+            <a:pathLst>
+              <a:path w="21600" h="21600">
+                <a:moveTo>
+                  <a:pt x="f0" y="f0"/>
+                </a:moveTo>
+                <a:lnTo>
+                  <a:pt x="f1" y="f0"/>
+                </a:lnTo>
+                <a:lnTo>
+                  <a:pt x="f1" y="f1"/>
+                </a:lnTo>
+                <a:lnTo>
+                  <a:pt x="f0" y="f1"/>
+                </a:lnTo>
+                <a:lnTo>
+                  <a:pt x="f0" y="f0"/>
+                </a:lnTo>
+                <a:close/>
+              </a:path>
+            </a:pathLst>
+          </a:custGeom>
+          <a:solidFill>
+            <a:srgbClr val="FF7F00"/>
+          </a:solidFill>
+          <a:ln w="57240">
+            <a:solidFill>
+              <a:srgbClr val="0000FF"/>
+            </a:solidFill>
+            <a:prstDash val="solid"/>
+          </a:ln>
+        </p:spPr>
+        <p:txBody>
+          <a:bodyPr vert="horz" wrap="none" lIns="118440" tIns="73440" rIns="118440" bIns="73440" anchor="ctr" anchorCtr="0" compatLnSpc="0">
+            <a:noAutofit/>
+          </a:bodyPr>
+          <a:lstStyle/>
+          <a:p>
+            <a:pPr marL="0" marR="0" lvl="0" indent="0" algn="ctr" rtl="0" hangingPunct="0">
+              <a:lnSpc>
+                <a:spcPct val="100000"/>
+              </a:lnSpc>
+              <a:spcBef>
+                <a:spcPts val="0"/>
+              </a:spcBef>
+              <a:spcAft>
+                <a:spcPts val="0"/>
+              </a:spcAft>
+              <a:buNone/>
+              <a:tabLst/>
+            </a:pPr>
+            <a:r>
+              <a:rPr lang="de-DE" sz="1400" b="0" i="0" u="none" strike="noStrike" kern="1200" cap="none" dirty="0">
+                <a:ln>
+                  <a:noFill/>
+                </a:ln>
+                <a:latin typeface="Liberation Sans" pitchFamily="18"/>
+                <a:ea typeface="Noto Sans CJK SC Regular" pitchFamily="2"/>
+                <a:cs typeface="FreeSans" pitchFamily="2"/>
+              </a:rPr>
+              <a:t>Verteilung</a:t>
+            </a:r>
+          </a:p>
+        </p:txBody>
+      </p:sp>
+      <p:sp>
+        <p:nvSpPr>
+          <p:cNvPr id="12" name="Freeform: Shape 15">
+            <a:extLst>
+              <a:ext uri="{FF2B5EF4-FFF2-40B4-BE49-F238E27FC236}">
+                <a16:creationId xmlns:a16="http://schemas.microsoft.com/office/drawing/2014/main" id="{45D34D48-5E28-44EB-BB4D-B9D8195249AE}"/>
+              </a:ext>
+            </a:extLst>
+          </p:cNvPr>
+          <p:cNvSpPr/>
+          <p:nvPr/>
+        </p:nvSpPr>
+        <p:spPr>
+          <a:xfrm>
+            <a:off x="8947150" y="108000"/>
+            <a:ext cx="952850" cy="432000"/>
+          </a:xfrm>
+          <a:custGeom>
+            <a:avLst/>
+            <a:gdLst>
+              <a:gd name="f0" fmla="val 0"/>
+              <a:gd name="f1" fmla="val 21600"/>
+            </a:gdLst>
+            <a:ahLst/>
+            <a:cxnLst>
+              <a:cxn ang="3cd4">
+                <a:pos x="hc" y="t"/>
+              </a:cxn>
+              <a:cxn ang="0">
+                <a:pos x="r" y="vc"/>
+              </a:cxn>
+              <a:cxn ang="cd4">
+                <a:pos x="hc" y="b"/>
+              </a:cxn>
+              <a:cxn ang="cd2">
+                <a:pos x="l" y="vc"/>
+              </a:cxn>
+            </a:cxnLst>
+            <a:rect l="l" t="t" r="r" b="b"/>
+            <a:pathLst>
+              <a:path w="21600" h="21600">
+                <a:moveTo>
+                  <a:pt x="f0" y="f0"/>
+                </a:moveTo>
+                <a:lnTo>
+                  <a:pt x="f1" y="f0"/>
+                </a:lnTo>
+                <a:lnTo>
+                  <a:pt x="f1" y="f1"/>
+                </a:lnTo>
+                <a:lnTo>
+                  <a:pt x="f0" y="f1"/>
+                </a:lnTo>
+                <a:lnTo>
+                  <a:pt x="f0" y="f0"/>
+                </a:lnTo>
+                <a:close/>
+              </a:path>
+            </a:pathLst>
+          </a:custGeom>
+          <a:solidFill>
+            <a:srgbClr val="FF7F00"/>
+          </a:solidFill>
+          <a:ln w="6480">
+            <a:solidFill>
+              <a:srgbClr val="3465A4"/>
+            </a:solidFill>
+            <a:prstDash val="solid"/>
+          </a:ln>
+        </p:spPr>
+        <p:txBody>
+          <a:bodyPr vert="horz" wrap="none" lIns="93240" tIns="48240" rIns="93240" bIns="48240" anchor="ctr" anchorCtr="0" compatLnSpc="0">
+            <a:noAutofit/>
+          </a:bodyPr>
+          <a:lstStyle/>
+          <a:p>
+            <a:pPr marL="0" marR="0" lvl="0" indent="0" algn="ctr" rtl="0" hangingPunct="0">
+              <a:lnSpc>
+                <a:spcPct val="100000"/>
+              </a:lnSpc>
+              <a:spcBef>
+                <a:spcPts val="0"/>
+              </a:spcBef>
+              <a:spcAft>
+                <a:spcPts val="0"/>
+              </a:spcAft>
+              <a:buNone/>
+              <a:tabLst/>
+            </a:pPr>
+            <a:r>
+              <a:rPr lang="de-DE" sz="1400" b="0" i="0" u="none" strike="noStrike" kern="1200" cap="none" dirty="0">
+                <a:ln>
+                  <a:noFill/>
+                </a:ln>
+                <a:latin typeface="Liberation Sans" pitchFamily="18"/>
+                <a:ea typeface="Noto Sans CJK SC Regular" pitchFamily="2"/>
+                <a:cs typeface="FreeSans" pitchFamily="2"/>
+              </a:rPr>
+              <a:t>Abmelden</a:t>
+            </a:r>
+          </a:p>
+        </p:txBody>
+      </p:sp>
+      <p:sp>
+        <p:nvSpPr>
+          <p:cNvPr id="19" name="Freeform: Shape 14">
+            <a:extLst>
+              <a:ext uri="{FF2B5EF4-FFF2-40B4-BE49-F238E27FC236}">
+                <a16:creationId xmlns:a16="http://schemas.microsoft.com/office/drawing/2014/main" id="{8E858737-2FE9-4A70-9E1F-941057057B02}"/>
+              </a:ext>
+            </a:extLst>
+          </p:cNvPr>
+          <p:cNvSpPr/>
+          <p:nvPr/>
+        </p:nvSpPr>
+        <p:spPr>
+          <a:xfrm>
+            <a:off x="216000" y="107149"/>
+            <a:ext cx="936000" cy="432000"/>
+          </a:xfrm>
+          <a:custGeom>
+            <a:avLst/>
+            <a:gdLst>
+              <a:gd name="f0" fmla="val 0"/>
+              <a:gd name="f1" fmla="val 21600"/>
+            </a:gdLst>
+            <a:ahLst/>
+            <a:cxnLst>
+              <a:cxn ang="3cd4">
+                <a:pos x="hc" y="t"/>
+              </a:cxn>
+              <a:cxn ang="0">
+                <a:pos x="r" y="vc"/>
+              </a:cxn>
+              <a:cxn ang="cd4">
+                <a:pos x="hc" y="b"/>
+              </a:cxn>
+              <a:cxn ang="cd2">
+                <a:pos x="l" y="vc"/>
+              </a:cxn>
+            </a:cxnLst>
+            <a:rect l="l" t="t" r="r" b="b"/>
+            <a:pathLst>
+              <a:path w="21600" h="21600">
+                <a:moveTo>
+                  <a:pt x="f0" y="f0"/>
+                </a:moveTo>
+                <a:lnTo>
+                  <a:pt x="f1" y="f0"/>
+                </a:lnTo>
+                <a:lnTo>
+                  <a:pt x="f1" y="f1"/>
+                </a:lnTo>
+                <a:lnTo>
+                  <a:pt x="f0" y="f1"/>
+                </a:lnTo>
+                <a:lnTo>
+                  <a:pt x="f0" y="f0"/>
+                </a:lnTo>
+                <a:close/>
+              </a:path>
+            </a:pathLst>
+          </a:custGeom>
+          <a:solidFill>
+            <a:srgbClr val="FF7F00"/>
+          </a:solidFill>
+          <a:ln w="6480">
+            <a:solidFill>
+              <a:srgbClr val="3465A4"/>
+            </a:solidFill>
+            <a:prstDash val="solid"/>
+          </a:ln>
+        </p:spPr>
+        <p:txBody>
+          <a:bodyPr vert="horz" wrap="none" lIns="93240" tIns="48240" rIns="93240" bIns="48240" anchor="ctr" anchorCtr="0" compatLnSpc="0">
+            <a:noAutofit/>
+          </a:bodyPr>
+          <a:lstStyle/>
+          <a:p>
+            <a:pPr marL="0" marR="0" lvl="0" indent="0" algn="ctr" rtl="0" hangingPunct="0">
+              <a:lnSpc>
+                <a:spcPct val="100000"/>
+              </a:lnSpc>
+              <a:spcBef>
+                <a:spcPts val="0"/>
+              </a:spcBef>
+              <a:spcAft>
+                <a:spcPts val="0"/>
+              </a:spcAft>
+              <a:buNone/>
+              <a:tabLst/>
+            </a:pPr>
+            <a:r>
+              <a:rPr lang="de-DE" sz="1400" b="0" i="0" u="none" strike="noStrike" kern="1200" cap="none" dirty="0">
+                <a:ln>
+                  <a:noFill/>
+                </a:ln>
+                <a:latin typeface="Liberation Sans" pitchFamily="18"/>
+                <a:ea typeface="Noto Sans CJK SC Regular" pitchFamily="2"/>
+                <a:cs typeface="FreeSans" pitchFamily="2"/>
+              </a:rPr>
+              <a:t>Verwalten</a:t>
+            </a:r>
+          </a:p>
+        </p:txBody>
+      </p:sp>
+      <p:sp>
+        <p:nvSpPr>
+          <p:cNvPr id="20" name="Freeform: Shape 14">
+            <a:extLst>
+              <a:ext uri="{FF2B5EF4-FFF2-40B4-BE49-F238E27FC236}">
+                <a16:creationId xmlns:a16="http://schemas.microsoft.com/office/drawing/2014/main" id="{869C2950-5137-40D6-8AD5-08F5B13A83F2}"/>
+              </a:ext>
+            </a:extLst>
+          </p:cNvPr>
+          <p:cNvSpPr/>
+          <p:nvPr/>
+        </p:nvSpPr>
+        <p:spPr>
+          <a:xfrm>
+            <a:off x="463647" y="918830"/>
+            <a:ext cx="9128025" cy="1670626"/>
+          </a:xfrm>
+          <a:custGeom>
+            <a:avLst/>
+            <a:gdLst>
+              <a:gd name="f0" fmla="val 0"/>
+              <a:gd name="f1" fmla="val 21600"/>
+            </a:gdLst>
+            <a:ahLst/>
+            <a:cxnLst>
+              <a:cxn ang="3cd4">
+                <a:pos x="hc" y="t"/>
+              </a:cxn>
+              <a:cxn ang="0">
+                <a:pos x="r" y="vc"/>
+              </a:cxn>
+              <a:cxn ang="cd4">
+                <a:pos x="hc" y="b"/>
+              </a:cxn>
+              <a:cxn ang="cd2">
+                <a:pos x="l" y="vc"/>
+              </a:cxn>
+            </a:cxnLst>
+            <a:rect l="l" t="t" r="r" b="b"/>
+            <a:pathLst>
+              <a:path w="21600" h="21600">
+                <a:moveTo>
+                  <a:pt x="f0" y="f0"/>
+                </a:moveTo>
+                <a:lnTo>
+                  <a:pt x="f1" y="f0"/>
+                </a:lnTo>
+                <a:lnTo>
+                  <a:pt x="f1" y="f1"/>
+                </a:lnTo>
+                <a:lnTo>
+                  <a:pt x="f0" y="f1"/>
+                </a:lnTo>
+                <a:lnTo>
+                  <a:pt x="f0" y="f0"/>
+                </a:lnTo>
+                <a:close/>
+              </a:path>
+            </a:pathLst>
+          </a:custGeom>
+          <a:solidFill>
+            <a:srgbClr val="FF7F00"/>
+          </a:solidFill>
+          <a:ln w="6480">
+            <a:solidFill>
+              <a:srgbClr val="3465A4"/>
+            </a:solidFill>
+            <a:prstDash val="solid"/>
+          </a:ln>
+        </p:spPr>
+        <p:txBody>
+          <a:bodyPr vert="horz" wrap="none" lIns="93240" tIns="48240" rIns="93240" bIns="48240" anchor="ctr" anchorCtr="0" compatLnSpc="0">
+            <a:noAutofit/>
+          </a:bodyPr>
+          <a:lstStyle/>
+          <a:p>
+            <a:pPr marL="0" marR="0" lvl="0" indent="0" algn="ctr" rtl="0" hangingPunct="0">
+              <a:lnSpc>
+                <a:spcPct val="100000"/>
+              </a:lnSpc>
+              <a:spcBef>
+                <a:spcPts val="0"/>
+              </a:spcBef>
+              <a:spcAft>
+                <a:spcPts val="0"/>
+              </a:spcAft>
+              <a:buNone/>
+              <a:tabLst/>
+            </a:pPr>
+            <a:r>
+              <a:rPr lang="de-DE" sz="1400" b="0" i="0" u="none" strike="noStrike" kern="1200" cap="none" dirty="0">
+                <a:ln>
+                  <a:noFill/>
+                </a:ln>
+                <a:latin typeface="Liberation Sans" pitchFamily="18"/>
+                <a:ea typeface="Noto Sans CJK SC Regular" pitchFamily="2"/>
+                <a:cs typeface="FreeSans" pitchFamily="2"/>
+              </a:rPr>
+              <a:t>Verteilungsvorschlag 1</a:t>
+            </a:r>
+          </a:p>
+        </p:txBody>
+      </p:sp>
+      <p:sp>
+        <p:nvSpPr>
+          <p:cNvPr id="22" name="Freeform: Shape 14">
+            <a:extLst>
+              <a:ext uri="{FF2B5EF4-FFF2-40B4-BE49-F238E27FC236}">
+                <a16:creationId xmlns:a16="http://schemas.microsoft.com/office/drawing/2014/main" id="{E852B5F0-AE62-4459-9068-C01CA464F986}"/>
+              </a:ext>
+            </a:extLst>
+          </p:cNvPr>
+          <p:cNvSpPr/>
+          <p:nvPr/>
+        </p:nvSpPr>
+        <p:spPr>
+          <a:xfrm>
+            <a:off x="475987" y="2908686"/>
+            <a:ext cx="9128025" cy="1670626"/>
+          </a:xfrm>
+          <a:custGeom>
+            <a:avLst/>
+            <a:gdLst>
+              <a:gd name="f0" fmla="val 0"/>
+              <a:gd name="f1" fmla="val 21600"/>
+            </a:gdLst>
+            <a:ahLst/>
+            <a:cxnLst>
+              <a:cxn ang="3cd4">
+                <a:pos x="hc" y="t"/>
+              </a:cxn>
+              <a:cxn ang="0">
+                <a:pos x="r" y="vc"/>
+              </a:cxn>
+              <a:cxn ang="cd4">
+                <a:pos x="hc" y="b"/>
+              </a:cxn>
+              <a:cxn ang="cd2">
+                <a:pos x="l" y="vc"/>
+              </a:cxn>
+            </a:cxnLst>
+            <a:rect l="l" t="t" r="r" b="b"/>
+            <a:pathLst>
+              <a:path w="21600" h="21600">
+                <a:moveTo>
+                  <a:pt x="f0" y="f0"/>
+                </a:moveTo>
+                <a:lnTo>
+                  <a:pt x="f1" y="f0"/>
+                </a:lnTo>
+                <a:lnTo>
+                  <a:pt x="f1" y="f1"/>
+                </a:lnTo>
+                <a:lnTo>
+                  <a:pt x="f0" y="f1"/>
+                </a:lnTo>
+                <a:lnTo>
+                  <a:pt x="f0" y="f0"/>
+                </a:lnTo>
+                <a:close/>
+              </a:path>
+            </a:pathLst>
+          </a:custGeom>
+          <a:solidFill>
+            <a:srgbClr val="FF7F00"/>
+          </a:solidFill>
+          <a:ln w="6480">
+            <a:solidFill>
+              <a:srgbClr val="3465A4"/>
+            </a:solidFill>
+            <a:prstDash val="solid"/>
+          </a:ln>
+        </p:spPr>
+        <p:txBody>
+          <a:bodyPr vert="horz" wrap="none" lIns="93240" tIns="48240" rIns="93240" bIns="48240" anchor="ctr" anchorCtr="0" compatLnSpc="0">
+            <a:noAutofit/>
+          </a:bodyPr>
+          <a:lstStyle/>
+          <a:p>
+            <a:pPr marL="0" marR="0" lvl="0" indent="0" algn="ctr" rtl="0" hangingPunct="0">
+              <a:lnSpc>
+                <a:spcPct val="100000"/>
+              </a:lnSpc>
+              <a:spcBef>
+                <a:spcPts val="0"/>
+              </a:spcBef>
+              <a:spcAft>
+                <a:spcPts val="0"/>
+              </a:spcAft>
+              <a:buNone/>
+              <a:tabLst/>
+            </a:pPr>
+            <a:r>
+              <a:rPr lang="de-DE" sz="1400" b="0" i="0" u="none" strike="noStrike" kern="1200" cap="none" dirty="0">
+                <a:ln>
+                  <a:noFill/>
+                </a:ln>
+                <a:latin typeface="Liberation Sans" pitchFamily="18"/>
+                <a:ea typeface="Noto Sans CJK SC Regular" pitchFamily="2"/>
+                <a:cs typeface="FreeSans" pitchFamily="2"/>
+              </a:rPr>
+              <a:t>Verteilungsvorschlag 2</a:t>
+            </a:r>
+          </a:p>
+        </p:txBody>
+      </p:sp>
+      <p:sp>
+        <p:nvSpPr>
+          <p:cNvPr id="23" name="Freeform: Shape 14">
+            <a:extLst>
+              <a:ext uri="{FF2B5EF4-FFF2-40B4-BE49-F238E27FC236}">
+                <a16:creationId xmlns:a16="http://schemas.microsoft.com/office/drawing/2014/main" id="{C82A72CB-A062-46D5-A64D-D2407C29DE59}"/>
+              </a:ext>
+            </a:extLst>
+          </p:cNvPr>
+          <p:cNvSpPr/>
+          <p:nvPr/>
+        </p:nvSpPr>
+        <p:spPr>
+          <a:xfrm>
+            <a:off x="463646" y="4907070"/>
+            <a:ext cx="9128025" cy="1670626"/>
+          </a:xfrm>
+          <a:custGeom>
+            <a:avLst/>
+            <a:gdLst>
+              <a:gd name="f0" fmla="val 0"/>
+              <a:gd name="f1" fmla="val 21600"/>
+            </a:gdLst>
+            <a:ahLst/>
+            <a:cxnLst>
+              <a:cxn ang="3cd4">
+                <a:pos x="hc" y="t"/>
+              </a:cxn>
+              <a:cxn ang="0">
+                <a:pos x="r" y="vc"/>
+              </a:cxn>
+              <a:cxn ang="cd4">
+                <a:pos x="hc" y="b"/>
+              </a:cxn>
+              <a:cxn ang="cd2">
+                <a:pos x="l" y="vc"/>
+              </a:cxn>
+            </a:cxnLst>
+            <a:rect l="l" t="t" r="r" b="b"/>
+            <a:pathLst>
+              <a:path w="21600" h="21600">
+                <a:moveTo>
+                  <a:pt x="f0" y="f0"/>
+                </a:moveTo>
+                <a:lnTo>
+                  <a:pt x="f1" y="f0"/>
+                </a:lnTo>
+                <a:lnTo>
+                  <a:pt x="f1" y="f1"/>
+                </a:lnTo>
+                <a:lnTo>
+                  <a:pt x="f0" y="f1"/>
+                </a:lnTo>
+                <a:lnTo>
+                  <a:pt x="f0" y="f0"/>
+                </a:lnTo>
+                <a:close/>
+              </a:path>
+            </a:pathLst>
+          </a:custGeom>
+          <a:solidFill>
+            <a:srgbClr val="FF7F00"/>
+          </a:solidFill>
+          <a:ln w="6480">
+            <a:solidFill>
+              <a:srgbClr val="3465A4"/>
+            </a:solidFill>
+            <a:prstDash val="solid"/>
+          </a:ln>
+        </p:spPr>
+        <p:txBody>
+          <a:bodyPr vert="horz" wrap="none" lIns="93240" tIns="48240" rIns="93240" bIns="48240" anchor="ctr" anchorCtr="0" compatLnSpc="0">
+            <a:noAutofit/>
+          </a:bodyPr>
+          <a:lstStyle/>
+          <a:p>
+            <a:pPr marL="0" marR="0" lvl="0" indent="0" algn="ctr" rtl="0" hangingPunct="0">
+              <a:lnSpc>
+                <a:spcPct val="100000"/>
+              </a:lnSpc>
+              <a:spcBef>
+                <a:spcPts val="0"/>
+              </a:spcBef>
+              <a:spcAft>
+                <a:spcPts val="0"/>
+              </a:spcAft>
+              <a:buNone/>
+              <a:tabLst/>
+            </a:pPr>
+            <a:r>
+              <a:rPr lang="de-DE" sz="1400" b="0" i="0" u="none" strike="noStrike" kern="1200" cap="none" dirty="0">
+                <a:ln>
+                  <a:noFill/>
+                </a:ln>
+                <a:latin typeface="Liberation Sans" pitchFamily="18"/>
+                <a:ea typeface="Noto Sans CJK SC Regular" pitchFamily="2"/>
+                <a:cs typeface="FreeSans" pitchFamily="2"/>
+              </a:rPr>
+              <a:t>Verteilungsvorschlag 3</a:t>
+            </a:r>
+          </a:p>
+        </p:txBody>
+      </p:sp>
+      <p:sp>
+        <p:nvSpPr>
+          <p:cNvPr id="13" name="Freeform: Shape 7">
+            <a:extLst>
+              <a:ext uri="{FF2B5EF4-FFF2-40B4-BE49-F238E27FC236}">
+                <a16:creationId xmlns:a16="http://schemas.microsoft.com/office/drawing/2014/main" id="{EB2C8F5F-2BA2-47F6-93CC-8EA12290BD61}"/>
+              </a:ext>
+            </a:extLst>
+          </p:cNvPr>
           <p:cNvSpPr/>
           <p:nvPr/>
         </p:nvSpPr>
@@ -9549,3338 +10754,12 @@
           </a:p>
         </p:txBody>
       </p:sp>
-      <p:sp>
-        <p:nvSpPr>
-          <p:cNvPr id="9" name="Freeform: Shape 8"/>
-          <p:cNvSpPr/>
-          <p:nvPr/>
-        </p:nvSpPr>
-        <p:spPr>
-          <a:xfrm>
-            <a:off x="144000" y="108000"/>
-            <a:ext cx="1007999" cy="432000"/>
-          </a:xfrm>
-          <a:custGeom>
-            <a:avLst/>
-            <a:gdLst>
-              <a:gd name="f0" fmla="val 0"/>
-              <a:gd name="f1" fmla="val 21600"/>
-            </a:gdLst>
-            <a:ahLst/>
-            <a:cxnLst>
-              <a:cxn ang="3cd4">
-                <a:pos x="hc" y="t"/>
-              </a:cxn>
-              <a:cxn ang="0">
-                <a:pos x="r" y="vc"/>
-              </a:cxn>
-              <a:cxn ang="cd4">
-                <a:pos x="hc" y="b"/>
-              </a:cxn>
-              <a:cxn ang="cd2">
-                <a:pos x="l" y="vc"/>
-              </a:cxn>
-            </a:cxnLst>
-            <a:rect l="l" t="t" r="r" b="b"/>
-            <a:pathLst>
-              <a:path w="21600" h="21600">
-                <a:moveTo>
-                  <a:pt x="f0" y="f0"/>
-                </a:moveTo>
-                <a:lnTo>
-                  <a:pt x="f1" y="f0"/>
-                </a:lnTo>
-                <a:lnTo>
-                  <a:pt x="f1" y="f1"/>
-                </a:lnTo>
-                <a:lnTo>
-                  <a:pt x="f0" y="f1"/>
-                </a:lnTo>
-                <a:lnTo>
-                  <a:pt x="f0" y="f0"/>
-                </a:lnTo>
-                <a:close/>
-              </a:path>
-            </a:pathLst>
-          </a:custGeom>
-          <a:solidFill>
-            <a:srgbClr val="FF7F00"/>
-          </a:solidFill>
-          <a:ln w="6480">
-            <a:solidFill>
-              <a:srgbClr val="3465A4"/>
-            </a:solidFill>
-            <a:prstDash val="solid"/>
-          </a:ln>
-        </p:spPr>
-        <p:txBody>
-          <a:bodyPr vert="horz" wrap="none" lIns="93240" tIns="48240" rIns="93240" bIns="48240" anchor="ctr" anchorCtr="0" compatLnSpc="0">
-            <a:noAutofit/>
-          </a:bodyPr>
-          <a:lstStyle/>
-          <a:p>
-            <a:pPr marL="0" marR="0" lvl="0" indent="0" algn="ctr" rtl="0" hangingPunct="0">
-              <a:lnSpc>
-                <a:spcPct val="100000"/>
-              </a:lnSpc>
-              <a:spcBef>
-                <a:spcPts val="0"/>
-              </a:spcBef>
-              <a:spcAft>
-                <a:spcPts val="0"/>
-              </a:spcAft>
-              <a:buNone/>
-              <a:tabLst/>
-            </a:pPr>
-            <a:r>
-              <a:rPr lang="de-DE" sz="1400" b="0" i="0" u="none" strike="noStrike" kern="1200" cap="none">
-                <a:ln>
-                  <a:noFill/>
-                </a:ln>
-                <a:latin typeface="Liberation Sans" pitchFamily="18"/>
-                <a:ea typeface="Noto Sans CJK SC Regular" pitchFamily="2"/>
-                <a:cs typeface="FreeSans" pitchFamily="2"/>
-              </a:rPr>
-              <a:t>Dashboard</a:t>
-            </a:r>
-          </a:p>
-        </p:txBody>
-      </p:sp>
-      <p:sp>
-        <p:nvSpPr>
-          <p:cNvPr id="10" name="Freeform: Shape 9"/>
-          <p:cNvSpPr/>
-          <p:nvPr/>
-        </p:nvSpPr>
-        <p:spPr>
-          <a:xfrm>
-            <a:off x="1188000" y="108000"/>
-            <a:ext cx="720000" cy="432000"/>
-          </a:xfrm>
-          <a:custGeom>
-            <a:avLst/>
-            <a:gdLst>
-              <a:gd name="f0" fmla="val 0"/>
-              <a:gd name="f1" fmla="val 21600"/>
-            </a:gdLst>
-            <a:ahLst/>
-            <a:cxnLst>
-              <a:cxn ang="3cd4">
-                <a:pos x="hc" y="t"/>
-              </a:cxn>
-              <a:cxn ang="0">
-                <a:pos x="r" y="vc"/>
-              </a:cxn>
-              <a:cxn ang="cd4">
-                <a:pos x="hc" y="b"/>
-              </a:cxn>
-              <a:cxn ang="cd2">
-                <a:pos x="l" y="vc"/>
-              </a:cxn>
-            </a:cxnLst>
-            <a:rect l="l" t="t" r="r" b="b"/>
-            <a:pathLst>
-              <a:path w="21600" h="21600">
-                <a:moveTo>
-                  <a:pt x="f0" y="f0"/>
-                </a:moveTo>
-                <a:lnTo>
-                  <a:pt x="f1" y="f0"/>
-                </a:lnTo>
-                <a:lnTo>
-                  <a:pt x="f1" y="f1"/>
-                </a:lnTo>
-                <a:lnTo>
-                  <a:pt x="f0" y="f1"/>
-                </a:lnTo>
-                <a:lnTo>
-                  <a:pt x="f0" y="f0"/>
-                </a:lnTo>
-                <a:close/>
-              </a:path>
-            </a:pathLst>
-          </a:custGeom>
-          <a:solidFill>
-            <a:srgbClr val="FF7F00"/>
-          </a:solidFill>
-          <a:ln w="0">
-            <a:solidFill>
-              <a:srgbClr val="3465A4"/>
-            </a:solidFill>
-            <a:prstDash val="solid"/>
-          </a:ln>
-        </p:spPr>
-        <p:txBody>
-          <a:bodyPr vert="horz" wrap="none" lIns="90000" tIns="45000" rIns="90000" bIns="45000" anchor="ctr" anchorCtr="0" compatLnSpc="0">
-            <a:noAutofit/>
-          </a:bodyPr>
-          <a:lstStyle/>
-          <a:p>
-            <a:pPr marL="0" marR="0" lvl="0" indent="0" algn="ctr" rtl="0" hangingPunct="0">
-              <a:lnSpc>
-                <a:spcPct val="100000"/>
-              </a:lnSpc>
-              <a:spcBef>
-                <a:spcPts val="0"/>
-              </a:spcBef>
-              <a:spcAft>
-                <a:spcPts val="0"/>
-              </a:spcAft>
-              <a:buNone/>
-              <a:tabLst/>
-            </a:pPr>
-            <a:r>
-              <a:rPr lang="de-DE" sz="1400" b="0" i="0" u="none" strike="noStrike" kern="1200" cap="none">
-                <a:ln>
-                  <a:noFill/>
-                </a:ln>
-                <a:latin typeface="Liberation Sans" pitchFamily="18"/>
-                <a:ea typeface="Noto Sans CJK SC Regular" pitchFamily="2"/>
-                <a:cs typeface="FreeSans" pitchFamily="2"/>
-              </a:rPr>
-              <a:t>CMS</a:t>
-            </a:r>
-          </a:p>
-        </p:txBody>
-      </p:sp>
-      <p:sp>
-        <p:nvSpPr>
-          <p:cNvPr id="11" name="Freeform: Shape 10"/>
-          <p:cNvSpPr/>
-          <p:nvPr/>
-        </p:nvSpPr>
-        <p:spPr>
-          <a:xfrm>
-            <a:off x="1944000" y="108000"/>
-            <a:ext cx="756000" cy="432000"/>
-          </a:xfrm>
-          <a:custGeom>
-            <a:avLst/>
-            <a:gdLst>
-              <a:gd name="f0" fmla="val 0"/>
-              <a:gd name="f1" fmla="val 21600"/>
-            </a:gdLst>
-            <a:ahLst/>
-            <a:cxnLst>
-              <a:cxn ang="3cd4">
-                <a:pos x="hc" y="t"/>
-              </a:cxn>
-              <a:cxn ang="0">
-                <a:pos x="r" y="vc"/>
-              </a:cxn>
-              <a:cxn ang="cd4">
-                <a:pos x="hc" y="b"/>
-              </a:cxn>
-              <a:cxn ang="cd2">
-                <a:pos x="l" y="vc"/>
-              </a:cxn>
-            </a:cxnLst>
-            <a:rect l="l" t="t" r="r" b="b"/>
-            <a:pathLst>
-              <a:path w="21600" h="21600">
-                <a:moveTo>
-                  <a:pt x="f0" y="f0"/>
-                </a:moveTo>
-                <a:lnTo>
-                  <a:pt x="f1" y="f0"/>
-                </a:lnTo>
-                <a:lnTo>
-                  <a:pt x="f1" y="f1"/>
-                </a:lnTo>
-                <a:lnTo>
-                  <a:pt x="f0" y="f1"/>
-                </a:lnTo>
-                <a:lnTo>
-                  <a:pt x="f0" y="f0"/>
-                </a:lnTo>
-                <a:close/>
-              </a:path>
-            </a:pathLst>
-          </a:custGeom>
-          <a:solidFill>
-            <a:srgbClr val="FF7F00"/>
-          </a:solidFill>
-          <a:ln w="0">
-            <a:solidFill>
-              <a:srgbClr val="3465A4"/>
-            </a:solidFill>
-            <a:prstDash val="solid"/>
-          </a:ln>
-        </p:spPr>
-        <p:txBody>
-          <a:bodyPr vert="horz" wrap="none" lIns="90000" tIns="45000" rIns="90000" bIns="45000" anchor="ctr" anchorCtr="0" compatLnSpc="0">
-            <a:noAutofit/>
-          </a:bodyPr>
-          <a:lstStyle/>
-          <a:p>
-            <a:pPr marL="0" marR="0" lvl="0" indent="0" algn="ctr" rtl="0" hangingPunct="0">
-              <a:lnSpc>
-                <a:spcPct val="100000"/>
-              </a:lnSpc>
-              <a:spcBef>
-                <a:spcPts val="0"/>
-              </a:spcBef>
-              <a:spcAft>
-                <a:spcPts val="0"/>
-              </a:spcAft>
-              <a:buNone/>
-              <a:tabLst/>
-            </a:pPr>
-            <a:r>
-              <a:rPr lang="de-DE" sz="1400" b="0" i="0" u="none" strike="noStrike" kern="1200" cap="none">
-                <a:ln>
-                  <a:noFill/>
-                </a:ln>
-                <a:latin typeface="Liberation Sans" pitchFamily="18"/>
-                <a:ea typeface="Noto Sans CJK SC Regular" pitchFamily="2"/>
-                <a:cs typeface="FreeSans" pitchFamily="2"/>
-              </a:rPr>
-              <a:t>Media</a:t>
-            </a:r>
-          </a:p>
-        </p:txBody>
-      </p:sp>
-      <p:sp>
-        <p:nvSpPr>
-          <p:cNvPr id="12" name="Freeform: Shape 11"/>
-          <p:cNvSpPr/>
-          <p:nvPr/>
-        </p:nvSpPr>
-        <p:spPr>
-          <a:xfrm>
-            <a:off x="2772000" y="108000"/>
-            <a:ext cx="720000" cy="432000"/>
-          </a:xfrm>
-          <a:custGeom>
-            <a:avLst/>
-            <a:gdLst>
-              <a:gd name="f0" fmla="val 0"/>
-              <a:gd name="f1" fmla="val 21600"/>
-            </a:gdLst>
-            <a:ahLst/>
-            <a:cxnLst>
-              <a:cxn ang="3cd4">
-                <a:pos x="hc" y="t"/>
-              </a:cxn>
-              <a:cxn ang="0">
-                <a:pos x="r" y="vc"/>
-              </a:cxn>
-              <a:cxn ang="cd4">
-                <a:pos x="hc" y="b"/>
-              </a:cxn>
-              <a:cxn ang="cd2">
-                <a:pos x="l" y="vc"/>
-              </a:cxn>
-            </a:cxnLst>
-            <a:rect l="l" t="t" r="r" b="b"/>
-            <a:pathLst>
-              <a:path w="21600" h="21600">
-                <a:moveTo>
-                  <a:pt x="f0" y="f0"/>
-                </a:moveTo>
-                <a:lnTo>
-                  <a:pt x="f1" y="f0"/>
-                </a:lnTo>
-                <a:lnTo>
-                  <a:pt x="f1" y="f1"/>
-                </a:lnTo>
-                <a:lnTo>
-                  <a:pt x="f0" y="f1"/>
-                </a:lnTo>
-                <a:lnTo>
-                  <a:pt x="f0" y="f0"/>
-                </a:lnTo>
-                <a:close/>
-              </a:path>
-            </a:pathLst>
-          </a:custGeom>
-          <a:solidFill>
-            <a:srgbClr val="FF7F00"/>
-          </a:solidFill>
-          <a:ln w="0">
-            <a:solidFill>
-              <a:srgbClr val="3465A4"/>
-            </a:solidFill>
-            <a:prstDash val="solid"/>
-          </a:ln>
-        </p:spPr>
-        <p:txBody>
-          <a:bodyPr vert="horz" wrap="none" lIns="90000" tIns="45000" rIns="90000" bIns="45000" anchor="ctr" anchorCtr="0" compatLnSpc="0">
-            <a:noAutofit/>
-          </a:bodyPr>
-          <a:lstStyle/>
-          <a:p>
-            <a:pPr marL="0" marR="0" lvl="0" indent="0" algn="ctr" rtl="0" hangingPunct="0">
-              <a:lnSpc>
-                <a:spcPct val="100000"/>
-              </a:lnSpc>
-              <a:spcBef>
-                <a:spcPts val="0"/>
-              </a:spcBef>
-              <a:spcAft>
-                <a:spcPts val="0"/>
-              </a:spcAft>
-              <a:buNone/>
-              <a:tabLst/>
-            </a:pPr>
-            <a:r>
-              <a:rPr lang="de-DE" sz="1400" b="0" i="0" u="none" strike="noStrike" kern="1200" cap="none">
-                <a:ln>
-                  <a:noFill/>
-                </a:ln>
-                <a:latin typeface="Liberation Sans" pitchFamily="18"/>
-                <a:ea typeface="Noto Sans CJK SC Regular" pitchFamily="2"/>
-                <a:cs typeface="FreeSans" pitchFamily="2"/>
-              </a:rPr>
-              <a:t>Pages</a:t>
-            </a:r>
-          </a:p>
-        </p:txBody>
-      </p:sp>
-      <p:sp>
-        <p:nvSpPr>
-          <p:cNvPr id="13" name="Freeform: Shape 12"/>
-          <p:cNvSpPr/>
-          <p:nvPr/>
-        </p:nvSpPr>
-        <p:spPr>
-          <a:xfrm>
-            <a:off x="4500000" y="108000"/>
-            <a:ext cx="684000" cy="432000"/>
-          </a:xfrm>
-          <a:custGeom>
-            <a:avLst/>
-            <a:gdLst>
-              <a:gd name="f0" fmla="val 0"/>
-              <a:gd name="f1" fmla="val 21600"/>
-            </a:gdLst>
-            <a:ahLst/>
-            <a:cxnLst>
-              <a:cxn ang="3cd4">
-                <a:pos x="hc" y="t"/>
-              </a:cxn>
-              <a:cxn ang="0">
-                <a:pos x="r" y="vc"/>
-              </a:cxn>
-              <a:cxn ang="cd4">
-                <a:pos x="hc" y="b"/>
-              </a:cxn>
-              <a:cxn ang="cd2">
-                <a:pos x="l" y="vc"/>
-              </a:cxn>
-            </a:cxnLst>
-            <a:rect l="l" t="t" r="r" b="b"/>
-            <a:pathLst>
-              <a:path w="21600" h="21600">
-                <a:moveTo>
-                  <a:pt x="f0" y="f0"/>
-                </a:moveTo>
-                <a:lnTo>
-                  <a:pt x="f1" y="f0"/>
-                </a:lnTo>
-                <a:lnTo>
-                  <a:pt x="f1" y="f1"/>
-                </a:lnTo>
-                <a:lnTo>
-                  <a:pt x="f0" y="f1"/>
-                </a:lnTo>
-                <a:lnTo>
-                  <a:pt x="f0" y="f0"/>
-                </a:lnTo>
-                <a:close/>
-              </a:path>
-            </a:pathLst>
-          </a:custGeom>
-          <a:solidFill>
-            <a:srgbClr val="FF7F00"/>
-          </a:solidFill>
-          <a:ln w="6480">
-            <a:solidFill>
-              <a:srgbClr val="3465A4"/>
-            </a:solidFill>
-            <a:prstDash val="solid"/>
-          </a:ln>
-        </p:spPr>
-        <p:txBody>
-          <a:bodyPr vert="horz" wrap="none" lIns="93240" tIns="48240" rIns="93240" bIns="48240" anchor="ctr" anchorCtr="0" compatLnSpc="0">
-            <a:noAutofit/>
-          </a:bodyPr>
-          <a:lstStyle/>
-          <a:p>
-            <a:pPr marL="0" marR="0" lvl="0" indent="0" algn="ctr" rtl="0" hangingPunct="0">
-              <a:lnSpc>
-                <a:spcPct val="100000"/>
-              </a:lnSpc>
-              <a:spcBef>
-                <a:spcPts val="0"/>
-              </a:spcBef>
-              <a:spcAft>
-                <a:spcPts val="0"/>
-              </a:spcAft>
-              <a:buNone/>
-              <a:tabLst/>
-            </a:pPr>
-            <a:r>
-              <a:rPr lang="de-DE" sz="1400" b="0" i="0" u="none" strike="noStrike" kern="1200" cap="none">
-                <a:ln>
-                  <a:noFill/>
-                </a:ln>
-                <a:latin typeface="Liberation Sans" pitchFamily="18"/>
-                <a:ea typeface="Noto Sans CJK SC Regular" pitchFamily="2"/>
-                <a:cs typeface="FreeSans" pitchFamily="2"/>
-              </a:rPr>
-              <a:t>Users</a:t>
-            </a:r>
-          </a:p>
-        </p:txBody>
-      </p:sp>
-      <p:sp>
-        <p:nvSpPr>
-          <p:cNvPr id="14" name="Freeform: Shape 13"/>
-          <p:cNvSpPr/>
-          <p:nvPr/>
-        </p:nvSpPr>
-        <p:spPr>
-          <a:xfrm>
-            <a:off x="3528000" y="108000"/>
-            <a:ext cx="936000" cy="432000"/>
-          </a:xfrm>
-          <a:custGeom>
-            <a:avLst/>
-            <a:gdLst>
-              <a:gd name="f0" fmla="val 0"/>
-              <a:gd name="f1" fmla="val 21600"/>
-            </a:gdLst>
-            <a:ahLst/>
-            <a:cxnLst>
-              <a:cxn ang="3cd4">
-                <a:pos x="hc" y="t"/>
-              </a:cxn>
-              <a:cxn ang="0">
-                <a:pos x="r" y="vc"/>
-              </a:cxn>
-              <a:cxn ang="cd4">
-                <a:pos x="hc" y="b"/>
-              </a:cxn>
-              <a:cxn ang="cd2">
-                <a:pos x="l" y="vc"/>
-              </a:cxn>
-            </a:cxnLst>
-            <a:rect l="l" t="t" r="r" b="b"/>
-            <a:pathLst>
-              <a:path w="21600" h="21600">
-                <a:moveTo>
-                  <a:pt x="f0" y="f0"/>
-                </a:moveTo>
-                <a:lnTo>
-                  <a:pt x="f1" y="f0"/>
-                </a:lnTo>
-                <a:lnTo>
-                  <a:pt x="f1" y="f1"/>
-                </a:lnTo>
-                <a:lnTo>
-                  <a:pt x="f0" y="f1"/>
-                </a:lnTo>
-                <a:lnTo>
-                  <a:pt x="f0" y="f0"/>
-                </a:lnTo>
-                <a:close/>
-              </a:path>
-            </a:pathLst>
-          </a:custGeom>
-          <a:solidFill>
-            <a:srgbClr val="FF7F00"/>
-          </a:solidFill>
-          <a:ln w="57240">
-            <a:solidFill>
-              <a:srgbClr val="0000FF"/>
-            </a:solidFill>
-            <a:prstDash val="solid"/>
-          </a:ln>
-        </p:spPr>
-        <p:txBody>
-          <a:bodyPr vert="horz" wrap="none" lIns="118440" tIns="73440" rIns="118440" bIns="73440" anchor="ctr" anchorCtr="0" compatLnSpc="0">
-            <a:noAutofit/>
-          </a:bodyPr>
-          <a:lstStyle/>
-          <a:p>
-            <a:pPr marL="0" marR="0" lvl="0" indent="0" algn="ctr" rtl="0" hangingPunct="0">
-              <a:lnSpc>
-                <a:spcPct val="100000"/>
-              </a:lnSpc>
-              <a:spcBef>
-                <a:spcPts val="0"/>
-              </a:spcBef>
-              <a:spcAft>
-                <a:spcPts val="0"/>
-              </a:spcAft>
-              <a:buNone/>
-              <a:tabLst/>
-            </a:pPr>
-            <a:r>
-              <a:rPr lang="de-DE" sz="1400" b="0" i="0" u="none" strike="noStrike" kern="1200" cap="none">
-                <a:ln>
-                  <a:noFill/>
-                </a:ln>
-                <a:latin typeface="Liberation Sans" pitchFamily="18"/>
-                <a:ea typeface="Noto Sans CJK SC Regular" pitchFamily="2"/>
-                <a:cs typeface="FreeSans" pitchFamily="2"/>
-              </a:rPr>
-              <a:t>Verwalten</a:t>
-            </a:r>
-          </a:p>
-        </p:txBody>
-      </p:sp>
-      <p:sp>
-        <p:nvSpPr>
-          <p:cNvPr id="15" name="Freeform: Shape 14"/>
-          <p:cNvSpPr/>
-          <p:nvPr/>
-        </p:nvSpPr>
-        <p:spPr>
-          <a:xfrm>
-            <a:off x="5220000" y="108000"/>
-            <a:ext cx="684000" cy="432000"/>
-          </a:xfrm>
-          <a:custGeom>
-            <a:avLst/>
-            <a:gdLst>
-              <a:gd name="f0" fmla="val 0"/>
-              <a:gd name="f1" fmla="val 21600"/>
-            </a:gdLst>
-            <a:ahLst/>
-            <a:cxnLst>
-              <a:cxn ang="3cd4">
-                <a:pos x="hc" y="t"/>
-              </a:cxn>
-              <a:cxn ang="0">
-                <a:pos x="r" y="vc"/>
-              </a:cxn>
-              <a:cxn ang="cd4">
-                <a:pos x="hc" y="b"/>
-              </a:cxn>
-              <a:cxn ang="cd2">
-                <a:pos x="l" y="vc"/>
-              </a:cxn>
-            </a:cxnLst>
-            <a:rect l="l" t="t" r="r" b="b"/>
-            <a:pathLst>
-              <a:path w="21600" h="21600">
-                <a:moveTo>
-                  <a:pt x="f0" y="f0"/>
-                </a:moveTo>
-                <a:lnTo>
-                  <a:pt x="f1" y="f0"/>
-                </a:lnTo>
-                <a:lnTo>
-                  <a:pt x="f1" y="f1"/>
-                </a:lnTo>
-                <a:lnTo>
-                  <a:pt x="f0" y="f1"/>
-                </a:lnTo>
-                <a:lnTo>
-                  <a:pt x="f0" y="f0"/>
-                </a:lnTo>
-                <a:close/>
-              </a:path>
-            </a:pathLst>
-          </a:custGeom>
-          <a:solidFill>
-            <a:srgbClr val="FF7F00"/>
-          </a:solidFill>
-          <a:ln w="6480">
-            <a:solidFill>
-              <a:srgbClr val="3465A4"/>
-            </a:solidFill>
-            <a:prstDash val="solid"/>
-          </a:ln>
-        </p:spPr>
-        <p:txBody>
-          <a:bodyPr vert="horz" wrap="none" lIns="93240" tIns="48240" rIns="93240" bIns="48240" anchor="ctr" anchorCtr="0" compatLnSpc="0">
-            <a:noAutofit/>
-          </a:bodyPr>
-          <a:lstStyle/>
-          <a:p>
-            <a:pPr marL="0" marR="0" lvl="0" indent="0" algn="ctr" rtl="0" hangingPunct="0">
-              <a:lnSpc>
-                <a:spcPct val="100000"/>
-              </a:lnSpc>
-              <a:spcBef>
-                <a:spcPts val="0"/>
-              </a:spcBef>
-              <a:spcAft>
-                <a:spcPts val="0"/>
-              </a:spcAft>
-              <a:buNone/>
-              <a:tabLst/>
-            </a:pPr>
-            <a:r>
-              <a:rPr lang="de-DE" sz="1400" b="0" i="0" u="none" strike="noStrike" kern="1200" cap="none">
-                <a:ln>
-                  <a:noFill/>
-                </a:ln>
-                <a:latin typeface="Liberation Sans" pitchFamily="18"/>
-                <a:ea typeface="Noto Sans CJK SC Regular" pitchFamily="2"/>
-                <a:cs typeface="FreeSans" pitchFamily="2"/>
-              </a:rPr>
-              <a:t>Settings</a:t>
-            </a:r>
-          </a:p>
-        </p:txBody>
-      </p:sp>
-      <p:sp>
-        <p:nvSpPr>
-          <p:cNvPr id="16" name="Freeform: Shape 15"/>
-          <p:cNvSpPr/>
-          <p:nvPr/>
-        </p:nvSpPr>
-        <p:spPr>
-          <a:xfrm>
-            <a:off x="9216000" y="108000"/>
-            <a:ext cx="684000" cy="432000"/>
-          </a:xfrm>
-          <a:custGeom>
-            <a:avLst/>
-            <a:gdLst>
-              <a:gd name="f0" fmla="val 0"/>
-              <a:gd name="f1" fmla="val 21600"/>
-            </a:gdLst>
-            <a:ahLst/>
-            <a:cxnLst>
-              <a:cxn ang="3cd4">
-                <a:pos x="hc" y="t"/>
-              </a:cxn>
-              <a:cxn ang="0">
-                <a:pos x="r" y="vc"/>
-              </a:cxn>
-              <a:cxn ang="cd4">
-                <a:pos x="hc" y="b"/>
-              </a:cxn>
-              <a:cxn ang="cd2">
-                <a:pos x="l" y="vc"/>
-              </a:cxn>
-            </a:cxnLst>
-            <a:rect l="l" t="t" r="r" b="b"/>
-            <a:pathLst>
-              <a:path w="21600" h="21600">
-                <a:moveTo>
-                  <a:pt x="f0" y="f0"/>
-                </a:moveTo>
-                <a:lnTo>
-                  <a:pt x="f1" y="f0"/>
-                </a:lnTo>
-                <a:lnTo>
-                  <a:pt x="f1" y="f1"/>
-                </a:lnTo>
-                <a:lnTo>
-                  <a:pt x="f0" y="f1"/>
-                </a:lnTo>
-                <a:lnTo>
-                  <a:pt x="f0" y="f0"/>
-                </a:lnTo>
-                <a:close/>
-              </a:path>
-            </a:pathLst>
-          </a:custGeom>
-          <a:solidFill>
-            <a:srgbClr val="FF7F00"/>
-          </a:solidFill>
-          <a:ln w="6480">
-            <a:solidFill>
-              <a:srgbClr val="3465A4"/>
-            </a:solidFill>
-            <a:prstDash val="solid"/>
-          </a:ln>
-        </p:spPr>
-        <p:txBody>
-          <a:bodyPr vert="horz" wrap="none" lIns="93240" tIns="48240" rIns="93240" bIns="48240" anchor="ctr" anchorCtr="0" compatLnSpc="0">
-            <a:noAutofit/>
-          </a:bodyPr>
-          <a:lstStyle/>
-          <a:p>
-            <a:pPr marL="0" marR="0" lvl="0" indent="0" algn="ctr" rtl="0" hangingPunct="0">
-              <a:lnSpc>
-                <a:spcPct val="100000"/>
-              </a:lnSpc>
-              <a:spcBef>
-                <a:spcPts val="0"/>
-              </a:spcBef>
-              <a:spcAft>
-                <a:spcPts val="0"/>
-              </a:spcAft>
-              <a:buNone/>
-              <a:tabLst/>
-            </a:pPr>
-            <a:r>
-              <a:rPr lang="de-DE" sz="1400" b="0" i="0" u="none" strike="noStrike" kern="1200" cap="none">
-                <a:ln>
-                  <a:noFill/>
-                </a:ln>
-                <a:latin typeface="Liberation Sans" pitchFamily="18"/>
-                <a:ea typeface="Noto Sans CJK SC Regular" pitchFamily="2"/>
-                <a:cs typeface="FreeSans" pitchFamily="2"/>
-              </a:rPr>
-              <a:t>User</a:t>
-            </a:r>
-          </a:p>
-        </p:txBody>
-      </p:sp>
-      <p:sp>
-        <p:nvSpPr>
-          <p:cNvPr id="17" name="Freeform: Shape 16"/>
-          <p:cNvSpPr/>
-          <p:nvPr/>
-        </p:nvSpPr>
-        <p:spPr>
-          <a:xfrm>
-            <a:off x="216000" y="684000"/>
-            <a:ext cx="1007999" cy="684000"/>
-          </a:xfrm>
-          <a:custGeom>
-            <a:avLst/>
-            <a:gdLst>
-              <a:gd name="f0" fmla="val 0"/>
-              <a:gd name="f1" fmla="val 21600"/>
-            </a:gdLst>
-            <a:ahLst/>
-            <a:cxnLst>
-              <a:cxn ang="3cd4">
-                <a:pos x="hc" y="t"/>
-              </a:cxn>
-              <a:cxn ang="0">
-                <a:pos x="r" y="vc"/>
-              </a:cxn>
-              <a:cxn ang="cd4">
-                <a:pos x="hc" y="b"/>
-              </a:cxn>
-              <a:cxn ang="cd2">
-                <a:pos x="l" y="vc"/>
-              </a:cxn>
-            </a:cxnLst>
-            <a:rect l="l" t="t" r="r" b="b"/>
-            <a:pathLst>
-              <a:path w="21600" h="21600">
-                <a:moveTo>
-                  <a:pt x="f0" y="f0"/>
-                </a:moveTo>
-                <a:lnTo>
-                  <a:pt x="f1" y="f0"/>
-                </a:lnTo>
-                <a:lnTo>
-                  <a:pt x="f1" y="f1"/>
-                </a:lnTo>
-                <a:lnTo>
-                  <a:pt x="f0" y="f1"/>
-                </a:lnTo>
-                <a:lnTo>
-                  <a:pt x="f0" y="f0"/>
-                </a:lnTo>
-                <a:close/>
-              </a:path>
-            </a:pathLst>
-          </a:custGeom>
-          <a:solidFill>
-            <a:srgbClr val="FF7F00"/>
-          </a:solidFill>
-          <a:ln w="0">
-            <a:solidFill>
-              <a:srgbClr val="3465A4"/>
-            </a:solidFill>
-            <a:prstDash val="solid"/>
-          </a:ln>
-        </p:spPr>
-        <p:txBody>
-          <a:bodyPr vert="horz" wrap="none" lIns="90000" tIns="45000" rIns="90000" bIns="45000" anchor="ctr" anchorCtr="0" compatLnSpc="0">
-            <a:noAutofit/>
-          </a:bodyPr>
-          <a:lstStyle/>
-          <a:p>
-            <a:pPr marL="0" marR="0" lvl="0" indent="0" algn="ctr" rtl="0" hangingPunct="0">
-              <a:lnSpc>
-                <a:spcPct val="100000"/>
-              </a:lnSpc>
-              <a:spcBef>
-                <a:spcPts val="0"/>
-              </a:spcBef>
-              <a:spcAft>
-                <a:spcPts val="0"/>
-              </a:spcAft>
-              <a:buNone/>
-              <a:tabLst/>
-            </a:pPr>
-            <a:r>
-              <a:rPr lang="de-DE" sz="1400" b="0" i="0" u="none" strike="noStrike" kern="1200" cap="none">
-                <a:ln>
-                  <a:noFill/>
-                </a:ln>
-                <a:latin typeface="Liberation Sans" pitchFamily="18"/>
-                <a:ea typeface="Noto Sans CJK SC Regular" pitchFamily="2"/>
-                <a:cs typeface="FreeSans" pitchFamily="2"/>
-              </a:rPr>
-              <a:t>Kurse</a:t>
-            </a:r>
-          </a:p>
-        </p:txBody>
-      </p:sp>
-      <p:sp>
-        <p:nvSpPr>
-          <p:cNvPr id="18" name="Freeform: Shape 17"/>
-          <p:cNvSpPr/>
-          <p:nvPr/>
-        </p:nvSpPr>
-        <p:spPr>
-          <a:xfrm>
-            <a:off x="216000" y="1404000"/>
-            <a:ext cx="1007999" cy="684000"/>
-          </a:xfrm>
-          <a:custGeom>
-            <a:avLst/>
-            <a:gdLst>
-              <a:gd name="f0" fmla="val 0"/>
-              <a:gd name="f1" fmla="val 21600"/>
-            </a:gdLst>
-            <a:ahLst/>
-            <a:cxnLst>
-              <a:cxn ang="3cd4">
-                <a:pos x="hc" y="t"/>
-              </a:cxn>
-              <a:cxn ang="0">
-                <a:pos x="r" y="vc"/>
-              </a:cxn>
-              <a:cxn ang="cd4">
-                <a:pos x="hc" y="b"/>
-              </a:cxn>
-              <a:cxn ang="cd2">
-                <a:pos x="l" y="vc"/>
-              </a:cxn>
-            </a:cxnLst>
-            <a:rect l="l" t="t" r="r" b="b"/>
-            <a:pathLst>
-              <a:path w="21600" h="21600">
-                <a:moveTo>
-                  <a:pt x="f0" y="f0"/>
-                </a:moveTo>
-                <a:lnTo>
-                  <a:pt x="f1" y="f0"/>
-                </a:lnTo>
-                <a:lnTo>
-                  <a:pt x="f1" y="f1"/>
-                </a:lnTo>
-                <a:lnTo>
-                  <a:pt x="f0" y="f1"/>
-                </a:lnTo>
-                <a:lnTo>
-                  <a:pt x="f0" y="f0"/>
-                </a:lnTo>
-                <a:close/>
-              </a:path>
-            </a:pathLst>
-          </a:custGeom>
-          <a:solidFill>
-            <a:srgbClr val="FF7F00"/>
-          </a:solidFill>
-          <a:ln w="57240">
-            <a:solidFill>
-              <a:srgbClr val="0000FF"/>
-            </a:solidFill>
-            <a:prstDash val="solid"/>
-          </a:ln>
-        </p:spPr>
-        <p:txBody>
-          <a:bodyPr vert="horz" wrap="none" lIns="118440" tIns="73440" rIns="118440" bIns="73440" anchor="ctr" anchorCtr="0" compatLnSpc="0">
-            <a:noAutofit/>
-          </a:bodyPr>
-          <a:lstStyle/>
-          <a:p>
-            <a:pPr marL="0" marR="0" lvl="0" indent="0" algn="ctr" rtl="0" hangingPunct="0">
-              <a:lnSpc>
-                <a:spcPct val="100000"/>
-              </a:lnSpc>
-              <a:spcBef>
-                <a:spcPts val="0"/>
-              </a:spcBef>
-              <a:spcAft>
-                <a:spcPts val="0"/>
-              </a:spcAft>
-              <a:buNone/>
-              <a:tabLst/>
-            </a:pPr>
-            <a:r>
-              <a:rPr lang="de-DE" sz="1400" b="0" i="0" u="none" strike="noStrike" kern="1200" cap="none">
-                <a:ln>
-                  <a:noFill/>
-                </a:ln>
-                <a:latin typeface="Liberation Sans" pitchFamily="18"/>
-                <a:ea typeface="Noto Sans CJK SC Regular" pitchFamily="2"/>
-                <a:cs typeface="FreeSans" pitchFamily="2"/>
-              </a:rPr>
-              <a:t>Module</a:t>
-            </a:r>
-          </a:p>
-        </p:txBody>
-      </p:sp>
-      <p:sp>
-        <p:nvSpPr>
-          <p:cNvPr id="19" name="Freeform: Shape 18"/>
-          <p:cNvSpPr/>
-          <p:nvPr/>
-        </p:nvSpPr>
-        <p:spPr>
-          <a:xfrm>
-            <a:off x="216000" y="2124000"/>
-            <a:ext cx="1007999" cy="684000"/>
-          </a:xfrm>
-          <a:custGeom>
-            <a:avLst/>
-            <a:gdLst>
-              <a:gd name="f0" fmla="val 0"/>
-              <a:gd name="f1" fmla="val 21600"/>
-            </a:gdLst>
-            <a:ahLst/>
-            <a:cxnLst>
-              <a:cxn ang="3cd4">
-                <a:pos x="hc" y="t"/>
-              </a:cxn>
-              <a:cxn ang="0">
-                <a:pos x="r" y="vc"/>
-              </a:cxn>
-              <a:cxn ang="cd4">
-                <a:pos x="hc" y="b"/>
-              </a:cxn>
-              <a:cxn ang="cd2">
-                <a:pos x="l" y="vc"/>
-              </a:cxn>
-            </a:cxnLst>
-            <a:rect l="l" t="t" r="r" b="b"/>
-            <a:pathLst>
-              <a:path w="21600" h="21600">
-                <a:moveTo>
-                  <a:pt x="f0" y="f0"/>
-                </a:moveTo>
-                <a:lnTo>
-                  <a:pt x="f1" y="f0"/>
-                </a:lnTo>
-                <a:lnTo>
-                  <a:pt x="f1" y="f1"/>
-                </a:lnTo>
-                <a:lnTo>
-                  <a:pt x="f0" y="f1"/>
-                </a:lnTo>
-                <a:lnTo>
-                  <a:pt x="f0" y="f0"/>
-                </a:lnTo>
-                <a:close/>
-              </a:path>
-            </a:pathLst>
-          </a:custGeom>
-          <a:solidFill>
-            <a:srgbClr val="FF7F00"/>
-          </a:solidFill>
-          <a:ln w="0">
-            <a:solidFill>
-              <a:srgbClr val="3465A4"/>
-            </a:solidFill>
-            <a:prstDash val="solid"/>
-          </a:ln>
-        </p:spPr>
-        <p:txBody>
-          <a:bodyPr vert="horz" wrap="none" lIns="90000" tIns="45000" rIns="90000" bIns="45000" anchor="ctr" anchorCtr="0" compatLnSpc="0">
-            <a:noAutofit/>
-          </a:bodyPr>
-          <a:lstStyle/>
-          <a:p>
-            <a:pPr marL="0" marR="0" lvl="0" indent="0" algn="ctr" rtl="0" hangingPunct="0">
-              <a:lnSpc>
-                <a:spcPct val="100000"/>
-              </a:lnSpc>
-              <a:spcBef>
-                <a:spcPts val="0"/>
-              </a:spcBef>
-              <a:spcAft>
-                <a:spcPts val="0"/>
-              </a:spcAft>
-              <a:buNone/>
-              <a:tabLst/>
-            </a:pPr>
-            <a:r>
-              <a:rPr lang="de-DE" sz="1400" b="0" i="0" u="none" strike="noStrike" kern="1200" cap="none">
-                <a:ln>
-                  <a:noFill/>
-                </a:ln>
-                <a:latin typeface="Liberation Sans" pitchFamily="18"/>
-                <a:ea typeface="Noto Sans CJK SC Regular" pitchFamily="2"/>
-                <a:cs typeface="FreeSans" pitchFamily="2"/>
-              </a:rPr>
-              <a:t>Lehrstühle</a:t>
-            </a:r>
-          </a:p>
-        </p:txBody>
-      </p:sp>
-      <p:sp>
-        <p:nvSpPr>
-          <p:cNvPr id="20" name="Freeform: Shape 19"/>
-          <p:cNvSpPr/>
-          <p:nvPr/>
-        </p:nvSpPr>
-        <p:spPr>
-          <a:xfrm>
-            <a:off x="3168000" y="720000"/>
-            <a:ext cx="1728000" cy="432000"/>
-          </a:xfrm>
-          <a:custGeom>
-            <a:avLst/>
-            <a:gdLst>
-              <a:gd name="f0" fmla="val 0"/>
-              <a:gd name="f1" fmla="val 21600"/>
-            </a:gdLst>
-            <a:ahLst/>
-            <a:cxnLst>
-              <a:cxn ang="3cd4">
-                <a:pos x="hc" y="t"/>
-              </a:cxn>
-              <a:cxn ang="0">
-                <a:pos x="r" y="vc"/>
-              </a:cxn>
-              <a:cxn ang="cd4">
-                <a:pos x="hc" y="b"/>
-              </a:cxn>
-              <a:cxn ang="cd2">
-                <a:pos x="l" y="vc"/>
-              </a:cxn>
-            </a:cxnLst>
-            <a:rect l="l" t="t" r="r" b="b"/>
-            <a:pathLst>
-              <a:path w="21600" h="21600">
-                <a:moveTo>
-                  <a:pt x="f0" y="f0"/>
-                </a:moveTo>
-                <a:lnTo>
-                  <a:pt x="f1" y="f0"/>
-                </a:lnTo>
-                <a:lnTo>
-                  <a:pt x="f1" y="f1"/>
-                </a:lnTo>
-                <a:lnTo>
-                  <a:pt x="f0" y="f1"/>
-                </a:lnTo>
-                <a:lnTo>
-                  <a:pt x="f0" y="f0"/>
-                </a:lnTo>
-                <a:close/>
-              </a:path>
-            </a:pathLst>
-          </a:custGeom>
-          <a:solidFill>
-            <a:srgbClr val="FF7F00"/>
-          </a:solidFill>
-          <a:ln w="0">
-            <a:solidFill>
-              <a:srgbClr val="3465A4"/>
-            </a:solidFill>
-            <a:prstDash val="solid"/>
-          </a:ln>
-        </p:spPr>
-        <p:txBody>
-          <a:bodyPr vert="horz" wrap="none" lIns="90000" tIns="45000" rIns="90000" bIns="45000" anchor="ctr" anchorCtr="0" compatLnSpc="0">
-            <a:noAutofit/>
-          </a:bodyPr>
-          <a:lstStyle/>
-          <a:p>
-            <a:pPr marL="0" marR="0" lvl="0" indent="0" algn="ctr" rtl="0" hangingPunct="0">
-              <a:lnSpc>
-                <a:spcPct val="100000"/>
-              </a:lnSpc>
-              <a:spcBef>
-                <a:spcPts val="0"/>
-              </a:spcBef>
-              <a:spcAft>
-                <a:spcPts val="0"/>
-              </a:spcAft>
-              <a:buNone/>
-              <a:tabLst/>
-              <a:defRPr sz="1800"/>
-            </a:pPr>
-            <a:r>
-              <a:rPr lang="de-DE" sz="1800" b="0" i="0" u="none" strike="noStrike" kern="1200" cap="none">
-                <a:ln>
-                  <a:noFill/>
-                </a:ln>
-                <a:latin typeface="Liberation Sans" pitchFamily="18"/>
-                <a:ea typeface="Noto Sans CJK SC Regular" pitchFamily="2"/>
-                <a:cs typeface="FreeSans" pitchFamily="2"/>
-              </a:rPr>
-              <a:t>Modul Löschen</a:t>
-            </a:r>
-          </a:p>
-        </p:txBody>
-      </p:sp>
-      <p:sp>
-        <p:nvSpPr>
-          <p:cNvPr id="21" name="Freeform: Shape 20"/>
-          <p:cNvSpPr/>
-          <p:nvPr/>
-        </p:nvSpPr>
-        <p:spPr>
-          <a:xfrm>
-            <a:off x="1368000" y="1512000"/>
-            <a:ext cx="8568000" cy="5256000"/>
-          </a:xfrm>
-          <a:custGeom>
-            <a:avLst/>
-            <a:gdLst>
-              <a:gd name="f0" fmla="val 0"/>
-              <a:gd name="f1" fmla="val 21600"/>
-            </a:gdLst>
-            <a:ahLst/>
-            <a:cxnLst>
-              <a:cxn ang="3cd4">
-                <a:pos x="hc" y="t"/>
-              </a:cxn>
-              <a:cxn ang="0">
-                <a:pos x="r" y="vc"/>
-              </a:cxn>
-              <a:cxn ang="cd4">
-                <a:pos x="hc" y="b"/>
-              </a:cxn>
-              <a:cxn ang="cd2">
-                <a:pos x="l" y="vc"/>
-              </a:cxn>
-            </a:cxnLst>
-            <a:rect l="l" t="t" r="r" b="b"/>
-            <a:pathLst>
-              <a:path w="21600" h="21600">
-                <a:moveTo>
-                  <a:pt x="f0" y="f0"/>
-                </a:moveTo>
-                <a:lnTo>
-                  <a:pt x="f1" y="f0"/>
-                </a:lnTo>
-                <a:lnTo>
-                  <a:pt x="f1" y="f1"/>
-                </a:lnTo>
-                <a:lnTo>
-                  <a:pt x="f0" y="f1"/>
-                </a:lnTo>
-                <a:lnTo>
-                  <a:pt x="f0" y="f0"/>
-                </a:lnTo>
-                <a:close/>
-              </a:path>
-            </a:pathLst>
-          </a:custGeom>
-          <a:solidFill>
-            <a:srgbClr val="307D37"/>
-          </a:solidFill>
-          <a:ln w="0">
-            <a:solidFill>
-              <a:srgbClr val="3465A4"/>
-            </a:solidFill>
-            <a:prstDash val="solid"/>
-          </a:ln>
-        </p:spPr>
-        <p:txBody>
-          <a:bodyPr vert="horz" wrap="none" lIns="90000" tIns="45000" rIns="90000" bIns="45000" anchor="ctr" anchorCtr="0" compatLnSpc="0">
-            <a:noAutofit/>
-          </a:bodyPr>
-          <a:lstStyle/>
-          <a:p>
-            <a:pPr marL="0" marR="0" lvl="0" indent="0" algn="ctr" rtl="0" hangingPunct="0">
-              <a:lnSpc>
-                <a:spcPct val="100000"/>
-              </a:lnSpc>
-              <a:spcBef>
-                <a:spcPts val="0"/>
-              </a:spcBef>
-              <a:spcAft>
-                <a:spcPts val="0"/>
-              </a:spcAft>
-              <a:buNone/>
-              <a:tabLst/>
-            </a:pPr>
-            <a:r>
-              <a:rPr lang="de-DE" sz="1800" b="0" i="0" u="none" strike="noStrike" kern="1200" cap="none">
-                <a:ln>
-                  <a:noFill/>
-                </a:ln>
-                <a:latin typeface="Liberation Sans" pitchFamily="18"/>
-                <a:ea typeface="Noto Sans CJK SC Regular" pitchFamily="2"/>
-                <a:cs typeface="FreeSans" pitchFamily="2"/>
-              </a:rPr>
-              <a:t>Tabelle mit Modulen (interaktiv)</a:t>
-            </a:r>
-          </a:p>
-        </p:txBody>
-      </p:sp>
     </p:spTree>
-  </p:cSld>
-  <p:clrMapOvr>
-    <a:masterClrMapping/>
-  </p:clrMapOvr>
-</p:sld>
-</file>
-
-<file path=ppt/slides/slide5.xml><?xml version="1.0" encoding="utf-8"?>
-<p:sld xmlns:a="http://schemas.openxmlformats.org/drawingml/2006/main" xmlns:r="http://schemas.openxmlformats.org/officeDocument/2006/relationships" xmlns:p="http://schemas.openxmlformats.org/presentationml/2006/main">
-  <p:cSld name="page5">
-    <p:spTree>
-      <p:nvGrpSpPr>
-        <p:cNvPr id="1" name=""/>
-        <p:cNvGrpSpPr/>
-        <p:nvPr/>
-      </p:nvGrpSpPr>
-      <p:grpSpPr>
-        <a:xfrm>
-          <a:off x="0" y="0"/>
-          <a:ext cx="0" cy="0"/>
-          <a:chOff x="0" y="0"/>
-          <a:chExt cx="0" cy="0"/>
-        </a:xfrm>
-      </p:grpSpPr>
-      <p:sp>
-        <p:nvSpPr>
-          <p:cNvPr id="2" name="Freeform: Shape 1"/>
-          <p:cNvSpPr/>
-          <p:nvPr/>
-        </p:nvSpPr>
-        <p:spPr>
-          <a:xfrm>
-            <a:off x="72000" y="72000"/>
-            <a:ext cx="9936000" cy="503999"/>
-          </a:xfrm>
-          <a:custGeom>
-            <a:avLst/>
-            <a:gdLst>
-              <a:gd name="f0" fmla="val 0"/>
-              <a:gd name="f1" fmla="val 21600"/>
-            </a:gdLst>
-            <a:ahLst/>
-            <a:cxnLst>
-              <a:cxn ang="3cd4">
-                <a:pos x="hc" y="t"/>
-              </a:cxn>
-              <a:cxn ang="0">
-                <a:pos x="r" y="vc"/>
-              </a:cxn>
-              <a:cxn ang="cd4">
-                <a:pos x="hc" y="b"/>
-              </a:cxn>
-              <a:cxn ang="cd2">
-                <a:pos x="l" y="vc"/>
-              </a:cxn>
-            </a:cxnLst>
-            <a:rect l="l" t="t" r="r" b="b"/>
-            <a:pathLst>
-              <a:path w="21600" h="21600">
-                <a:moveTo>
-                  <a:pt x="f0" y="f0"/>
-                </a:moveTo>
-                <a:lnTo>
-                  <a:pt x="f1" y="f0"/>
-                </a:lnTo>
-                <a:lnTo>
-                  <a:pt x="f1" y="f1"/>
-                </a:lnTo>
-                <a:lnTo>
-                  <a:pt x="f0" y="f1"/>
-                </a:lnTo>
-                <a:lnTo>
-                  <a:pt x="f0" y="f0"/>
-                </a:lnTo>
-                <a:close/>
-              </a:path>
-            </a:pathLst>
-          </a:custGeom>
-          <a:solidFill>
-            <a:srgbClr val="729FCF"/>
-          </a:solidFill>
-          <a:ln w="0">
-            <a:solidFill>
-              <a:srgbClr val="3465A4"/>
-            </a:solidFill>
-            <a:prstDash val="solid"/>
-          </a:ln>
-        </p:spPr>
-        <p:txBody>
-          <a:bodyPr vert="horz" wrap="none" lIns="90000" tIns="45000" rIns="90000" bIns="45000" anchor="ctr" anchorCtr="0" compatLnSpc="0">
-            <a:noAutofit/>
-          </a:bodyPr>
-          <a:lstStyle/>
-          <a:p>
-            <a:pPr marL="0" marR="0" lvl="0" indent="0" rtl="0" hangingPunct="0">
-              <a:lnSpc>
-                <a:spcPct val="100000"/>
-              </a:lnSpc>
-              <a:spcBef>
-                <a:spcPts val="0"/>
-              </a:spcBef>
-              <a:spcAft>
-                <a:spcPts val="0"/>
-              </a:spcAft>
-              <a:buNone/>
-              <a:tabLst/>
-            </a:pPr>
-            <a:endParaRPr lang="de-DE" sz="1800" b="0" i="0" u="none" strike="noStrike" kern="1200" cap="none">
-              <a:ln>
-                <a:noFill/>
-              </a:ln>
-              <a:latin typeface="Liberation Sans" pitchFamily="18"/>
-              <a:ea typeface="Noto Sans CJK SC Regular" pitchFamily="2"/>
-              <a:cs typeface="FreeSans" pitchFamily="2"/>
-            </a:endParaRPr>
-          </a:p>
-        </p:txBody>
-      </p:sp>
-      <p:sp>
-        <p:nvSpPr>
-          <p:cNvPr id="3" name="Freeform: Shape 2"/>
-          <p:cNvSpPr/>
-          <p:nvPr/>
-        </p:nvSpPr>
-        <p:spPr>
-          <a:xfrm>
-            <a:off x="72000" y="6912000"/>
-            <a:ext cx="9936000" cy="503999"/>
-          </a:xfrm>
-          <a:custGeom>
-            <a:avLst/>
-            <a:gdLst>
-              <a:gd name="f0" fmla="val 0"/>
-              <a:gd name="f1" fmla="val 21600"/>
-            </a:gdLst>
-            <a:ahLst/>
-            <a:cxnLst>
-              <a:cxn ang="3cd4">
-                <a:pos x="hc" y="t"/>
-              </a:cxn>
-              <a:cxn ang="0">
-                <a:pos x="r" y="vc"/>
-              </a:cxn>
-              <a:cxn ang="cd4">
-                <a:pos x="hc" y="b"/>
-              </a:cxn>
-              <a:cxn ang="cd2">
-                <a:pos x="l" y="vc"/>
-              </a:cxn>
-            </a:cxnLst>
-            <a:rect l="l" t="t" r="r" b="b"/>
-            <a:pathLst>
-              <a:path w="21600" h="21600">
-                <a:moveTo>
-                  <a:pt x="f0" y="f0"/>
-                </a:moveTo>
-                <a:lnTo>
-                  <a:pt x="f1" y="f0"/>
-                </a:lnTo>
-                <a:lnTo>
-                  <a:pt x="f1" y="f1"/>
-                </a:lnTo>
-                <a:lnTo>
-                  <a:pt x="f0" y="f1"/>
-                </a:lnTo>
-                <a:lnTo>
-                  <a:pt x="f0" y="f0"/>
-                </a:lnTo>
-                <a:close/>
-              </a:path>
-            </a:pathLst>
-          </a:custGeom>
-          <a:solidFill>
-            <a:srgbClr val="729FCF"/>
-          </a:solidFill>
-          <a:ln w="0">
-            <a:solidFill>
-              <a:srgbClr val="3465A4"/>
-            </a:solidFill>
-            <a:prstDash val="solid"/>
-          </a:ln>
-        </p:spPr>
-        <p:txBody>
-          <a:bodyPr vert="horz" wrap="none" lIns="90000" tIns="45000" rIns="90000" bIns="45000" anchor="ctr" anchorCtr="0" compatLnSpc="0">
-            <a:noAutofit/>
-          </a:bodyPr>
-          <a:lstStyle/>
-          <a:p>
-            <a:pPr marL="0" marR="0" lvl="0" indent="0" algn="ctr" rtl="0" hangingPunct="0">
-              <a:lnSpc>
-                <a:spcPct val="100000"/>
-              </a:lnSpc>
-              <a:spcBef>
-                <a:spcPts val="0"/>
-              </a:spcBef>
-              <a:spcAft>
-                <a:spcPts val="0"/>
-              </a:spcAft>
-              <a:buNone/>
-              <a:tabLst/>
-            </a:pPr>
-            <a:r>
-              <a:rPr lang="de-DE" sz="1800" b="0" i="0" u="none" strike="noStrike" kern="1200" cap="none">
-                <a:ln>
-                  <a:noFill/>
-                </a:ln>
-                <a:latin typeface="Liberation Sans" pitchFamily="18"/>
-                <a:ea typeface="Noto Sans CJK SC Regular" pitchFamily="2"/>
-                <a:cs typeface="FreeSans" pitchFamily="2"/>
-              </a:rPr>
-              <a:t>Fußzeile</a:t>
-            </a:r>
-          </a:p>
-        </p:txBody>
-      </p:sp>
-      <p:sp>
-        <p:nvSpPr>
-          <p:cNvPr id="4" name="Freeform: Shape 3"/>
-          <p:cNvSpPr/>
-          <p:nvPr/>
-        </p:nvSpPr>
-        <p:spPr>
-          <a:xfrm>
-            <a:off x="72000" y="576000"/>
-            <a:ext cx="1224000" cy="6840000"/>
-          </a:xfrm>
-          <a:custGeom>
-            <a:avLst/>
-            <a:gdLst>
-              <a:gd name="f0" fmla="val 0"/>
-              <a:gd name="f1" fmla="val 21600"/>
-            </a:gdLst>
-            <a:ahLst/>
-            <a:cxnLst>
-              <a:cxn ang="3cd4">
-                <a:pos x="hc" y="t"/>
-              </a:cxn>
-              <a:cxn ang="0">
-                <a:pos x="r" y="vc"/>
-              </a:cxn>
-              <a:cxn ang="cd4">
-                <a:pos x="hc" y="b"/>
-              </a:cxn>
-              <a:cxn ang="cd2">
-                <a:pos x="l" y="vc"/>
-              </a:cxn>
-            </a:cxnLst>
-            <a:rect l="l" t="t" r="r" b="b"/>
-            <a:pathLst>
-              <a:path w="21600" h="21600">
-                <a:moveTo>
-                  <a:pt x="f0" y="f0"/>
-                </a:moveTo>
-                <a:lnTo>
-                  <a:pt x="f1" y="f0"/>
-                </a:lnTo>
-                <a:lnTo>
-                  <a:pt x="f1" y="f1"/>
-                </a:lnTo>
-                <a:lnTo>
-                  <a:pt x="f0" y="f1"/>
-                </a:lnTo>
-                <a:lnTo>
-                  <a:pt x="f0" y="f0"/>
-                </a:lnTo>
-                <a:close/>
-              </a:path>
-            </a:pathLst>
-          </a:custGeom>
-          <a:solidFill>
-            <a:srgbClr val="729FCF"/>
-          </a:solidFill>
-          <a:ln>
-            <a:noFill/>
-            <a:prstDash val="solid"/>
-          </a:ln>
-        </p:spPr>
-        <p:txBody>
-          <a:bodyPr vert="horz" wrap="none" lIns="90000" tIns="45000" rIns="90000" bIns="45000" anchor="ctr" anchorCtr="0" compatLnSpc="0">
-            <a:noAutofit/>
-          </a:bodyPr>
-          <a:lstStyle/>
-          <a:p>
-            <a:pPr marL="0" marR="0" lvl="0" indent="0" algn="ctr" rtl="0" hangingPunct="0">
-              <a:lnSpc>
-                <a:spcPct val="100000"/>
-              </a:lnSpc>
-              <a:spcBef>
-                <a:spcPts val="0"/>
-              </a:spcBef>
-              <a:spcAft>
-                <a:spcPts val="0"/>
-              </a:spcAft>
-              <a:buNone/>
-              <a:tabLst/>
-            </a:pPr>
-            <a:endParaRPr lang="de-DE" sz="1800" b="0" i="0" u="none" strike="noStrike" kern="1200" cap="none">
-              <a:ln>
-                <a:noFill/>
-              </a:ln>
-              <a:latin typeface="Liberation Sans" pitchFamily="18"/>
-              <a:ea typeface="Noto Sans CJK SC Regular" pitchFamily="2"/>
-              <a:cs typeface="FreeSans" pitchFamily="2"/>
-            </a:endParaRPr>
-          </a:p>
-          <a:p>
-            <a:pPr marL="0" marR="0" lvl="0" indent="0" algn="ctr" rtl="0" hangingPunct="0">
-              <a:lnSpc>
-                <a:spcPct val="100000"/>
-              </a:lnSpc>
-              <a:spcBef>
-                <a:spcPts val="0"/>
-              </a:spcBef>
-              <a:spcAft>
-                <a:spcPts val="0"/>
-              </a:spcAft>
-              <a:buNone/>
-              <a:tabLst/>
-            </a:pPr>
-            <a:endParaRPr lang="de-DE" sz="1800" b="0" i="0" u="none" strike="noStrike" kern="1200" cap="none">
-              <a:ln>
-                <a:noFill/>
-              </a:ln>
-              <a:latin typeface="Liberation Sans" pitchFamily="18"/>
-              <a:ea typeface="Noto Sans CJK SC Regular" pitchFamily="2"/>
-              <a:cs typeface="FreeSans" pitchFamily="2"/>
-            </a:endParaRPr>
-          </a:p>
-          <a:p>
-            <a:pPr marL="0" marR="0" lvl="0" indent="0" algn="ctr" rtl="0" hangingPunct="0">
-              <a:lnSpc>
-                <a:spcPct val="100000"/>
-              </a:lnSpc>
-              <a:spcBef>
-                <a:spcPts val="0"/>
-              </a:spcBef>
-              <a:spcAft>
-                <a:spcPts val="0"/>
-              </a:spcAft>
-              <a:buNone/>
-              <a:tabLst/>
-            </a:pPr>
-            <a:endParaRPr lang="de-DE" sz="1800" b="0" i="0" u="none" strike="noStrike" kern="1200" cap="none">
-              <a:ln>
-                <a:noFill/>
-              </a:ln>
-              <a:latin typeface="Liberation Sans" pitchFamily="18"/>
-              <a:ea typeface="Noto Sans CJK SC Regular" pitchFamily="2"/>
-              <a:cs typeface="FreeSans" pitchFamily="2"/>
-            </a:endParaRPr>
-          </a:p>
-          <a:p>
-            <a:pPr marL="0" marR="0" lvl="0" indent="0" algn="ctr" rtl="0" hangingPunct="0">
-              <a:lnSpc>
-                <a:spcPct val="100000"/>
-              </a:lnSpc>
-              <a:spcBef>
-                <a:spcPts val="0"/>
-              </a:spcBef>
-              <a:spcAft>
-                <a:spcPts val="0"/>
-              </a:spcAft>
-              <a:buNone/>
-              <a:tabLst/>
-            </a:pPr>
-            <a:endParaRPr lang="de-DE" sz="1800" b="0" i="0" u="none" strike="noStrike" kern="1200" cap="none">
-              <a:ln>
-                <a:noFill/>
-              </a:ln>
-              <a:latin typeface="Liberation Sans" pitchFamily="18"/>
-              <a:ea typeface="Noto Sans CJK SC Regular" pitchFamily="2"/>
-              <a:cs typeface="FreeSans" pitchFamily="2"/>
-            </a:endParaRPr>
-          </a:p>
-          <a:p>
-            <a:pPr marL="0" marR="0" lvl="0" indent="0" algn="ctr" rtl="0" hangingPunct="0">
-              <a:lnSpc>
-                <a:spcPct val="100000"/>
-              </a:lnSpc>
-              <a:spcBef>
-                <a:spcPts val="0"/>
-              </a:spcBef>
-              <a:spcAft>
-                <a:spcPts val="0"/>
-              </a:spcAft>
-              <a:buNone/>
-              <a:tabLst/>
-            </a:pPr>
-            <a:endParaRPr lang="de-DE" sz="1800" b="0" i="0" u="none" strike="noStrike" kern="1200" cap="none">
-              <a:ln>
-                <a:noFill/>
-              </a:ln>
-              <a:latin typeface="Liberation Sans" pitchFamily="18"/>
-              <a:ea typeface="Noto Sans CJK SC Regular" pitchFamily="2"/>
-              <a:cs typeface="FreeSans" pitchFamily="2"/>
-            </a:endParaRPr>
-          </a:p>
-          <a:p>
-            <a:pPr marL="0" marR="0" lvl="0" indent="0" algn="ctr" rtl="0" hangingPunct="0">
-              <a:lnSpc>
-                <a:spcPct val="100000"/>
-              </a:lnSpc>
-              <a:spcBef>
-                <a:spcPts val="0"/>
-              </a:spcBef>
-              <a:spcAft>
-                <a:spcPts val="0"/>
-              </a:spcAft>
-              <a:buNone/>
-              <a:tabLst/>
-            </a:pPr>
-            <a:endParaRPr lang="de-DE" sz="1800" b="0" i="0" u="none" strike="noStrike" kern="1200" cap="none">
-              <a:ln>
-                <a:noFill/>
-              </a:ln>
-              <a:latin typeface="Liberation Sans" pitchFamily="18"/>
-              <a:ea typeface="Noto Sans CJK SC Regular" pitchFamily="2"/>
-              <a:cs typeface="FreeSans" pitchFamily="2"/>
-            </a:endParaRPr>
-          </a:p>
-          <a:p>
-            <a:pPr marL="0" marR="0" lvl="0" indent="0" algn="ctr" rtl="0" hangingPunct="0">
-              <a:lnSpc>
-                <a:spcPct val="100000"/>
-              </a:lnSpc>
-              <a:spcBef>
-                <a:spcPts val="0"/>
-              </a:spcBef>
-              <a:spcAft>
-                <a:spcPts val="0"/>
-              </a:spcAft>
-              <a:buNone/>
-              <a:tabLst/>
-            </a:pPr>
-            <a:endParaRPr lang="de-DE" sz="1800" b="0" i="0" u="none" strike="noStrike" kern="1200" cap="none">
-              <a:ln>
-                <a:noFill/>
-              </a:ln>
-              <a:latin typeface="Liberation Sans" pitchFamily="18"/>
-              <a:ea typeface="Noto Sans CJK SC Regular" pitchFamily="2"/>
-              <a:cs typeface="FreeSans" pitchFamily="2"/>
-            </a:endParaRPr>
-          </a:p>
-          <a:p>
-            <a:pPr marL="0" marR="0" lvl="0" indent="0" algn="ctr" rtl="0" hangingPunct="0">
-              <a:lnSpc>
-                <a:spcPct val="100000"/>
-              </a:lnSpc>
-              <a:spcBef>
-                <a:spcPts val="0"/>
-              </a:spcBef>
-              <a:spcAft>
-                <a:spcPts val="0"/>
-              </a:spcAft>
-              <a:buNone/>
-              <a:tabLst/>
-            </a:pPr>
-            <a:endParaRPr lang="de-DE" sz="1800" b="0" i="0" u="none" strike="noStrike" kern="1200" cap="none">
-              <a:ln>
-                <a:noFill/>
-              </a:ln>
-              <a:latin typeface="Liberation Sans" pitchFamily="18"/>
-              <a:ea typeface="Noto Sans CJK SC Regular" pitchFamily="2"/>
-              <a:cs typeface="FreeSans" pitchFamily="2"/>
-            </a:endParaRPr>
-          </a:p>
-        </p:txBody>
-      </p:sp>
-      <p:sp>
-        <p:nvSpPr>
-          <p:cNvPr id="5" name="TextBox 4"/>
-          <p:cNvSpPr txBox="1"/>
-          <p:nvPr/>
-        </p:nvSpPr>
-        <p:spPr>
-          <a:xfrm>
-            <a:off x="2448000" y="1944000"/>
-            <a:ext cx="5616000" cy="427320"/>
-          </a:xfrm>
-          <a:prstGeom prst="rect">
-            <a:avLst/>
-          </a:prstGeom>
-          <a:noFill/>
-          <a:ln>
-            <a:noFill/>
-          </a:ln>
-        </p:spPr>
-        <p:txBody>
-          <a:bodyPr vert="horz" wrap="none" lIns="90000" tIns="45000" rIns="90000" bIns="45000" anchorCtr="0" compatLnSpc="0">
-            <a:spAutoFit/>
-          </a:bodyPr>
-          <a:lstStyle/>
-          <a:p>
-            <a:pPr marL="0" marR="0" lvl="0" indent="0" rtl="0" hangingPunct="0">
-              <a:lnSpc>
-                <a:spcPct val="100000"/>
-              </a:lnSpc>
-              <a:spcBef>
-                <a:spcPts val="0"/>
-              </a:spcBef>
-              <a:spcAft>
-                <a:spcPts val="0"/>
-              </a:spcAft>
-              <a:buNone/>
-              <a:tabLst/>
-            </a:pPr>
-            <a:endParaRPr lang="de-DE" sz="1800" b="0" i="0" u="none" strike="noStrike" kern="1200" cap="none">
-              <a:ln>
-                <a:noFill/>
-              </a:ln>
-              <a:latin typeface="Liberation Sans" pitchFamily="18"/>
-              <a:ea typeface="Noto Sans CJK SC Regular" pitchFamily="2"/>
-              <a:cs typeface="FreeSans" pitchFamily="2"/>
-            </a:endParaRPr>
-          </a:p>
-        </p:txBody>
-      </p:sp>
-      <p:sp>
-        <p:nvSpPr>
-          <p:cNvPr id="6" name="Freeform: Shape 5"/>
-          <p:cNvSpPr/>
-          <p:nvPr/>
-        </p:nvSpPr>
-        <p:spPr>
-          <a:xfrm>
-            <a:off x="72000" y="72000"/>
-            <a:ext cx="9936000" cy="7343999"/>
-          </a:xfrm>
-          <a:custGeom>
-            <a:avLst/>
-            <a:gdLst>
-              <a:gd name="f0" fmla="val 0"/>
-              <a:gd name="f1" fmla="val 21600"/>
-            </a:gdLst>
-            <a:ahLst/>
-            <a:cxnLst>
-              <a:cxn ang="3cd4">
-                <a:pos x="hc" y="t"/>
-              </a:cxn>
-              <a:cxn ang="0">
-                <a:pos x="r" y="vc"/>
-              </a:cxn>
-              <a:cxn ang="cd4">
-                <a:pos x="hc" y="b"/>
-              </a:cxn>
-              <a:cxn ang="cd2">
-                <a:pos x="l" y="vc"/>
-              </a:cxn>
-            </a:cxnLst>
-            <a:rect l="l" t="t" r="r" b="b"/>
-            <a:pathLst>
-              <a:path w="21600" h="21600">
-                <a:moveTo>
-                  <a:pt x="f0" y="f0"/>
-                </a:moveTo>
-                <a:lnTo>
-                  <a:pt x="f1" y="f0"/>
-                </a:lnTo>
-                <a:lnTo>
-                  <a:pt x="f1" y="f1"/>
-                </a:lnTo>
-                <a:lnTo>
-                  <a:pt x="f0" y="f1"/>
-                </a:lnTo>
-                <a:lnTo>
-                  <a:pt x="f0" y="f0"/>
-                </a:lnTo>
-                <a:close/>
-              </a:path>
-            </a:pathLst>
-          </a:custGeom>
-          <a:solidFill>
-            <a:srgbClr val="729FCF">
-              <a:alpha val="0"/>
-            </a:srgbClr>
-          </a:solidFill>
-          <a:ln w="29160">
-            <a:solidFill>
-              <a:srgbClr val="3465A4"/>
-            </a:solidFill>
-            <a:prstDash val="solid"/>
-          </a:ln>
-        </p:spPr>
-        <p:txBody>
-          <a:bodyPr vert="horz" wrap="none" lIns="104400" tIns="59400" rIns="104400" bIns="59400" anchor="ctr" anchorCtr="0" compatLnSpc="0">
-            <a:noAutofit/>
-          </a:bodyPr>
-          <a:lstStyle/>
-          <a:p>
-            <a:pPr marL="0" marR="0" lvl="0" indent="0" rtl="0" hangingPunct="0">
-              <a:lnSpc>
-                <a:spcPct val="100000"/>
-              </a:lnSpc>
-              <a:spcBef>
-                <a:spcPts val="0"/>
-              </a:spcBef>
-              <a:spcAft>
-                <a:spcPts val="0"/>
-              </a:spcAft>
-              <a:buNone/>
-              <a:tabLst/>
-            </a:pPr>
-            <a:endParaRPr lang="de-DE" sz="1800" b="0" i="0" u="none" strike="noStrike" kern="1200" cap="none">
-              <a:ln>
-                <a:noFill/>
-              </a:ln>
-              <a:latin typeface="Liberation Sans" pitchFamily="18"/>
-              <a:ea typeface="Noto Sans CJK SC Regular" pitchFamily="2"/>
-              <a:cs typeface="FreeSans" pitchFamily="2"/>
-            </a:endParaRPr>
-          </a:p>
-        </p:txBody>
-      </p:sp>
-      <p:sp>
-        <p:nvSpPr>
-          <p:cNvPr id="7" name="Freeform: Shape 6"/>
-          <p:cNvSpPr/>
-          <p:nvPr/>
-        </p:nvSpPr>
-        <p:spPr>
-          <a:xfrm>
-            <a:off x="1368000" y="720000"/>
-            <a:ext cx="1728000" cy="432000"/>
-          </a:xfrm>
-          <a:custGeom>
-            <a:avLst/>
-            <a:gdLst>
-              <a:gd name="f0" fmla="val 0"/>
-              <a:gd name="f1" fmla="val 21600"/>
-            </a:gdLst>
-            <a:ahLst/>
-            <a:cxnLst>
-              <a:cxn ang="3cd4">
-                <a:pos x="hc" y="t"/>
-              </a:cxn>
-              <a:cxn ang="0">
-                <a:pos x="r" y="vc"/>
-              </a:cxn>
-              <a:cxn ang="cd4">
-                <a:pos x="hc" y="b"/>
-              </a:cxn>
-              <a:cxn ang="cd2">
-                <a:pos x="l" y="vc"/>
-              </a:cxn>
-            </a:cxnLst>
-            <a:rect l="l" t="t" r="r" b="b"/>
-            <a:pathLst>
-              <a:path w="21600" h="21600">
-                <a:moveTo>
-                  <a:pt x="f0" y="f0"/>
-                </a:moveTo>
-                <a:lnTo>
-                  <a:pt x="f1" y="f0"/>
-                </a:lnTo>
-                <a:lnTo>
-                  <a:pt x="f1" y="f1"/>
-                </a:lnTo>
-                <a:lnTo>
-                  <a:pt x="f0" y="f1"/>
-                </a:lnTo>
-                <a:lnTo>
-                  <a:pt x="f0" y="f0"/>
-                </a:lnTo>
-                <a:close/>
-              </a:path>
-            </a:pathLst>
-          </a:custGeom>
-          <a:solidFill>
-            <a:srgbClr val="FF7F00"/>
-          </a:solidFill>
-          <a:ln w="0">
-            <a:solidFill>
-              <a:srgbClr val="3465A4"/>
-            </a:solidFill>
-            <a:prstDash val="solid"/>
-          </a:ln>
-        </p:spPr>
-        <p:txBody>
-          <a:bodyPr vert="horz" wrap="none" lIns="90000" tIns="45000" rIns="90000" bIns="45000" anchor="ctr" anchorCtr="0" compatLnSpc="0">
-            <a:noAutofit/>
-          </a:bodyPr>
-          <a:lstStyle/>
-          <a:p>
-            <a:pPr marL="0" marR="0" lvl="0" indent="0" algn="ctr" rtl="0" hangingPunct="0">
-              <a:lnSpc>
-                <a:spcPct val="100000"/>
-              </a:lnSpc>
-              <a:spcBef>
-                <a:spcPts val="0"/>
-              </a:spcBef>
-              <a:spcAft>
-                <a:spcPts val="0"/>
-              </a:spcAft>
-              <a:buNone/>
-              <a:tabLst/>
-            </a:pPr>
-            <a:r>
-              <a:rPr lang="de-DE" sz="1800" b="0" i="0" u="none" strike="noStrike" kern="1200" cap="none">
-                <a:ln>
-                  <a:noFill/>
-                </a:ln>
-                <a:latin typeface="Liberation Sans" pitchFamily="18"/>
-                <a:ea typeface="Noto Sans CJK SC Regular" pitchFamily="2"/>
-                <a:cs typeface="FreeSans" pitchFamily="2"/>
-              </a:rPr>
-              <a:t>Neuer Lehrstuhl</a:t>
-            </a:r>
-          </a:p>
-        </p:txBody>
-      </p:sp>
-      <p:sp>
-        <p:nvSpPr>
-          <p:cNvPr id="8" name="Freeform: Shape 7"/>
-          <p:cNvSpPr/>
-          <p:nvPr/>
-        </p:nvSpPr>
-        <p:spPr>
-          <a:xfrm>
-            <a:off x="72000" y="72000"/>
-            <a:ext cx="9936000" cy="7343999"/>
-          </a:xfrm>
-          <a:custGeom>
-            <a:avLst/>
-            <a:gdLst>
-              <a:gd name="f0" fmla="val 0"/>
-              <a:gd name="f1" fmla="val 21600"/>
-            </a:gdLst>
-            <a:ahLst/>
-            <a:cxnLst>
-              <a:cxn ang="3cd4">
-                <a:pos x="hc" y="t"/>
-              </a:cxn>
-              <a:cxn ang="0">
-                <a:pos x="r" y="vc"/>
-              </a:cxn>
-              <a:cxn ang="cd4">
-                <a:pos x="hc" y="b"/>
-              </a:cxn>
-              <a:cxn ang="cd2">
-                <a:pos x="l" y="vc"/>
-              </a:cxn>
-            </a:cxnLst>
-            <a:rect l="l" t="t" r="r" b="b"/>
-            <a:pathLst>
-              <a:path w="21600" h="21600">
-                <a:moveTo>
-                  <a:pt x="f0" y="f0"/>
-                </a:moveTo>
-                <a:lnTo>
-                  <a:pt x="f1" y="f0"/>
-                </a:lnTo>
-                <a:lnTo>
-                  <a:pt x="f1" y="f1"/>
-                </a:lnTo>
-                <a:lnTo>
-                  <a:pt x="f0" y="f1"/>
-                </a:lnTo>
-                <a:lnTo>
-                  <a:pt x="f0" y="f0"/>
-                </a:lnTo>
-                <a:close/>
-              </a:path>
-            </a:pathLst>
-          </a:custGeom>
-          <a:solidFill>
-            <a:srgbClr val="729FCF">
-              <a:alpha val="0"/>
-            </a:srgbClr>
-          </a:solidFill>
-          <a:ln w="29160">
-            <a:solidFill>
-              <a:srgbClr val="3465A4"/>
-            </a:solidFill>
-            <a:prstDash val="solid"/>
-          </a:ln>
-        </p:spPr>
-        <p:txBody>
-          <a:bodyPr vert="horz" wrap="none" lIns="104400" tIns="59400" rIns="104400" bIns="59400" anchor="ctr" anchorCtr="0" compatLnSpc="0">
-            <a:noAutofit/>
-          </a:bodyPr>
-          <a:lstStyle/>
-          <a:p>
-            <a:pPr marL="0" marR="0" lvl="0" indent="0" rtl="0" hangingPunct="0">
-              <a:lnSpc>
-                <a:spcPct val="100000"/>
-              </a:lnSpc>
-              <a:spcBef>
-                <a:spcPts val="0"/>
-              </a:spcBef>
-              <a:spcAft>
-                <a:spcPts val="0"/>
-              </a:spcAft>
-              <a:buNone/>
-              <a:tabLst/>
-            </a:pPr>
-            <a:endParaRPr lang="de-DE" sz="1800" b="0" i="0" u="none" strike="noStrike" kern="1200" cap="none">
-              <a:ln>
-                <a:noFill/>
-              </a:ln>
-              <a:latin typeface="Liberation Sans" pitchFamily="18"/>
-              <a:ea typeface="Noto Sans CJK SC Regular" pitchFamily="2"/>
-              <a:cs typeface="FreeSans" pitchFamily="2"/>
-            </a:endParaRPr>
-          </a:p>
-        </p:txBody>
-      </p:sp>
-      <p:sp>
-        <p:nvSpPr>
-          <p:cNvPr id="9" name="Freeform: Shape 8"/>
-          <p:cNvSpPr/>
-          <p:nvPr/>
-        </p:nvSpPr>
-        <p:spPr>
-          <a:xfrm>
-            <a:off x="144000" y="108000"/>
-            <a:ext cx="1007999" cy="432000"/>
-          </a:xfrm>
-          <a:custGeom>
-            <a:avLst/>
-            <a:gdLst>
-              <a:gd name="f0" fmla="val 0"/>
-              <a:gd name="f1" fmla="val 21600"/>
-            </a:gdLst>
-            <a:ahLst/>
-            <a:cxnLst>
-              <a:cxn ang="3cd4">
-                <a:pos x="hc" y="t"/>
-              </a:cxn>
-              <a:cxn ang="0">
-                <a:pos x="r" y="vc"/>
-              </a:cxn>
-              <a:cxn ang="cd4">
-                <a:pos x="hc" y="b"/>
-              </a:cxn>
-              <a:cxn ang="cd2">
-                <a:pos x="l" y="vc"/>
-              </a:cxn>
-            </a:cxnLst>
-            <a:rect l="l" t="t" r="r" b="b"/>
-            <a:pathLst>
-              <a:path w="21600" h="21600">
-                <a:moveTo>
-                  <a:pt x="f0" y="f0"/>
-                </a:moveTo>
-                <a:lnTo>
-                  <a:pt x="f1" y="f0"/>
-                </a:lnTo>
-                <a:lnTo>
-                  <a:pt x="f1" y="f1"/>
-                </a:lnTo>
-                <a:lnTo>
-                  <a:pt x="f0" y="f1"/>
-                </a:lnTo>
-                <a:lnTo>
-                  <a:pt x="f0" y="f0"/>
-                </a:lnTo>
-                <a:close/>
-              </a:path>
-            </a:pathLst>
-          </a:custGeom>
-          <a:solidFill>
-            <a:srgbClr val="FF7F00"/>
-          </a:solidFill>
-          <a:ln w="6480">
-            <a:solidFill>
-              <a:srgbClr val="3465A4"/>
-            </a:solidFill>
-            <a:prstDash val="solid"/>
-          </a:ln>
-        </p:spPr>
-        <p:txBody>
-          <a:bodyPr vert="horz" wrap="none" lIns="93240" tIns="48240" rIns="93240" bIns="48240" anchor="ctr" anchorCtr="0" compatLnSpc="0">
-            <a:noAutofit/>
-          </a:bodyPr>
-          <a:lstStyle/>
-          <a:p>
-            <a:pPr marL="0" marR="0" lvl="0" indent="0" algn="ctr" rtl="0" hangingPunct="0">
-              <a:lnSpc>
-                <a:spcPct val="100000"/>
-              </a:lnSpc>
-              <a:spcBef>
-                <a:spcPts val="0"/>
-              </a:spcBef>
-              <a:spcAft>
-                <a:spcPts val="0"/>
-              </a:spcAft>
-              <a:buNone/>
-              <a:tabLst/>
-            </a:pPr>
-            <a:r>
-              <a:rPr lang="de-DE" sz="1400" b="0" i="0" u="none" strike="noStrike" kern="1200" cap="none">
-                <a:ln>
-                  <a:noFill/>
-                </a:ln>
-                <a:latin typeface="Liberation Sans" pitchFamily="18"/>
-                <a:ea typeface="Noto Sans CJK SC Regular" pitchFamily="2"/>
-                <a:cs typeface="FreeSans" pitchFamily="2"/>
-              </a:rPr>
-              <a:t>Dashboard</a:t>
-            </a:r>
-          </a:p>
-        </p:txBody>
-      </p:sp>
-      <p:sp>
-        <p:nvSpPr>
-          <p:cNvPr id="10" name="Freeform: Shape 9"/>
-          <p:cNvSpPr/>
-          <p:nvPr/>
-        </p:nvSpPr>
-        <p:spPr>
-          <a:xfrm>
-            <a:off x="1188000" y="108000"/>
-            <a:ext cx="720000" cy="432000"/>
-          </a:xfrm>
-          <a:custGeom>
-            <a:avLst/>
-            <a:gdLst>
-              <a:gd name="f0" fmla="val 0"/>
-              <a:gd name="f1" fmla="val 21600"/>
-            </a:gdLst>
-            <a:ahLst/>
-            <a:cxnLst>
-              <a:cxn ang="3cd4">
-                <a:pos x="hc" y="t"/>
-              </a:cxn>
-              <a:cxn ang="0">
-                <a:pos x="r" y="vc"/>
-              </a:cxn>
-              <a:cxn ang="cd4">
-                <a:pos x="hc" y="b"/>
-              </a:cxn>
-              <a:cxn ang="cd2">
-                <a:pos x="l" y="vc"/>
-              </a:cxn>
-            </a:cxnLst>
-            <a:rect l="l" t="t" r="r" b="b"/>
-            <a:pathLst>
-              <a:path w="21600" h="21600">
-                <a:moveTo>
-                  <a:pt x="f0" y="f0"/>
-                </a:moveTo>
-                <a:lnTo>
-                  <a:pt x="f1" y="f0"/>
-                </a:lnTo>
-                <a:lnTo>
-                  <a:pt x="f1" y="f1"/>
-                </a:lnTo>
-                <a:lnTo>
-                  <a:pt x="f0" y="f1"/>
-                </a:lnTo>
-                <a:lnTo>
-                  <a:pt x="f0" y="f0"/>
-                </a:lnTo>
-                <a:close/>
-              </a:path>
-            </a:pathLst>
-          </a:custGeom>
-          <a:solidFill>
-            <a:srgbClr val="FF7F00"/>
-          </a:solidFill>
-          <a:ln w="0">
-            <a:solidFill>
-              <a:srgbClr val="3465A4"/>
-            </a:solidFill>
-            <a:prstDash val="solid"/>
-          </a:ln>
-        </p:spPr>
-        <p:txBody>
-          <a:bodyPr vert="horz" wrap="none" lIns="90000" tIns="45000" rIns="90000" bIns="45000" anchor="ctr" anchorCtr="0" compatLnSpc="0">
-            <a:noAutofit/>
-          </a:bodyPr>
-          <a:lstStyle/>
-          <a:p>
-            <a:pPr marL="0" marR="0" lvl="0" indent="0" algn="ctr" rtl="0" hangingPunct="0">
-              <a:lnSpc>
-                <a:spcPct val="100000"/>
-              </a:lnSpc>
-              <a:spcBef>
-                <a:spcPts val="0"/>
-              </a:spcBef>
-              <a:spcAft>
-                <a:spcPts val="0"/>
-              </a:spcAft>
-              <a:buNone/>
-              <a:tabLst/>
-            </a:pPr>
-            <a:r>
-              <a:rPr lang="de-DE" sz="1400" b="0" i="0" u="none" strike="noStrike" kern="1200" cap="none">
-                <a:ln>
-                  <a:noFill/>
-                </a:ln>
-                <a:latin typeface="Liberation Sans" pitchFamily="18"/>
-                <a:ea typeface="Noto Sans CJK SC Regular" pitchFamily="2"/>
-                <a:cs typeface="FreeSans" pitchFamily="2"/>
-              </a:rPr>
-              <a:t>CMS</a:t>
-            </a:r>
-          </a:p>
-        </p:txBody>
-      </p:sp>
-      <p:sp>
-        <p:nvSpPr>
-          <p:cNvPr id="11" name="Freeform: Shape 10"/>
-          <p:cNvSpPr/>
-          <p:nvPr/>
-        </p:nvSpPr>
-        <p:spPr>
-          <a:xfrm>
-            <a:off x="1944000" y="108000"/>
-            <a:ext cx="756000" cy="432000"/>
-          </a:xfrm>
-          <a:custGeom>
-            <a:avLst/>
-            <a:gdLst>
-              <a:gd name="f0" fmla="val 0"/>
-              <a:gd name="f1" fmla="val 21600"/>
-            </a:gdLst>
-            <a:ahLst/>
-            <a:cxnLst>
-              <a:cxn ang="3cd4">
-                <a:pos x="hc" y="t"/>
-              </a:cxn>
-              <a:cxn ang="0">
-                <a:pos x="r" y="vc"/>
-              </a:cxn>
-              <a:cxn ang="cd4">
-                <a:pos x="hc" y="b"/>
-              </a:cxn>
-              <a:cxn ang="cd2">
-                <a:pos x="l" y="vc"/>
-              </a:cxn>
-            </a:cxnLst>
-            <a:rect l="l" t="t" r="r" b="b"/>
-            <a:pathLst>
-              <a:path w="21600" h="21600">
-                <a:moveTo>
-                  <a:pt x="f0" y="f0"/>
-                </a:moveTo>
-                <a:lnTo>
-                  <a:pt x="f1" y="f0"/>
-                </a:lnTo>
-                <a:lnTo>
-                  <a:pt x="f1" y="f1"/>
-                </a:lnTo>
-                <a:lnTo>
-                  <a:pt x="f0" y="f1"/>
-                </a:lnTo>
-                <a:lnTo>
-                  <a:pt x="f0" y="f0"/>
-                </a:lnTo>
-                <a:close/>
-              </a:path>
-            </a:pathLst>
-          </a:custGeom>
-          <a:solidFill>
-            <a:srgbClr val="FF7F00"/>
-          </a:solidFill>
-          <a:ln w="0">
-            <a:solidFill>
-              <a:srgbClr val="3465A4"/>
-            </a:solidFill>
-            <a:prstDash val="solid"/>
-          </a:ln>
-        </p:spPr>
-        <p:txBody>
-          <a:bodyPr vert="horz" wrap="none" lIns="90000" tIns="45000" rIns="90000" bIns="45000" anchor="ctr" anchorCtr="0" compatLnSpc="0">
-            <a:noAutofit/>
-          </a:bodyPr>
-          <a:lstStyle/>
-          <a:p>
-            <a:pPr marL="0" marR="0" lvl="0" indent="0" algn="ctr" rtl="0" hangingPunct="0">
-              <a:lnSpc>
-                <a:spcPct val="100000"/>
-              </a:lnSpc>
-              <a:spcBef>
-                <a:spcPts val="0"/>
-              </a:spcBef>
-              <a:spcAft>
-                <a:spcPts val="0"/>
-              </a:spcAft>
-              <a:buNone/>
-              <a:tabLst/>
-            </a:pPr>
-            <a:r>
-              <a:rPr lang="de-DE" sz="1400" b="0" i="0" u="none" strike="noStrike" kern="1200" cap="none">
-                <a:ln>
-                  <a:noFill/>
-                </a:ln>
-                <a:latin typeface="Liberation Sans" pitchFamily="18"/>
-                <a:ea typeface="Noto Sans CJK SC Regular" pitchFamily="2"/>
-                <a:cs typeface="FreeSans" pitchFamily="2"/>
-              </a:rPr>
-              <a:t>Media</a:t>
-            </a:r>
-          </a:p>
-        </p:txBody>
-      </p:sp>
-      <p:sp>
-        <p:nvSpPr>
-          <p:cNvPr id="12" name="Freeform: Shape 11"/>
-          <p:cNvSpPr/>
-          <p:nvPr/>
-        </p:nvSpPr>
-        <p:spPr>
-          <a:xfrm>
-            <a:off x="2772000" y="108000"/>
-            <a:ext cx="720000" cy="432000"/>
-          </a:xfrm>
-          <a:custGeom>
-            <a:avLst/>
-            <a:gdLst>
-              <a:gd name="f0" fmla="val 0"/>
-              <a:gd name="f1" fmla="val 21600"/>
-            </a:gdLst>
-            <a:ahLst/>
-            <a:cxnLst>
-              <a:cxn ang="3cd4">
-                <a:pos x="hc" y="t"/>
-              </a:cxn>
-              <a:cxn ang="0">
-                <a:pos x="r" y="vc"/>
-              </a:cxn>
-              <a:cxn ang="cd4">
-                <a:pos x="hc" y="b"/>
-              </a:cxn>
-              <a:cxn ang="cd2">
-                <a:pos x="l" y="vc"/>
-              </a:cxn>
-            </a:cxnLst>
-            <a:rect l="l" t="t" r="r" b="b"/>
-            <a:pathLst>
-              <a:path w="21600" h="21600">
-                <a:moveTo>
-                  <a:pt x="f0" y="f0"/>
-                </a:moveTo>
-                <a:lnTo>
-                  <a:pt x="f1" y="f0"/>
-                </a:lnTo>
-                <a:lnTo>
-                  <a:pt x="f1" y="f1"/>
-                </a:lnTo>
-                <a:lnTo>
-                  <a:pt x="f0" y="f1"/>
-                </a:lnTo>
-                <a:lnTo>
-                  <a:pt x="f0" y="f0"/>
-                </a:lnTo>
-                <a:close/>
-              </a:path>
-            </a:pathLst>
-          </a:custGeom>
-          <a:solidFill>
-            <a:srgbClr val="FF7F00"/>
-          </a:solidFill>
-          <a:ln w="0">
-            <a:solidFill>
-              <a:srgbClr val="3465A4"/>
-            </a:solidFill>
-            <a:prstDash val="solid"/>
-          </a:ln>
-        </p:spPr>
-        <p:txBody>
-          <a:bodyPr vert="horz" wrap="none" lIns="90000" tIns="45000" rIns="90000" bIns="45000" anchor="ctr" anchorCtr="0" compatLnSpc="0">
-            <a:noAutofit/>
-          </a:bodyPr>
-          <a:lstStyle/>
-          <a:p>
-            <a:pPr marL="0" marR="0" lvl="0" indent="0" algn="ctr" rtl="0" hangingPunct="0">
-              <a:lnSpc>
-                <a:spcPct val="100000"/>
-              </a:lnSpc>
-              <a:spcBef>
-                <a:spcPts val="0"/>
-              </a:spcBef>
-              <a:spcAft>
-                <a:spcPts val="0"/>
-              </a:spcAft>
-              <a:buNone/>
-              <a:tabLst/>
-            </a:pPr>
-            <a:r>
-              <a:rPr lang="de-DE" sz="1400" b="0" i="0" u="none" strike="noStrike" kern="1200" cap="none">
-                <a:ln>
-                  <a:noFill/>
-                </a:ln>
-                <a:latin typeface="Liberation Sans" pitchFamily="18"/>
-                <a:ea typeface="Noto Sans CJK SC Regular" pitchFamily="2"/>
-                <a:cs typeface="FreeSans" pitchFamily="2"/>
-              </a:rPr>
-              <a:t>Pages</a:t>
-            </a:r>
-          </a:p>
-        </p:txBody>
-      </p:sp>
-      <p:sp>
-        <p:nvSpPr>
-          <p:cNvPr id="13" name="Freeform: Shape 12"/>
-          <p:cNvSpPr/>
-          <p:nvPr/>
-        </p:nvSpPr>
-        <p:spPr>
-          <a:xfrm>
-            <a:off x="4500000" y="108000"/>
-            <a:ext cx="684000" cy="432000"/>
-          </a:xfrm>
-          <a:custGeom>
-            <a:avLst/>
-            <a:gdLst>
-              <a:gd name="f0" fmla="val 0"/>
-              <a:gd name="f1" fmla="val 21600"/>
-            </a:gdLst>
-            <a:ahLst/>
-            <a:cxnLst>
-              <a:cxn ang="3cd4">
-                <a:pos x="hc" y="t"/>
-              </a:cxn>
-              <a:cxn ang="0">
-                <a:pos x="r" y="vc"/>
-              </a:cxn>
-              <a:cxn ang="cd4">
-                <a:pos x="hc" y="b"/>
-              </a:cxn>
-              <a:cxn ang="cd2">
-                <a:pos x="l" y="vc"/>
-              </a:cxn>
-            </a:cxnLst>
-            <a:rect l="l" t="t" r="r" b="b"/>
-            <a:pathLst>
-              <a:path w="21600" h="21600">
-                <a:moveTo>
-                  <a:pt x="f0" y="f0"/>
-                </a:moveTo>
-                <a:lnTo>
-                  <a:pt x="f1" y="f0"/>
-                </a:lnTo>
-                <a:lnTo>
-                  <a:pt x="f1" y="f1"/>
-                </a:lnTo>
-                <a:lnTo>
-                  <a:pt x="f0" y="f1"/>
-                </a:lnTo>
-                <a:lnTo>
-                  <a:pt x="f0" y="f0"/>
-                </a:lnTo>
-                <a:close/>
-              </a:path>
-            </a:pathLst>
-          </a:custGeom>
-          <a:solidFill>
-            <a:srgbClr val="FF7F00"/>
-          </a:solidFill>
-          <a:ln w="6480">
-            <a:solidFill>
-              <a:srgbClr val="3465A4"/>
-            </a:solidFill>
-            <a:prstDash val="solid"/>
-          </a:ln>
-        </p:spPr>
-        <p:txBody>
-          <a:bodyPr vert="horz" wrap="none" lIns="93240" tIns="48240" rIns="93240" bIns="48240" anchor="ctr" anchorCtr="0" compatLnSpc="0">
-            <a:noAutofit/>
-          </a:bodyPr>
-          <a:lstStyle/>
-          <a:p>
-            <a:pPr marL="0" marR="0" lvl="0" indent="0" algn="ctr" rtl="0" hangingPunct="0">
-              <a:lnSpc>
-                <a:spcPct val="100000"/>
-              </a:lnSpc>
-              <a:spcBef>
-                <a:spcPts val="0"/>
-              </a:spcBef>
-              <a:spcAft>
-                <a:spcPts val="0"/>
-              </a:spcAft>
-              <a:buNone/>
-              <a:tabLst/>
-            </a:pPr>
-            <a:r>
-              <a:rPr lang="de-DE" sz="1400" b="0" i="0" u="none" strike="noStrike" kern="1200" cap="none">
-                <a:ln>
-                  <a:noFill/>
-                </a:ln>
-                <a:latin typeface="Liberation Sans" pitchFamily="18"/>
-                <a:ea typeface="Noto Sans CJK SC Regular" pitchFamily="2"/>
-                <a:cs typeface="FreeSans" pitchFamily="2"/>
-              </a:rPr>
-              <a:t>Users</a:t>
-            </a:r>
-          </a:p>
-        </p:txBody>
-      </p:sp>
-      <p:sp>
-        <p:nvSpPr>
-          <p:cNvPr id="14" name="Freeform: Shape 13"/>
-          <p:cNvSpPr/>
-          <p:nvPr/>
-        </p:nvSpPr>
-        <p:spPr>
-          <a:xfrm>
-            <a:off x="3528000" y="108000"/>
-            <a:ext cx="936000" cy="432000"/>
-          </a:xfrm>
-          <a:custGeom>
-            <a:avLst/>
-            <a:gdLst>
-              <a:gd name="f0" fmla="val 0"/>
-              <a:gd name="f1" fmla="val 21600"/>
-            </a:gdLst>
-            <a:ahLst/>
-            <a:cxnLst>
-              <a:cxn ang="3cd4">
-                <a:pos x="hc" y="t"/>
-              </a:cxn>
-              <a:cxn ang="0">
-                <a:pos x="r" y="vc"/>
-              </a:cxn>
-              <a:cxn ang="cd4">
-                <a:pos x="hc" y="b"/>
-              </a:cxn>
-              <a:cxn ang="cd2">
-                <a:pos x="l" y="vc"/>
-              </a:cxn>
-            </a:cxnLst>
-            <a:rect l="l" t="t" r="r" b="b"/>
-            <a:pathLst>
-              <a:path w="21600" h="21600">
-                <a:moveTo>
-                  <a:pt x="f0" y="f0"/>
-                </a:moveTo>
-                <a:lnTo>
-                  <a:pt x="f1" y="f0"/>
-                </a:lnTo>
-                <a:lnTo>
-                  <a:pt x="f1" y="f1"/>
-                </a:lnTo>
-                <a:lnTo>
-                  <a:pt x="f0" y="f1"/>
-                </a:lnTo>
-                <a:lnTo>
-                  <a:pt x="f0" y="f0"/>
-                </a:lnTo>
-                <a:close/>
-              </a:path>
-            </a:pathLst>
-          </a:custGeom>
-          <a:solidFill>
-            <a:srgbClr val="FF7F00"/>
-          </a:solidFill>
-          <a:ln w="57240">
-            <a:solidFill>
-              <a:srgbClr val="0000FF"/>
-            </a:solidFill>
-            <a:prstDash val="solid"/>
-          </a:ln>
-        </p:spPr>
-        <p:txBody>
-          <a:bodyPr vert="horz" wrap="none" lIns="118440" tIns="73440" rIns="118440" bIns="73440" anchor="ctr" anchorCtr="0" compatLnSpc="0">
-            <a:noAutofit/>
-          </a:bodyPr>
-          <a:lstStyle/>
-          <a:p>
-            <a:pPr marL="0" marR="0" lvl="0" indent="0" algn="ctr" rtl="0" hangingPunct="0">
-              <a:lnSpc>
-                <a:spcPct val="100000"/>
-              </a:lnSpc>
-              <a:spcBef>
-                <a:spcPts val="0"/>
-              </a:spcBef>
-              <a:spcAft>
-                <a:spcPts val="0"/>
-              </a:spcAft>
-              <a:buNone/>
-              <a:tabLst/>
-            </a:pPr>
-            <a:r>
-              <a:rPr lang="de-DE" sz="1400" b="0" i="0" u="none" strike="noStrike" kern="1200" cap="none">
-                <a:ln>
-                  <a:noFill/>
-                </a:ln>
-                <a:latin typeface="Liberation Sans" pitchFamily="18"/>
-                <a:ea typeface="Noto Sans CJK SC Regular" pitchFamily="2"/>
-                <a:cs typeface="FreeSans" pitchFamily="2"/>
-              </a:rPr>
-              <a:t>Verwalten</a:t>
-            </a:r>
-          </a:p>
-        </p:txBody>
-      </p:sp>
-      <p:sp>
-        <p:nvSpPr>
-          <p:cNvPr id="15" name="Freeform: Shape 14"/>
-          <p:cNvSpPr/>
-          <p:nvPr/>
-        </p:nvSpPr>
-        <p:spPr>
-          <a:xfrm>
-            <a:off x="5220000" y="108000"/>
-            <a:ext cx="684000" cy="432000"/>
-          </a:xfrm>
-          <a:custGeom>
-            <a:avLst/>
-            <a:gdLst>
-              <a:gd name="f0" fmla="val 0"/>
-              <a:gd name="f1" fmla="val 21600"/>
-            </a:gdLst>
-            <a:ahLst/>
-            <a:cxnLst>
-              <a:cxn ang="3cd4">
-                <a:pos x="hc" y="t"/>
-              </a:cxn>
-              <a:cxn ang="0">
-                <a:pos x="r" y="vc"/>
-              </a:cxn>
-              <a:cxn ang="cd4">
-                <a:pos x="hc" y="b"/>
-              </a:cxn>
-              <a:cxn ang="cd2">
-                <a:pos x="l" y="vc"/>
-              </a:cxn>
-            </a:cxnLst>
-            <a:rect l="l" t="t" r="r" b="b"/>
-            <a:pathLst>
-              <a:path w="21600" h="21600">
-                <a:moveTo>
-                  <a:pt x="f0" y="f0"/>
-                </a:moveTo>
-                <a:lnTo>
-                  <a:pt x="f1" y="f0"/>
-                </a:lnTo>
-                <a:lnTo>
-                  <a:pt x="f1" y="f1"/>
-                </a:lnTo>
-                <a:lnTo>
-                  <a:pt x="f0" y="f1"/>
-                </a:lnTo>
-                <a:lnTo>
-                  <a:pt x="f0" y="f0"/>
-                </a:lnTo>
-                <a:close/>
-              </a:path>
-            </a:pathLst>
-          </a:custGeom>
-          <a:solidFill>
-            <a:srgbClr val="FF7F00"/>
-          </a:solidFill>
-          <a:ln w="6480">
-            <a:solidFill>
-              <a:srgbClr val="3465A4"/>
-            </a:solidFill>
-            <a:prstDash val="solid"/>
-          </a:ln>
-        </p:spPr>
-        <p:txBody>
-          <a:bodyPr vert="horz" wrap="none" lIns="93240" tIns="48240" rIns="93240" bIns="48240" anchor="ctr" anchorCtr="0" compatLnSpc="0">
-            <a:noAutofit/>
-          </a:bodyPr>
-          <a:lstStyle/>
-          <a:p>
-            <a:pPr marL="0" marR="0" lvl="0" indent="0" algn="ctr" rtl="0" hangingPunct="0">
-              <a:lnSpc>
-                <a:spcPct val="100000"/>
-              </a:lnSpc>
-              <a:spcBef>
-                <a:spcPts val="0"/>
-              </a:spcBef>
-              <a:spcAft>
-                <a:spcPts val="0"/>
-              </a:spcAft>
-              <a:buNone/>
-              <a:tabLst/>
-            </a:pPr>
-            <a:r>
-              <a:rPr lang="de-DE" sz="1400" b="0" i="0" u="none" strike="noStrike" kern="1200" cap="none">
-                <a:ln>
-                  <a:noFill/>
-                </a:ln>
-                <a:latin typeface="Liberation Sans" pitchFamily="18"/>
-                <a:ea typeface="Noto Sans CJK SC Regular" pitchFamily="2"/>
-                <a:cs typeface="FreeSans" pitchFamily="2"/>
-              </a:rPr>
-              <a:t>Settings</a:t>
-            </a:r>
-          </a:p>
-        </p:txBody>
-      </p:sp>
-      <p:sp>
-        <p:nvSpPr>
-          <p:cNvPr id="16" name="Freeform: Shape 15"/>
-          <p:cNvSpPr/>
-          <p:nvPr/>
-        </p:nvSpPr>
-        <p:spPr>
-          <a:xfrm>
-            <a:off x="9216000" y="108000"/>
-            <a:ext cx="684000" cy="432000"/>
-          </a:xfrm>
-          <a:custGeom>
-            <a:avLst/>
-            <a:gdLst>
-              <a:gd name="f0" fmla="val 0"/>
-              <a:gd name="f1" fmla="val 21600"/>
-            </a:gdLst>
-            <a:ahLst/>
-            <a:cxnLst>
-              <a:cxn ang="3cd4">
-                <a:pos x="hc" y="t"/>
-              </a:cxn>
-              <a:cxn ang="0">
-                <a:pos x="r" y="vc"/>
-              </a:cxn>
-              <a:cxn ang="cd4">
-                <a:pos x="hc" y="b"/>
-              </a:cxn>
-              <a:cxn ang="cd2">
-                <a:pos x="l" y="vc"/>
-              </a:cxn>
-            </a:cxnLst>
-            <a:rect l="l" t="t" r="r" b="b"/>
-            <a:pathLst>
-              <a:path w="21600" h="21600">
-                <a:moveTo>
-                  <a:pt x="f0" y="f0"/>
-                </a:moveTo>
-                <a:lnTo>
-                  <a:pt x="f1" y="f0"/>
-                </a:lnTo>
-                <a:lnTo>
-                  <a:pt x="f1" y="f1"/>
-                </a:lnTo>
-                <a:lnTo>
-                  <a:pt x="f0" y="f1"/>
-                </a:lnTo>
-                <a:lnTo>
-                  <a:pt x="f0" y="f0"/>
-                </a:lnTo>
-                <a:close/>
-              </a:path>
-            </a:pathLst>
-          </a:custGeom>
-          <a:solidFill>
-            <a:srgbClr val="FF7F00"/>
-          </a:solidFill>
-          <a:ln w="6480">
-            <a:solidFill>
-              <a:srgbClr val="3465A4"/>
-            </a:solidFill>
-            <a:prstDash val="solid"/>
-          </a:ln>
-        </p:spPr>
-        <p:txBody>
-          <a:bodyPr vert="horz" wrap="none" lIns="93240" tIns="48240" rIns="93240" bIns="48240" anchor="ctr" anchorCtr="0" compatLnSpc="0">
-            <a:noAutofit/>
-          </a:bodyPr>
-          <a:lstStyle/>
-          <a:p>
-            <a:pPr marL="0" marR="0" lvl="0" indent="0" algn="ctr" rtl="0" hangingPunct="0">
-              <a:lnSpc>
-                <a:spcPct val="100000"/>
-              </a:lnSpc>
-              <a:spcBef>
-                <a:spcPts val="0"/>
-              </a:spcBef>
-              <a:spcAft>
-                <a:spcPts val="0"/>
-              </a:spcAft>
-              <a:buNone/>
-              <a:tabLst/>
-            </a:pPr>
-            <a:r>
-              <a:rPr lang="de-DE" sz="1400" b="0" i="0" u="none" strike="noStrike" kern="1200" cap="none">
-                <a:ln>
-                  <a:noFill/>
-                </a:ln>
-                <a:latin typeface="Liberation Sans" pitchFamily="18"/>
-                <a:ea typeface="Noto Sans CJK SC Regular" pitchFamily="2"/>
-                <a:cs typeface="FreeSans" pitchFamily="2"/>
-              </a:rPr>
-              <a:t>User</a:t>
-            </a:r>
-          </a:p>
-        </p:txBody>
-      </p:sp>
-      <p:sp>
-        <p:nvSpPr>
-          <p:cNvPr id="17" name="Freeform: Shape 16"/>
-          <p:cNvSpPr/>
-          <p:nvPr/>
-        </p:nvSpPr>
-        <p:spPr>
-          <a:xfrm>
-            <a:off x="216000" y="684000"/>
-            <a:ext cx="1007999" cy="684000"/>
-          </a:xfrm>
-          <a:custGeom>
-            <a:avLst/>
-            <a:gdLst>
-              <a:gd name="f0" fmla="val 0"/>
-              <a:gd name="f1" fmla="val 21600"/>
-            </a:gdLst>
-            <a:ahLst/>
-            <a:cxnLst>
-              <a:cxn ang="3cd4">
-                <a:pos x="hc" y="t"/>
-              </a:cxn>
-              <a:cxn ang="0">
-                <a:pos x="r" y="vc"/>
-              </a:cxn>
-              <a:cxn ang="cd4">
-                <a:pos x="hc" y="b"/>
-              </a:cxn>
-              <a:cxn ang="cd2">
-                <a:pos x="l" y="vc"/>
-              </a:cxn>
-            </a:cxnLst>
-            <a:rect l="l" t="t" r="r" b="b"/>
-            <a:pathLst>
-              <a:path w="21600" h="21600">
-                <a:moveTo>
-                  <a:pt x="f0" y="f0"/>
-                </a:moveTo>
-                <a:lnTo>
-                  <a:pt x="f1" y="f0"/>
-                </a:lnTo>
-                <a:lnTo>
-                  <a:pt x="f1" y="f1"/>
-                </a:lnTo>
-                <a:lnTo>
-                  <a:pt x="f0" y="f1"/>
-                </a:lnTo>
-                <a:lnTo>
-                  <a:pt x="f0" y="f0"/>
-                </a:lnTo>
-                <a:close/>
-              </a:path>
-            </a:pathLst>
-          </a:custGeom>
-          <a:solidFill>
-            <a:srgbClr val="FF7F00"/>
-          </a:solidFill>
-          <a:ln w="0">
-            <a:solidFill>
-              <a:srgbClr val="3465A4"/>
-            </a:solidFill>
-            <a:prstDash val="solid"/>
-          </a:ln>
-        </p:spPr>
-        <p:txBody>
-          <a:bodyPr vert="horz" wrap="none" lIns="90000" tIns="45000" rIns="90000" bIns="45000" anchor="ctr" anchorCtr="0" compatLnSpc="0">
-            <a:noAutofit/>
-          </a:bodyPr>
-          <a:lstStyle/>
-          <a:p>
-            <a:pPr marL="0" marR="0" lvl="0" indent="0" algn="ctr" rtl="0" hangingPunct="0">
-              <a:lnSpc>
-                <a:spcPct val="100000"/>
-              </a:lnSpc>
-              <a:spcBef>
-                <a:spcPts val="0"/>
-              </a:spcBef>
-              <a:spcAft>
-                <a:spcPts val="0"/>
-              </a:spcAft>
-              <a:buNone/>
-              <a:tabLst/>
-            </a:pPr>
-            <a:r>
-              <a:rPr lang="de-DE" sz="1400" b="0" i="0" u="none" strike="noStrike" kern="1200" cap="none">
-                <a:ln>
-                  <a:noFill/>
-                </a:ln>
-                <a:latin typeface="Liberation Sans" pitchFamily="18"/>
-                <a:ea typeface="Noto Sans CJK SC Regular" pitchFamily="2"/>
-                <a:cs typeface="FreeSans" pitchFamily="2"/>
-              </a:rPr>
-              <a:t>Kurse</a:t>
-            </a:r>
-          </a:p>
-        </p:txBody>
-      </p:sp>
-      <p:sp>
-        <p:nvSpPr>
-          <p:cNvPr id="18" name="Freeform: Shape 17"/>
-          <p:cNvSpPr/>
-          <p:nvPr/>
-        </p:nvSpPr>
-        <p:spPr>
-          <a:xfrm>
-            <a:off x="216000" y="1404000"/>
-            <a:ext cx="1007999" cy="684000"/>
-          </a:xfrm>
-          <a:custGeom>
-            <a:avLst/>
-            <a:gdLst>
-              <a:gd name="f0" fmla="val 0"/>
-              <a:gd name="f1" fmla="val 21600"/>
-            </a:gdLst>
-            <a:ahLst/>
-            <a:cxnLst>
-              <a:cxn ang="3cd4">
-                <a:pos x="hc" y="t"/>
-              </a:cxn>
-              <a:cxn ang="0">
-                <a:pos x="r" y="vc"/>
-              </a:cxn>
-              <a:cxn ang="cd4">
-                <a:pos x="hc" y="b"/>
-              </a:cxn>
-              <a:cxn ang="cd2">
-                <a:pos x="l" y="vc"/>
-              </a:cxn>
-            </a:cxnLst>
-            <a:rect l="l" t="t" r="r" b="b"/>
-            <a:pathLst>
-              <a:path w="21600" h="21600">
-                <a:moveTo>
-                  <a:pt x="f0" y="f0"/>
-                </a:moveTo>
-                <a:lnTo>
-                  <a:pt x="f1" y="f0"/>
-                </a:lnTo>
-                <a:lnTo>
-                  <a:pt x="f1" y="f1"/>
-                </a:lnTo>
-                <a:lnTo>
-                  <a:pt x="f0" y="f1"/>
-                </a:lnTo>
-                <a:lnTo>
-                  <a:pt x="f0" y="f0"/>
-                </a:lnTo>
-                <a:close/>
-              </a:path>
-            </a:pathLst>
-          </a:custGeom>
-          <a:solidFill>
-            <a:srgbClr val="FF7F00"/>
-          </a:solidFill>
-          <a:ln w="0">
-            <a:solidFill>
-              <a:srgbClr val="3465A4"/>
-            </a:solidFill>
-            <a:prstDash val="solid"/>
-          </a:ln>
-        </p:spPr>
-        <p:txBody>
-          <a:bodyPr vert="horz" wrap="none" lIns="90000" tIns="45000" rIns="90000" bIns="45000" anchor="ctr" anchorCtr="0" compatLnSpc="0">
-            <a:noAutofit/>
-          </a:bodyPr>
-          <a:lstStyle/>
-          <a:p>
-            <a:pPr marL="0" marR="0" lvl="0" indent="0" algn="ctr" rtl="0" hangingPunct="0">
-              <a:lnSpc>
-                <a:spcPct val="100000"/>
-              </a:lnSpc>
-              <a:spcBef>
-                <a:spcPts val="0"/>
-              </a:spcBef>
-              <a:spcAft>
-                <a:spcPts val="0"/>
-              </a:spcAft>
-              <a:buNone/>
-              <a:tabLst/>
-            </a:pPr>
-            <a:r>
-              <a:rPr lang="de-DE" sz="1400" b="0" i="0" u="none" strike="noStrike" kern="1200" cap="none">
-                <a:ln>
-                  <a:noFill/>
-                </a:ln>
-                <a:latin typeface="Liberation Sans" pitchFamily="18"/>
-                <a:ea typeface="Noto Sans CJK SC Regular" pitchFamily="2"/>
-                <a:cs typeface="FreeSans" pitchFamily="2"/>
-              </a:rPr>
-              <a:t>Module</a:t>
-            </a:r>
-          </a:p>
-        </p:txBody>
-      </p:sp>
-      <p:sp>
-        <p:nvSpPr>
-          <p:cNvPr id="19" name="Freeform: Shape 18"/>
-          <p:cNvSpPr/>
-          <p:nvPr/>
-        </p:nvSpPr>
-        <p:spPr>
-          <a:xfrm>
-            <a:off x="216000" y="2124000"/>
-            <a:ext cx="1007999" cy="684000"/>
-          </a:xfrm>
-          <a:custGeom>
-            <a:avLst/>
-            <a:gdLst>
-              <a:gd name="f0" fmla="val 0"/>
-              <a:gd name="f1" fmla="val 21600"/>
-            </a:gdLst>
-            <a:ahLst/>
-            <a:cxnLst>
-              <a:cxn ang="3cd4">
-                <a:pos x="hc" y="t"/>
-              </a:cxn>
-              <a:cxn ang="0">
-                <a:pos x="r" y="vc"/>
-              </a:cxn>
-              <a:cxn ang="cd4">
-                <a:pos x="hc" y="b"/>
-              </a:cxn>
-              <a:cxn ang="cd2">
-                <a:pos x="l" y="vc"/>
-              </a:cxn>
-            </a:cxnLst>
-            <a:rect l="l" t="t" r="r" b="b"/>
-            <a:pathLst>
-              <a:path w="21600" h="21600">
-                <a:moveTo>
-                  <a:pt x="f0" y="f0"/>
-                </a:moveTo>
-                <a:lnTo>
-                  <a:pt x="f1" y="f0"/>
-                </a:lnTo>
-                <a:lnTo>
-                  <a:pt x="f1" y="f1"/>
-                </a:lnTo>
-                <a:lnTo>
-                  <a:pt x="f0" y="f1"/>
-                </a:lnTo>
-                <a:lnTo>
-                  <a:pt x="f0" y="f0"/>
-                </a:lnTo>
-                <a:close/>
-              </a:path>
-            </a:pathLst>
-          </a:custGeom>
-          <a:solidFill>
-            <a:srgbClr val="FF7F00"/>
-          </a:solidFill>
-          <a:ln w="57240">
-            <a:solidFill>
-              <a:srgbClr val="0000FF"/>
-            </a:solidFill>
-            <a:prstDash val="solid"/>
-          </a:ln>
-        </p:spPr>
-        <p:txBody>
-          <a:bodyPr vert="horz" wrap="none" lIns="118440" tIns="73440" rIns="118440" bIns="73440" anchor="ctr" anchorCtr="0" compatLnSpc="0">
-            <a:noAutofit/>
-          </a:bodyPr>
-          <a:lstStyle/>
-          <a:p>
-            <a:pPr marL="0" marR="0" lvl="0" indent="0" algn="ctr" rtl="0" hangingPunct="0">
-              <a:lnSpc>
-                <a:spcPct val="100000"/>
-              </a:lnSpc>
-              <a:spcBef>
-                <a:spcPts val="0"/>
-              </a:spcBef>
-              <a:spcAft>
-                <a:spcPts val="0"/>
-              </a:spcAft>
-              <a:buNone/>
-              <a:tabLst/>
-            </a:pPr>
-            <a:r>
-              <a:rPr lang="de-DE" sz="1400" b="0" i="0" u="none" strike="noStrike" kern="1200" cap="none">
-                <a:ln>
-                  <a:noFill/>
-                </a:ln>
-                <a:latin typeface="Liberation Sans" pitchFamily="18"/>
-                <a:ea typeface="Noto Sans CJK SC Regular" pitchFamily="2"/>
-                <a:cs typeface="FreeSans" pitchFamily="2"/>
-              </a:rPr>
-              <a:t>Lehrstühle</a:t>
-            </a:r>
-          </a:p>
-        </p:txBody>
-      </p:sp>
-      <p:sp>
-        <p:nvSpPr>
-          <p:cNvPr id="20" name="Freeform: Shape 19"/>
-          <p:cNvSpPr/>
-          <p:nvPr/>
-        </p:nvSpPr>
-        <p:spPr>
-          <a:xfrm>
-            <a:off x="3168000" y="720000"/>
-            <a:ext cx="1728000" cy="432000"/>
-          </a:xfrm>
-          <a:custGeom>
-            <a:avLst/>
-            <a:gdLst>
-              <a:gd name="f0" fmla="val 0"/>
-              <a:gd name="f1" fmla="val 21600"/>
-            </a:gdLst>
-            <a:ahLst/>
-            <a:cxnLst>
-              <a:cxn ang="3cd4">
-                <a:pos x="hc" y="t"/>
-              </a:cxn>
-              <a:cxn ang="0">
-                <a:pos x="r" y="vc"/>
-              </a:cxn>
-              <a:cxn ang="cd4">
-                <a:pos x="hc" y="b"/>
-              </a:cxn>
-              <a:cxn ang="cd2">
-                <a:pos x="l" y="vc"/>
-              </a:cxn>
-            </a:cxnLst>
-            <a:rect l="l" t="t" r="r" b="b"/>
-            <a:pathLst>
-              <a:path w="21600" h="21600">
-                <a:moveTo>
-                  <a:pt x="f0" y="f0"/>
-                </a:moveTo>
-                <a:lnTo>
-                  <a:pt x="f1" y="f0"/>
-                </a:lnTo>
-                <a:lnTo>
-                  <a:pt x="f1" y="f1"/>
-                </a:lnTo>
-                <a:lnTo>
-                  <a:pt x="f0" y="f1"/>
-                </a:lnTo>
-                <a:lnTo>
-                  <a:pt x="f0" y="f0"/>
-                </a:lnTo>
-                <a:close/>
-              </a:path>
-            </a:pathLst>
-          </a:custGeom>
-          <a:solidFill>
-            <a:srgbClr val="FF7F00"/>
-          </a:solidFill>
-          <a:ln w="0">
-            <a:solidFill>
-              <a:srgbClr val="3465A4"/>
-            </a:solidFill>
-            <a:prstDash val="solid"/>
-          </a:ln>
-        </p:spPr>
-        <p:txBody>
-          <a:bodyPr vert="horz" wrap="none" lIns="90000" tIns="45000" rIns="90000" bIns="45000" anchor="ctr" anchorCtr="0" compatLnSpc="0">
-            <a:noAutofit/>
-          </a:bodyPr>
-          <a:lstStyle/>
-          <a:p>
-            <a:pPr marL="0" marR="0" lvl="0" indent="0" algn="ctr" rtl="0" hangingPunct="0">
-              <a:lnSpc>
-                <a:spcPct val="100000"/>
-              </a:lnSpc>
-              <a:spcBef>
-                <a:spcPts val="0"/>
-              </a:spcBef>
-              <a:spcAft>
-                <a:spcPts val="0"/>
-              </a:spcAft>
-              <a:buNone/>
-              <a:tabLst/>
-              <a:defRPr sz="1600"/>
-            </a:pPr>
-            <a:r>
-              <a:rPr lang="de-DE" sz="1600" b="0" i="0" u="none" strike="noStrike" kern="1200" cap="none">
-                <a:ln>
-                  <a:noFill/>
-                </a:ln>
-                <a:latin typeface="Liberation Sans" pitchFamily="18"/>
-                <a:ea typeface="Noto Sans CJK SC Regular" pitchFamily="2"/>
-                <a:cs typeface="FreeSans" pitchFamily="2"/>
-              </a:rPr>
-              <a:t>Lehrstuhl Löschen</a:t>
-            </a:r>
-          </a:p>
-        </p:txBody>
-      </p:sp>
-      <p:sp>
-        <p:nvSpPr>
-          <p:cNvPr id="21" name="Freeform: Shape 20"/>
-          <p:cNvSpPr/>
-          <p:nvPr/>
-        </p:nvSpPr>
-        <p:spPr>
-          <a:xfrm>
-            <a:off x="1368000" y="1512000"/>
-            <a:ext cx="8568000" cy="5256000"/>
-          </a:xfrm>
-          <a:custGeom>
-            <a:avLst/>
-            <a:gdLst>
-              <a:gd name="f0" fmla="val 0"/>
-              <a:gd name="f1" fmla="val 21600"/>
-            </a:gdLst>
-            <a:ahLst/>
-            <a:cxnLst>
-              <a:cxn ang="3cd4">
-                <a:pos x="hc" y="t"/>
-              </a:cxn>
-              <a:cxn ang="0">
-                <a:pos x="r" y="vc"/>
-              </a:cxn>
-              <a:cxn ang="cd4">
-                <a:pos x="hc" y="b"/>
-              </a:cxn>
-              <a:cxn ang="cd2">
-                <a:pos x="l" y="vc"/>
-              </a:cxn>
-            </a:cxnLst>
-            <a:rect l="l" t="t" r="r" b="b"/>
-            <a:pathLst>
-              <a:path w="21600" h="21600">
-                <a:moveTo>
-                  <a:pt x="f0" y="f0"/>
-                </a:moveTo>
-                <a:lnTo>
-                  <a:pt x="f1" y="f0"/>
-                </a:lnTo>
-                <a:lnTo>
-                  <a:pt x="f1" y="f1"/>
-                </a:lnTo>
-                <a:lnTo>
-                  <a:pt x="f0" y="f1"/>
-                </a:lnTo>
-                <a:lnTo>
-                  <a:pt x="f0" y="f0"/>
-                </a:lnTo>
-                <a:close/>
-              </a:path>
-            </a:pathLst>
-          </a:custGeom>
-          <a:solidFill>
-            <a:srgbClr val="307D37"/>
-          </a:solidFill>
-          <a:ln w="0">
-            <a:solidFill>
-              <a:srgbClr val="3465A4"/>
-            </a:solidFill>
-            <a:prstDash val="solid"/>
-          </a:ln>
-        </p:spPr>
-        <p:txBody>
-          <a:bodyPr vert="horz" wrap="none" lIns="90000" tIns="45000" rIns="90000" bIns="45000" anchor="ctr" anchorCtr="0" compatLnSpc="0">
-            <a:noAutofit/>
-          </a:bodyPr>
-          <a:lstStyle/>
-          <a:p>
-            <a:pPr marL="0" marR="0" lvl="0" indent="0" algn="ctr" rtl="0" hangingPunct="0">
-              <a:lnSpc>
-                <a:spcPct val="100000"/>
-              </a:lnSpc>
-              <a:spcBef>
-                <a:spcPts val="0"/>
-              </a:spcBef>
-              <a:spcAft>
-                <a:spcPts val="0"/>
-              </a:spcAft>
-              <a:buNone/>
-              <a:tabLst/>
-            </a:pPr>
-            <a:r>
-              <a:rPr lang="de-DE" sz="1800" b="0" i="0" u="none" strike="noStrike" kern="1200" cap="none">
-                <a:ln>
-                  <a:noFill/>
-                </a:ln>
-                <a:latin typeface="Liberation Sans" pitchFamily="18"/>
-                <a:ea typeface="Noto Sans CJK SC Regular" pitchFamily="2"/>
-                <a:cs typeface="FreeSans" pitchFamily="2"/>
-              </a:rPr>
-              <a:t>Tabelle mit Lehrstühlen (interaktiv)</a:t>
-            </a:r>
-          </a:p>
-        </p:txBody>
-      </p:sp>
-    </p:spTree>
+    <p:extLst>
+      <p:ext uri="{BB962C8B-B14F-4D97-AF65-F5344CB8AC3E}">
+        <p14:creationId xmlns:p14="http://schemas.microsoft.com/office/powerpoint/2010/main" val="2839880372"/>
+      </p:ext>
+    </p:extLst>
   </p:cSld>
   <p:clrMapOvr>
     <a:masterClrMapping/>
